--- a/labs/Assignment_11.pptx
+++ b/labs/Assignment_11.pptx
@@ -5,7 +5,7 @@
     <p:sldMasterId id="2147483648" r:id="rId1"/>
   </p:sldMasterIdLst>
   <p:notesMasterIdLst>
-    <p:notesMasterId r:id="rId10"/>
+    <p:notesMasterId r:id="rId19"/>
   </p:notesMasterIdLst>
   <p:sldIdLst>
     <p:sldId id="256" r:id="rId2"/>
@@ -14,8 +14,17 @@
     <p:sldId id="264" r:id="rId5"/>
     <p:sldId id="261" r:id="rId6"/>
     <p:sldId id="257" r:id="rId7"/>
-    <p:sldId id="258" r:id="rId8"/>
-    <p:sldId id="259" r:id="rId9"/>
+    <p:sldId id="266" r:id="rId8"/>
+    <p:sldId id="267" r:id="rId9"/>
+    <p:sldId id="268" r:id="rId10"/>
+    <p:sldId id="269" r:id="rId11"/>
+    <p:sldId id="270" r:id="rId12"/>
+    <p:sldId id="271" r:id="rId13"/>
+    <p:sldId id="272" r:id="rId14"/>
+    <p:sldId id="258" r:id="rId15"/>
+    <p:sldId id="259" r:id="rId16"/>
+    <p:sldId id="273" r:id="rId17"/>
+    <p:sldId id="265" r:id="rId18"/>
   </p:sldIdLst>
   <p:sldSz cx="12192000" cy="6858000"/>
   <p:notesSz cx="6858000" cy="9144000"/>
@@ -114,6 +123,11 @@
       </a:defRPr>
     </a:lvl9pPr>
   </p:defaultTextStyle>
+  <p:extLst>
+    <p:ext uri="{EFAFB233-063F-42B5-8137-9DF3F51BA10A}">
+      <p15:sldGuideLst xmlns:p15="http://schemas.microsoft.com/office/powerpoint/2012/main"/>
+    </p:ext>
+  </p:extLst>
 </p:presentation>
 </file>
 
@@ -532,7 +546,7 @@
           <a:p>
             <a:fld id="{6A9B37A8-A69B-4588-9556-4E0A136D1400}" type="slidenum">
               <a:rPr lang="he-IL" smtClean="0"/>
-              <a:t>7</a:t>
+              <a:t>14</a:t>
             </a:fld>
             <a:endParaRPr lang="he-IL"/>
           </a:p>
@@ -4285,6 +4299,3562 @@
 </p:sld>
 </file>
 
+<file path=ppt/slides/slide10.xml><?xml version="1.0" encoding="utf-8"?>
+<p:sld xmlns:a="http://schemas.openxmlformats.org/drawingml/2006/main" xmlns:r="http://schemas.openxmlformats.org/officeDocument/2006/relationships" xmlns:p="http://schemas.openxmlformats.org/presentationml/2006/main">
+  <p:cSld>
+    <p:spTree>
+      <p:nvGrpSpPr>
+        <p:cNvPr id="1" name=""/>
+        <p:cNvGrpSpPr/>
+        <p:nvPr/>
+      </p:nvGrpSpPr>
+      <p:grpSpPr>
+        <a:xfrm>
+          <a:off x="0" y="0"/>
+          <a:ext cx="0" cy="0"/>
+          <a:chOff x="0" y="0"/>
+          <a:chExt cx="0" cy="0"/>
+        </a:xfrm>
+      </p:grpSpPr>
+      <p:sp>
+        <p:nvSpPr>
+          <p:cNvPr id="5" name="Slide Number Placeholder 5">
+            <a:extLst>
+              <a:ext uri="{FF2B5EF4-FFF2-40B4-BE49-F238E27FC236}">
+                <a16:creationId xmlns:a16="http://schemas.microsoft.com/office/drawing/2014/main" id="{AE7B8B15-47A2-80F3-86D4-1443AA709A30}"/>
+              </a:ext>
+            </a:extLst>
+          </p:cNvPr>
+          <p:cNvSpPr txBox="1">
+            <a:spLocks/>
+          </p:cNvSpPr>
+          <p:nvPr/>
+        </p:nvSpPr>
+        <p:spPr>
+          <a:xfrm>
+            <a:off x="11721830" y="6492875"/>
+            <a:ext cx="470170" cy="365125"/>
+          </a:xfrm>
+          <a:prstGeom prst="rect">
+            <a:avLst/>
+          </a:prstGeom>
+        </p:spPr>
+        <p:txBody>
+          <a:bodyPr vert="horz" lIns="91440" tIns="45720" rIns="91440" bIns="45720" rtlCol="0" anchor="ctr"/>
+          <a:lstStyle>
+            <a:defPPr>
+              <a:defRPr lang="he-IL"/>
+            </a:defPPr>
+            <a:lvl1pPr marL="0" algn="l" defTabSz="914400" rtl="0" eaLnBrk="1" latinLnBrk="0" hangingPunct="1">
+              <a:defRPr sz="1200" kern="1200">
+                <a:solidFill>
+                  <a:schemeClr val="tx1">
+                    <a:tint val="82000"/>
+                  </a:schemeClr>
+                </a:solidFill>
+                <a:latin typeface="+mn-lt"/>
+                <a:ea typeface="+mn-ea"/>
+                <a:cs typeface="+mn-cs"/>
+              </a:defRPr>
+            </a:lvl1pPr>
+            <a:lvl2pPr marL="457200" algn="l" defTabSz="914400" rtl="0" eaLnBrk="1" latinLnBrk="0" hangingPunct="1">
+              <a:defRPr sz="1800" kern="1200">
+                <a:solidFill>
+                  <a:schemeClr val="tx1"/>
+                </a:solidFill>
+                <a:latin typeface="+mn-lt"/>
+                <a:ea typeface="+mn-ea"/>
+                <a:cs typeface="+mn-cs"/>
+              </a:defRPr>
+            </a:lvl2pPr>
+            <a:lvl3pPr marL="914400" algn="l" defTabSz="914400" rtl="0" eaLnBrk="1" latinLnBrk="0" hangingPunct="1">
+              <a:defRPr sz="1800" kern="1200">
+                <a:solidFill>
+                  <a:schemeClr val="tx1"/>
+                </a:solidFill>
+                <a:latin typeface="+mn-lt"/>
+                <a:ea typeface="+mn-ea"/>
+                <a:cs typeface="+mn-cs"/>
+              </a:defRPr>
+            </a:lvl3pPr>
+            <a:lvl4pPr marL="1371600" algn="l" defTabSz="914400" rtl="0" eaLnBrk="1" latinLnBrk="0" hangingPunct="1">
+              <a:defRPr sz="1800" kern="1200">
+                <a:solidFill>
+                  <a:schemeClr val="tx1"/>
+                </a:solidFill>
+                <a:latin typeface="+mn-lt"/>
+                <a:ea typeface="+mn-ea"/>
+                <a:cs typeface="+mn-cs"/>
+              </a:defRPr>
+            </a:lvl4pPr>
+            <a:lvl5pPr marL="1828800" algn="l" defTabSz="914400" rtl="0" eaLnBrk="1" latinLnBrk="0" hangingPunct="1">
+              <a:defRPr sz="1800" kern="1200">
+                <a:solidFill>
+                  <a:schemeClr val="tx1"/>
+                </a:solidFill>
+                <a:latin typeface="+mn-lt"/>
+                <a:ea typeface="+mn-ea"/>
+                <a:cs typeface="+mn-cs"/>
+              </a:defRPr>
+            </a:lvl5pPr>
+            <a:lvl6pPr marL="2286000" algn="l" defTabSz="914400" rtl="0" eaLnBrk="1" latinLnBrk="0" hangingPunct="1">
+              <a:defRPr sz="1800" kern="1200">
+                <a:solidFill>
+                  <a:schemeClr val="tx1"/>
+                </a:solidFill>
+                <a:latin typeface="+mn-lt"/>
+                <a:ea typeface="+mn-ea"/>
+                <a:cs typeface="+mn-cs"/>
+              </a:defRPr>
+            </a:lvl6pPr>
+            <a:lvl7pPr marL="2743200" algn="l" defTabSz="914400" rtl="0" eaLnBrk="1" latinLnBrk="0" hangingPunct="1">
+              <a:defRPr sz="1800" kern="1200">
+                <a:solidFill>
+                  <a:schemeClr val="tx1"/>
+                </a:solidFill>
+                <a:latin typeface="+mn-lt"/>
+                <a:ea typeface="+mn-ea"/>
+                <a:cs typeface="+mn-cs"/>
+              </a:defRPr>
+            </a:lvl7pPr>
+            <a:lvl8pPr marL="3200400" algn="l" defTabSz="914400" rtl="0" eaLnBrk="1" latinLnBrk="0" hangingPunct="1">
+              <a:defRPr sz="1800" kern="1200">
+                <a:solidFill>
+                  <a:schemeClr val="tx1"/>
+                </a:solidFill>
+                <a:latin typeface="+mn-lt"/>
+                <a:ea typeface="+mn-ea"/>
+                <a:cs typeface="+mn-cs"/>
+              </a:defRPr>
+            </a:lvl8pPr>
+            <a:lvl9pPr marL="3657600" algn="l" defTabSz="914400" rtl="0" eaLnBrk="1" latinLnBrk="0" hangingPunct="1">
+              <a:defRPr sz="1800" kern="1200">
+                <a:solidFill>
+                  <a:schemeClr val="tx1"/>
+                </a:solidFill>
+                <a:latin typeface="+mn-lt"/>
+                <a:ea typeface="+mn-ea"/>
+                <a:cs typeface="+mn-cs"/>
+              </a:defRPr>
+            </a:lvl9pPr>
+          </a:lstStyle>
+          <a:p>
+            <a:fld id="{1E5BF412-EFCF-4C51-A2DF-B419076696E3}" type="slidenum">
+              <a:rPr lang="he-IL" sz="1600" smtClean="0"/>
+              <a:pPr/>
+              <a:t>10</a:t>
+            </a:fld>
+            <a:endParaRPr lang="he-IL" sz="1600" dirty="0"/>
+          </a:p>
+        </p:txBody>
+      </p:sp>
+      <p:sp>
+        <p:nvSpPr>
+          <p:cNvPr id="6" name="Title 1">
+            <a:extLst>
+              <a:ext uri="{FF2B5EF4-FFF2-40B4-BE49-F238E27FC236}">
+                <a16:creationId xmlns:a16="http://schemas.microsoft.com/office/drawing/2014/main" id="{7A4488AC-EF22-836A-43C7-E5A7FE925D6F}"/>
+              </a:ext>
+            </a:extLst>
+          </p:cNvPr>
+          <p:cNvSpPr>
+            <a:spLocks noGrp="1"/>
+          </p:cNvSpPr>
+          <p:nvPr>
+            <p:ph type="title"/>
+          </p:nvPr>
+        </p:nvSpPr>
+        <p:spPr>
+          <a:xfrm>
+            <a:off x="3369012" y="0"/>
+            <a:ext cx="5453975" cy="476149"/>
+          </a:xfrm>
+        </p:spPr>
+        <p:txBody>
+          <a:bodyPr>
+            <a:normAutofit/>
+          </a:bodyPr>
+          <a:lstStyle/>
+          <a:p>
+            <a:pPr algn="ctr" rtl="0"/>
+            <a:r>
+              <a:rPr lang="en-US" sz="2400" b="1" u="sng" dirty="0">
+                <a:solidFill>
+                  <a:srgbClr val="0070C0"/>
+                </a:solidFill>
+              </a:rPr>
+              <a:t>11.2  </a:t>
+            </a:r>
+            <a:r>
+              <a:rPr lang="en-US" sz="2400" b="1" u="sng" dirty="0">
+                <a:solidFill>
+                  <a:srgbClr val="FF0000"/>
+                </a:solidFill>
+              </a:rPr>
+              <a:t>List of situations tested – </a:t>
+            </a:r>
+            <a:r>
+              <a:rPr lang="en-US" sz="2400" b="1" u="sng" dirty="0">
+                <a:solidFill>
+                  <a:srgbClr val="00B050"/>
+                </a:solidFill>
+              </a:rPr>
+              <a:t>part 4</a:t>
+            </a:r>
+            <a:endParaRPr lang="he-IL" sz="2400" b="1" u="sng" dirty="0">
+              <a:solidFill>
+                <a:srgbClr val="00B050"/>
+              </a:solidFill>
+            </a:endParaRPr>
+          </a:p>
+        </p:txBody>
+      </p:sp>
+      <p:sp>
+        <p:nvSpPr>
+          <p:cNvPr id="2" name="Rectangle 1">
+            <a:extLst>
+              <a:ext uri="{FF2B5EF4-FFF2-40B4-BE49-F238E27FC236}">
+                <a16:creationId xmlns:a16="http://schemas.microsoft.com/office/drawing/2014/main" id="{275CAF2F-FDF2-9A88-1106-A1E682FF6DA4}"/>
+              </a:ext>
+            </a:extLst>
+          </p:cNvPr>
+          <p:cNvSpPr/>
+          <p:nvPr/>
+        </p:nvSpPr>
+        <p:spPr>
+          <a:xfrm>
+            <a:off x="97275" y="476149"/>
+            <a:ext cx="11997447" cy="671715"/>
+          </a:xfrm>
+          <a:prstGeom prst="rect">
+            <a:avLst/>
+          </a:prstGeom>
+        </p:spPr>
+        <p:style>
+          <a:lnRef idx="2">
+            <a:schemeClr val="accent1">
+              <a:shade val="15000"/>
+            </a:schemeClr>
+          </a:lnRef>
+          <a:fillRef idx="1">
+            <a:schemeClr val="accent1"/>
+          </a:fillRef>
+          <a:effectRef idx="0">
+            <a:schemeClr val="accent1"/>
+          </a:effectRef>
+          <a:fontRef idx="minor">
+            <a:schemeClr val="lt1"/>
+          </a:fontRef>
+        </p:style>
+        <p:txBody>
+          <a:bodyPr rtlCol="1" anchor="ctr"/>
+          <a:lstStyle/>
+          <a:p>
+            <a:r>
+              <a:rPr lang="en-US" dirty="0"/>
+              <a:t>Part 4 of the situations tested is the horizontal axis (case 3) filled with rectangles – the number of rectangles for this demonstration is </a:t>
+            </a:r>
+            <a:r>
+              <a:rPr lang="en-US" b="1" dirty="0">
+                <a:solidFill>
+                  <a:srgbClr val="00B050"/>
+                </a:solidFill>
+              </a:rPr>
+              <a:t>10</a:t>
+            </a:r>
+            <a:r>
+              <a:rPr lang="en-US" dirty="0"/>
+              <a:t>. The idea of the transparencies is that it declines with the rectangles .</a:t>
+            </a:r>
+            <a:endParaRPr lang="he-IL" dirty="0"/>
+          </a:p>
+        </p:txBody>
+      </p:sp>
+      <p:pic>
+        <p:nvPicPr>
+          <p:cNvPr id="4" name="Picture 3">
+            <a:extLst>
+              <a:ext uri="{FF2B5EF4-FFF2-40B4-BE49-F238E27FC236}">
+                <a16:creationId xmlns:a16="http://schemas.microsoft.com/office/drawing/2014/main" id="{853FE9A7-BB81-F984-039F-C82646B1492F}"/>
+              </a:ext>
+            </a:extLst>
+          </p:cNvPr>
+          <p:cNvPicPr>
+            <a:picLocks noChangeAspect="1"/>
+          </p:cNvPicPr>
+          <p:nvPr/>
+        </p:nvPicPr>
+        <p:blipFill>
+          <a:blip r:embed="rId2"/>
+          <a:stretch>
+            <a:fillRect/>
+          </a:stretch>
+        </p:blipFill>
+        <p:spPr>
+          <a:xfrm>
+            <a:off x="97275" y="1276147"/>
+            <a:ext cx="7248525" cy="2457450"/>
+          </a:xfrm>
+          <a:prstGeom prst="rect">
+            <a:avLst/>
+          </a:prstGeom>
+        </p:spPr>
+      </p:pic>
+      <p:pic>
+        <p:nvPicPr>
+          <p:cNvPr id="8" name="Picture 7">
+            <a:extLst>
+              <a:ext uri="{FF2B5EF4-FFF2-40B4-BE49-F238E27FC236}">
+                <a16:creationId xmlns:a16="http://schemas.microsoft.com/office/drawing/2014/main" id="{83A6FB8F-9B43-C1D6-B306-4764086A25DE}"/>
+              </a:ext>
+            </a:extLst>
+          </p:cNvPr>
+          <p:cNvPicPr>
+            <a:picLocks noChangeAspect="1"/>
+          </p:cNvPicPr>
+          <p:nvPr/>
+        </p:nvPicPr>
+        <p:blipFill>
+          <a:blip r:embed="rId3"/>
+          <a:stretch>
+            <a:fillRect/>
+          </a:stretch>
+        </p:blipFill>
+        <p:spPr>
+          <a:xfrm>
+            <a:off x="7467600" y="1328738"/>
+            <a:ext cx="4724400" cy="590550"/>
+          </a:xfrm>
+          <a:prstGeom prst="rect">
+            <a:avLst/>
+          </a:prstGeom>
+        </p:spPr>
+      </p:pic>
+      <p:pic>
+        <p:nvPicPr>
+          <p:cNvPr id="10" name="Picture 9">
+            <a:extLst>
+              <a:ext uri="{FF2B5EF4-FFF2-40B4-BE49-F238E27FC236}">
+                <a16:creationId xmlns:a16="http://schemas.microsoft.com/office/drawing/2014/main" id="{8310553C-A60B-D468-20F6-81D7E4DA7D5C}"/>
+              </a:ext>
+            </a:extLst>
+          </p:cNvPr>
+          <p:cNvPicPr>
+            <a:picLocks noChangeAspect="1"/>
+          </p:cNvPicPr>
+          <p:nvPr/>
+        </p:nvPicPr>
+        <p:blipFill>
+          <a:blip r:embed="rId4"/>
+          <a:stretch>
+            <a:fillRect/>
+          </a:stretch>
+        </p:blipFill>
+        <p:spPr>
+          <a:xfrm>
+            <a:off x="7173642" y="2196841"/>
+            <a:ext cx="5018358" cy="623999"/>
+          </a:xfrm>
+          <a:prstGeom prst="rect">
+            <a:avLst/>
+          </a:prstGeom>
+        </p:spPr>
+      </p:pic>
+      <p:pic>
+        <p:nvPicPr>
+          <p:cNvPr id="12" name="Picture 11" descr="A black and white gradient&#10;&#10;Description automatically generated">
+            <a:extLst>
+              <a:ext uri="{FF2B5EF4-FFF2-40B4-BE49-F238E27FC236}">
+                <a16:creationId xmlns:a16="http://schemas.microsoft.com/office/drawing/2014/main" id="{DCFA2C7E-76C1-401C-3EA0-1B35A33E4A3F}"/>
+              </a:ext>
+            </a:extLst>
+          </p:cNvPr>
+          <p:cNvPicPr>
+            <a:picLocks noChangeAspect="1"/>
+          </p:cNvPicPr>
+          <p:nvPr/>
+        </p:nvPicPr>
+        <p:blipFill>
+          <a:blip r:embed="rId5">
+            <a:extLst>
+              <a:ext uri="{28A0092B-C50C-407E-A947-70E740481C1C}">
+                <a14:useLocalDpi xmlns:a14="http://schemas.microsoft.com/office/drawing/2010/main" val="0"/>
+              </a:ext>
+            </a:extLst>
+          </a:blip>
+          <a:stretch>
+            <a:fillRect/>
+          </a:stretch>
+        </p:blipFill>
+        <p:spPr>
+          <a:xfrm>
+            <a:off x="4640093" y="3861880"/>
+            <a:ext cx="3893509" cy="2920132"/>
+          </a:xfrm>
+          <a:prstGeom prst="rect">
+            <a:avLst/>
+          </a:prstGeom>
+          <a:ln w="57150">
+            <a:solidFill>
+              <a:schemeClr val="accent1"/>
+            </a:solidFill>
+          </a:ln>
+        </p:spPr>
+      </p:pic>
+      <p:sp>
+        <p:nvSpPr>
+          <p:cNvPr id="13" name="Arrow: Right 12">
+            <a:extLst>
+              <a:ext uri="{FF2B5EF4-FFF2-40B4-BE49-F238E27FC236}">
+                <a16:creationId xmlns:a16="http://schemas.microsoft.com/office/drawing/2014/main" id="{D892019E-A3C4-6C44-825F-51C103706AC7}"/>
+              </a:ext>
+            </a:extLst>
+          </p:cNvPr>
+          <p:cNvSpPr/>
+          <p:nvPr/>
+        </p:nvSpPr>
+        <p:spPr>
+          <a:xfrm>
+            <a:off x="3369012" y="4919074"/>
+            <a:ext cx="933854" cy="749029"/>
+          </a:xfrm>
+          <a:prstGeom prst="rightArrow">
+            <a:avLst/>
+          </a:prstGeom>
+        </p:spPr>
+        <p:style>
+          <a:lnRef idx="2">
+            <a:schemeClr val="accent1">
+              <a:shade val="15000"/>
+            </a:schemeClr>
+          </a:lnRef>
+          <a:fillRef idx="1">
+            <a:schemeClr val="accent1"/>
+          </a:fillRef>
+          <a:effectRef idx="0">
+            <a:schemeClr val="accent1"/>
+          </a:effectRef>
+          <a:fontRef idx="minor">
+            <a:schemeClr val="lt1"/>
+          </a:fontRef>
+        </p:style>
+        <p:txBody>
+          <a:bodyPr rtlCol="1" anchor="ctr"/>
+          <a:lstStyle/>
+          <a:p>
+            <a:pPr algn="ctr"/>
+            <a:endParaRPr lang="he-IL"/>
+          </a:p>
+        </p:txBody>
+      </p:sp>
+      <p:sp>
+        <p:nvSpPr>
+          <p:cNvPr id="14" name="Rectangle 13">
+            <a:extLst>
+              <a:ext uri="{FF2B5EF4-FFF2-40B4-BE49-F238E27FC236}">
+                <a16:creationId xmlns:a16="http://schemas.microsoft.com/office/drawing/2014/main" id="{5B4D7D0B-83ED-6EE6-680D-A6551675FEDD}"/>
+              </a:ext>
+            </a:extLst>
+          </p:cNvPr>
+          <p:cNvSpPr/>
+          <p:nvPr/>
+        </p:nvSpPr>
+        <p:spPr>
+          <a:xfrm>
+            <a:off x="196172" y="4529142"/>
+            <a:ext cx="2850205" cy="1585608"/>
+          </a:xfrm>
+          <a:prstGeom prst="rect">
+            <a:avLst/>
+          </a:prstGeom>
+        </p:spPr>
+        <p:style>
+          <a:lnRef idx="2">
+            <a:schemeClr val="accent1">
+              <a:shade val="15000"/>
+            </a:schemeClr>
+          </a:lnRef>
+          <a:fillRef idx="1">
+            <a:schemeClr val="accent1"/>
+          </a:fillRef>
+          <a:effectRef idx="0">
+            <a:schemeClr val="accent1"/>
+          </a:effectRef>
+          <a:fontRef idx="minor">
+            <a:schemeClr val="lt1"/>
+          </a:fontRef>
+        </p:style>
+        <p:txBody>
+          <a:bodyPr rtlCol="1" anchor="ctr"/>
+          <a:lstStyle/>
+          <a:p>
+            <a:pPr algn="ctr"/>
+            <a:r>
+              <a:rPr lang="en-US" dirty="0"/>
+              <a:t>One can see that there has been created 10 rectangles with a declining transparency over the horizon axis of the screen</a:t>
+            </a:r>
+            <a:endParaRPr lang="he-IL" dirty="0"/>
+          </a:p>
+        </p:txBody>
+      </p:sp>
+    </p:spTree>
+    <p:extLst>
+      <p:ext uri="{BB962C8B-B14F-4D97-AF65-F5344CB8AC3E}">
+        <p14:creationId xmlns:p14="http://schemas.microsoft.com/office/powerpoint/2010/main" val="1631262135"/>
+      </p:ext>
+    </p:extLst>
+  </p:cSld>
+  <p:clrMapOvr>
+    <a:masterClrMapping/>
+  </p:clrMapOvr>
+</p:sld>
+</file>
+
+<file path=ppt/slides/slide11.xml><?xml version="1.0" encoding="utf-8"?>
+<p:sld xmlns:a="http://schemas.openxmlformats.org/drawingml/2006/main" xmlns:r="http://schemas.openxmlformats.org/officeDocument/2006/relationships" xmlns:p="http://schemas.openxmlformats.org/presentationml/2006/main">
+  <p:cSld>
+    <p:spTree>
+      <p:nvGrpSpPr>
+        <p:cNvPr id="1" name=""/>
+        <p:cNvGrpSpPr/>
+        <p:nvPr/>
+      </p:nvGrpSpPr>
+      <p:grpSpPr>
+        <a:xfrm>
+          <a:off x="0" y="0"/>
+          <a:ext cx="0" cy="0"/>
+          <a:chOff x="0" y="0"/>
+          <a:chExt cx="0" cy="0"/>
+        </a:xfrm>
+      </p:grpSpPr>
+      <p:sp>
+        <p:nvSpPr>
+          <p:cNvPr id="5" name="Slide Number Placeholder 5">
+            <a:extLst>
+              <a:ext uri="{FF2B5EF4-FFF2-40B4-BE49-F238E27FC236}">
+                <a16:creationId xmlns:a16="http://schemas.microsoft.com/office/drawing/2014/main" id="{1F41CFDF-9461-FA7B-EDEE-4D0965C828CB}"/>
+              </a:ext>
+            </a:extLst>
+          </p:cNvPr>
+          <p:cNvSpPr txBox="1">
+            <a:spLocks/>
+          </p:cNvSpPr>
+          <p:nvPr/>
+        </p:nvSpPr>
+        <p:spPr>
+          <a:xfrm>
+            <a:off x="11734799" y="-21653"/>
+            <a:ext cx="470170" cy="365125"/>
+          </a:xfrm>
+          <a:prstGeom prst="rect">
+            <a:avLst/>
+          </a:prstGeom>
+        </p:spPr>
+        <p:txBody>
+          <a:bodyPr vert="horz" lIns="91440" tIns="45720" rIns="91440" bIns="45720" rtlCol="0" anchor="ctr"/>
+          <a:lstStyle>
+            <a:defPPr>
+              <a:defRPr lang="he-IL"/>
+            </a:defPPr>
+            <a:lvl1pPr marL="0" algn="l" defTabSz="914400" rtl="0" eaLnBrk="1" latinLnBrk="0" hangingPunct="1">
+              <a:defRPr sz="1200" kern="1200">
+                <a:solidFill>
+                  <a:schemeClr val="tx1">
+                    <a:tint val="82000"/>
+                  </a:schemeClr>
+                </a:solidFill>
+                <a:latin typeface="+mn-lt"/>
+                <a:ea typeface="+mn-ea"/>
+                <a:cs typeface="+mn-cs"/>
+              </a:defRPr>
+            </a:lvl1pPr>
+            <a:lvl2pPr marL="457200" algn="l" defTabSz="914400" rtl="0" eaLnBrk="1" latinLnBrk="0" hangingPunct="1">
+              <a:defRPr sz="1800" kern="1200">
+                <a:solidFill>
+                  <a:schemeClr val="tx1"/>
+                </a:solidFill>
+                <a:latin typeface="+mn-lt"/>
+                <a:ea typeface="+mn-ea"/>
+                <a:cs typeface="+mn-cs"/>
+              </a:defRPr>
+            </a:lvl2pPr>
+            <a:lvl3pPr marL="914400" algn="l" defTabSz="914400" rtl="0" eaLnBrk="1" latinLnBrk="0" hangingPunct="1">
+              <a:defRPr sz="1800" kern="1200">
+                <a:solidFill>
+                  <a:schemeClr val="tx1"/>
+                </a:solidFill>
+                <a:latin typeface="+mn-lt"/>
+                <a:ea typeface="+mn-ea"/>
+                <a:cs typeface="+mn-cs"/>
+              </a:defRPr>
+            </a:lvl3pPr>
+            <a:lvl4pPr marL="1371600" algn="l" defTabSz="914400" rtl="0" eaLnBrk="1" latinLnBrk="0" hangingPunct="1">
+              <a:defRPr sz="1800" kern="1200">
+                <a:solidFill>
+                  <a:schemeClr val="tx1"/>
+                </a:solidFill>
+                <a:latin typeface="+mn-lt"/>
+                <a:ea typeface="+mn-ea"/>
+                <a:cs typeface="+mn-cs"/>
+              </a:defRPr>
+            </a:lvl4pPr>
+            <a:lvl5pPr marL="1828800" algn="l" defTabSz="914400" rtl="0" eaLnBrk="1" latinLnBrk="0" hangingPunct="1">
+              <a:defRPr sz="1800" kern="1200">
+                <a:solidFill>
+                  <a:schemeClr val="tx1"/>
+                </a:solidFill>
+                <a:latin typeface="+mn-lt"/>
+                <a:ea typeface="+mn-ea"/>
+                <a:cs typeface="+mn-cs"/>
+              </a:defRPr>
+            </a:lvl5pPr>
+            <a:lvl6pPr marL="2286000" algn="l" defTabSz="914400" rtl="0" eaLnBrk="1" latinLnBrk="0" hangingPunct="1">
+              <a:defRPr sz="1800" kern="1200">
+                <a:solidFill>
+                  <a:schemeClr val="tx1"/>
+                </a:solidFill>
+                <a:latin typeface="+mn-lt"/>
+                <a:ea typeface="+mn-ea"/>
+                <a:cs typeface="+mn-cs"/>
+              </a:defRPr>
+            </a:lvl6pPr>
+            <a:lvl7pPr marL="2743200" algn="l" defTabSz="914400" rtl="0" eaLnBrk="1" latinLnBrk="0" hangingPunct="1">
+              <a:defRPr sz="1800" kern="1200">
+                <a:solidFill>
+                  <a:schemeClr val="tx1"/>
+                </a:solidFill>
+                <a:latin typeface="+mn-lt"/>
+                <a:ea typeface="+mn-ea"/>
+                <a:cs typeface="+mn-cs"/>
+              </a:defRPr>
+            </a:lvl7pPr>
+            <a:lvl8pPr marL="3200400" algn="l" defTabSz="914400" rtl="0" eaLnBrk="1" latinLnBrk="0" hangingPunct="1">
+              <a:defRPr sz="1800" kern="1200">
+                <a:solidFill>
+                  <a:schemeClr val="tx1"/>
+                </a:solidFill>
+                <a:latin typeface="+mn-lt"/>
+                <a:ea typeface="+mn-ea"/>
+                <a:cs typeface="+mn-cs"/>
+              </a:defRPr>
+            </a:lvl8pPr>
+            <a:lvl9pPr marL="3657600" algn="l" defTabSz="914400" rtl="0" eaLnBrk="1" latinLnBrk="0" hangingPunct="1">
+              <a:defRPr sz="1800" kern="1200">
+                <a:solidFill>
+                  <a:schemeClr val="tx1"/>
+                </a:solidFill>
+                <a:latin typeface="+mn-lt"/>
+                <a:ea typeface="+mn-ea"/>
+                <a:cs typeface="+mn-cs"/>
+              </a:defRPr>
+            </a:lvl9pPr>
+          </a:lstStyle>
+          <a:p>
+            <a:fld id="{1E5BF412-EFCF-4C51-A2DF-B419076696E3}" type="slidenum">
+              <a:rPr lang="he-IL" sz="1600" smtClean="0"/>
+              <a:pPr/>
+              <a:t>11</a:t>
+            </a:fld>
+            <a:endParaRPr lang="he-IL" sz="1600" dirty="0"/>
+          </a:p>
+        </p:txBody>
+      </p:sp>
+      <p:sp>
+        <p:nvSpPr>
+          <p:cNvPr id="6" name="Title 1">
+            <a:extLst>
+              <a:ext uri="{FF2B5EF4-FFF2-40B4-BE49-F238E27FC236}">
+                <a16:creationId xmlns:a16="http://schemas.microsoft.com/office/drawing/2014/main" id="{115634EF-0B5D-A05B-26DA-0B539287E0E2}"/>
+              </a:ext>
+            </a:extLst>
+          </p:cNvPr>
+          <p:cNvSpPr>
+            <a:spLocks noGrp="1"/>
+          </p:cNvSpPr>
+          <p:nvPr>
+            <p:ph type="title"/>
+          </p:nvPr>
+        </p:nvSpPr>
+        <p:spPr>
+          <a:xfrm>
+            <a:off x="3369012" y="0"/>
+            <a:ext cx="5453975" cy="476149"/>
+          </a:xfrm>
+        </p:spPr>
+        <p:txBody>
+          <a:bodyPr>
+            <a:normAutofit/>
+          </a:bodyPr>
+          <a:lstStyle/>
+          <a:p>
+            <a:pPr algn="ctr" rtl="0"/>
+            <a:r>
+              <a:rPr lang="en-US" sz="2400" b="1" u="sng" dirty="0">
+                <a:solidFill>
+                  <a:srgbClr val="0070C0"/>
+                </a:solidFill>
+              </a:rPr>
+              <a:t>11.2  </a:t>
+            </a:r>
+            <a:r>
+              <a:rPr lang="en-US" sz="2400" b="1" u="sng" dirty="0">
+                <a:solidFill>
+                  <a:srgbClr val="FF0000"/>
+                </a:solidFill>
+              </a:rPr>
+              <a:t>List of situations tested – </a:t>
+            </a:r>
+            <a:r>
+              <a:rPr lang="en-US" sz="2400" b="1" u="sng" dirty="0">
+                <a:solidFill>
+                  <a:srgbClr val="00B050"/>
+                </a:solidFill>
+              </a:rPr>
+              <a:t>part 5</a:t>
+            </a:r>
+            <a:endParaRPr lang="he-IL" sz="2400" b="1" u="sng" dirty="0">
+              <a:solidFill>
+                <a:srgbClr val="00B050"/>
+              </a:solidFill>
+            </a:endParaRPr>
+          </a:p>
+        </p:txBody>
+      </p:sp>
+      <p:sp>
+        <p:nvSpPr>
+          <p:cNvPr id="2" name="Rectangle 1">
+            <a:extLst>
+              <a:ext uri="{FF2B5EF4-FFF2-40B4-BE49-F238E27FC236}">
+                <a16:creationId xmlns:a16="http://schemas.microsoft.com/office/drawing/2014/main" id="{EEFEDCB7-D5C8-5CE6-65F7-A741F9754120}"/>
+              </a:ext>
+            </a:extLst>
+          </p:cNvPr>
+          <p:cNvSpPr/>
+          <p:nvPr/>
+        </p:nvSpPr>
+        <p:spPr>
+          <a:xfrm>
+            <a:off x="97275" y="476149"/>
+            <a:ext cx="11997447" cy="671715"/>
+          </a:xfrm>
+          <a:prstGeom prst="rect">
+            <a:avLst/>
+          </a:prstGeom>
+        </p:spPr>
+        <p:style>
+          <a:lnRef idx="2">
+            <a:schemeClr val="accent1">
+              <a:shade val="15000"/>
+            </a:schemeClr>
+          </a:lnRef>
+          <a:fillRef idx="1">
+            <a:schemeClr val="accent1"/>
+          </a:fillRef>
+          <a:effectRef idx="0">
+            <a:schemeClr val="accent1"/>
+          </a:effectRef>
+          <a:fontRef idx="minor">
+            <a:schemeClr val="lt1"/>
+          </a:fontRef>
+        </p:style>
+        <p:txBody>
+          <a:bodyPr rtlCol="1" anchor="ctr"/>
+          <a:lstStyle/>
+          <a:p>
+            <a:r>
+              <a:rPr lang="en-US" dirty="0"/>
+              <a:t>Part 5 of the situations tested is the vertical axis (case 4) filled with rectangles – the number of rectangles for this demonstration is </a:t>
+            </a:r>
+            <a:r>
+              <a:rPr lang="en-US" b="1" dirty="0">
+                <a:solidFill>
+                  <a:srgbClr val="00B050"/>
+                </a:solidFill>
+              </a:rPr>
+              <a:t>10</a:t>
+            </a:r>
+            <a:r>
+              <a:rPr lang="en-US" dirty="0"/>
+              <a:t>. The idea of the transparencies is that it declines with the rectangles .</a:t>
+            </a:r>
+            <a:endParaRPr lang="he-IL" dirty="0"/>
+          </a:p>
+        </p:txBody>
+      </p:sp>
+      <p:pic>
+        <p:nvPicPr>
+          <p:cNvPr id="8" name="Picture 7" descr="A close-up of a color&#10;&#10;Description automatically generated">
+            <a:extLst>
+              <a:ext uri="{FF2B5EF4-FFF2-40B4-BE49-F238E27FC236}">
+                <a16:creationId xmlns:a16="http://schemas.microsoft.com/office/drawing/2014/main" id="{C36F5D29-86C6-C9C2-C053-D3A5447B4DDD}"/>
+              </a:ext>
+            </a:extLst>
+          </p:cNvPr>
+          <p:cNvPicPr>
+            <a:picLocks noChangeAspect="1"/>
+          </p:cNvPicPr>
+          <p:nvPr/>
+        </p:nvPicPr>
+        <p:blipFill>
+          <a:blip r:embed="rId2">
+            <a:extLst>
+              <a:ext uri="{28A0092B-C50C-407E-A947-70E740481C1C}">
+                <a14:useLocalDpi xmlns:a14="http://schemas.microsoft.com/office/drawing/2010/main" val="0"/>
+              </a:ext>
+            </a:extLst>
+          </a:blip>
+          <a:stretch>
+            <a:fillRect/>
+          </a:stretch>
+        </p:blipFill>
+        <p:spPr>
+          <a:xfrm>
+            <a:off x="6725055" y="2830749"/>
+            <a:ext cx="5369667" cy="4027251"/>
+          </a:xfrm>
+          <a:prstGeom prst="rect">
+            <a:avLst/>
+          </a:prstGeom>
+          <a:ln w="38100">
+            <a:solidFill>
+              <a:schemeClr val="accent1"/>
+            </a:solidFill>
+          </a:ln>
+        </p:spPr>
+      </p:pic>
+      <p:pic>
+        <p:nvPicPr>
+          <p:cNvPr id="10" name="Picture 9">
+            <a:extLst>
+              <a:ext uri="{FF2B5EF4-FFF2-40B4-BE49-F238E27FC236}">
+                <a16:creationId xmlns:a16="http://schemas.microsoft.com/office/drawing/2014/main" id="{9B161CEE-165E-5653-4BB7-D1F15C4EF66E}"/>
+              </a:ext>
+            </a:extLst>
+          </p:cNvPr>
+          <p:cNvPicPr>
+            <a:picLocks noChangeAspect="1"/>
+          </p:cNvPicPr>
+          <p:nvPr/>
+        </p:nvPicPr>
+        <p:blipFill>
+          <a:blip r:embed="rId3"/>
+          <a:stretch>
+            <a:fillRect/>
+          </a:stretch>
+        </p:blipFill>
+        <p:spPr>
+          <a:xfrm>
+            <a:off x="97275" y="1280541"/>
+            <a:ext cx="6196521" cy="2148459"/>
+          </a:xfrm>
+          <a:prstGeom prst="rect">
+            <a:avLst/>
+          </a:prstGeom>
+        </p:spPr>
+      </p:pic>
+      <p:pic>
+        <p:nvPicPr>
+          <p:cNvPr id="11" name="Picture 10">
+            <a:extLst>
+              <a:ext uri="{FF2B5EF4-FFF2-40B4-BE49-F238E27FC236}">
+                <a16:creationId xmlns:a16="http://schemas.microsoft.com/office/drawing/2014/main" id="{6D950EE8-4F46-364D-13B2-94DAD0FCA339}"/>
+              </a:ext>
+            </a:extLst>
+          </p:cNvPr>
+          <p:cNvPicPr>
+            <a:picLocks noChangeAspect="1"/>
+          </p:cNvPicPr>
+          <p:nvPr/>
+        </p:nvPicPr>
+        <p:blipFill>
+          <a:blip r:embed="rId4"/>
+          <a:stretch>
+            <a:fillRect/>
+          </a:stretch>
+        </p:blipFill>
+        <p:spPr>
+          <a:xfrm>
+            <a:off x="6900709" y="1312013"/>
+            <a:ext cx="5018358" cy="623999"/>
+          </a:xfrm>
+          <a:prstGeom prst="rect">
+            <a:avLst/>
+          </a:prstGeom>
+        </p:spPr>
+      </p:pic>
+      <p:pic>
+        <p:nvPicPr>
+          <p:cNvPr id="13" name="Picture 12">
+            <a:extLst>
+              <a:ext uri="{FF2B5EF4-FFF2-40B4-BE49-F238E27FC236}">
+                <a16:creationId xmlns:a16="http://schemas.microsoft.com/office/drawing/2014/main" id="{CD5AD14A-E011-E3B7-0080-D15A47FED75D}"/>
+              </a:ext>
+            </a:extLst>
+          </p:cNvPr>
+          <p:cNvPicPr>
+            <a:picLocks noChangeAspect="1"/>
+          </p:cNvPicPr>
+          <p:nvPr/>
+        </p:nvPicPr>
+        <p:blipFill>
+          <a:blip r:embed="rId5"/>
+          <a:stretch>
+            <a:fillRect/>
+          </a:stretch>
+        </p:blipFill>
+        <p:spPr>
+          <a:xfrm>
+            <a:off x="6830742" y="2144443"/>
+            <a:ext cx="3686175" cy="295275"/>
+          </a:xfrm>
+          <a:prstGeom prst="rect">
+            <a:avLst/>
+          </a:prstGeom>
+        </p:spPr>
+      </p:pic>
+      <p:sp>
+        <p:nvSpPr>
+          <p:cNvPr id="14" name="Arrow: Right 13">
+            <a:extLst>
+              <a:ext uri="{FF2B5EF4-FFF2-40B4-BE49-F238E27FC236}">
+                <a16:creationId xmlns:a16="http://schemas.microsoft.com/office/drawing/2014/main" id="{500D724E-2333-2B63-17DF-B2CA68CC17CE}"/>
+              </a:ext>
+            </a:extLst>
+          </p:cNvPr>
+          <p:cNvSpPr/>
+          <p:nvPr/>
+        </p:nvSpPr>
+        <p:spPr>
+          <a:xfrm>
+            <a:off x="5466946" y="4500785"/>
+            <a:ext cx="933854" cy="749029"/>
+          </a:xfrm>
+          <a:prstGeom prst="rightArrow">
+            <a:avLst/>
+          </a:prstGeom>
+        </p:spPr>
+        <p:style>
+          <a:lnRef idx="2">
+            <a:schemeClr val="accent1">
+              <a:shade val="15000"/>
+            </a:schemeClr>
+          </a:lnRef>
+          <a:fillRef idx="1">
+            <a:schemeClr val="accent1"/>
+          </a:fillRef>
+          <a:effectRef idx="0">
+            <a:schemeClr val="accent1"/>
+          </a:effectRef>
+          <a:fontRef idx="minor">
+            <a:schemeClr val="lt1"/>
+          </a:fontRef>
+        </p:style>
+        <p:txBody>
+          <a:bodyPr rtlCol="1" anchor="ctr"/>
+          <a:lstStyle/>
+          <a:p>
+            <a:pPr algn="ctr"/>
+            <a:endParaRPr lang="he-IL"/>
+          </a:p>
+        </p:txBody>
+      </p:sp>
+      <p:sp>
+        <p:nvSpPr>
+          <p:cNvPr id="15" name="Rectangle 14">
+            <a:extLst>
+              <a:ext uri="{FF2B5EF4-FFF2-40B4-BE49-F238E27FC236}">
+                <a16:creationId xmlns:a16="http://schemas.microsoft.com/office/drawing/2014/main" id="{2655FBBC-C8A3-AC76-9049-888C70DCD1BE}"/>
+              </a:ext>
+            </a:extLst>
+          </p:cNvPr>
+          <p:cNvSpPr/>
+          <p:nvPr/>
+        </p:nvSpPr>
+        <p:spPr>
+          <a:xfrm>
+            <a:off x="2195209" y="4082496"/>
+            <a:ext cx="2850205" cy="1585608"/>
+          </a:xfrm>
+          <a:prstGeom prst="rect">
+            <a:avLst/>
+          </a:prstGeom>
+        </p:spPr>
+        <p:style>
+          <a:lnRef idx="2">
+            <a:schemeClr val="accent1">
+              <a:shade val="15000"/>
+            </a:schemeClr>
+          </a:lnRef>
+          <a:fillRef idx="1">
+            <a:schemeClr val="accent1"/>
+          </a:fillRef>
+          <a:effectRef idx="0">
+            <a:schemeClr val="accent1"/>
+          </a:effectRef>
+          <a:fontRef idx="minor">
+            <a:schemeClr val="lt1"/>
+          </a:fontRef>
+        </p:style>
+        <p:txBody>
+          <a:bodyPr rtlCol="1" anchor="ctr"/>
+          <a:lstStyle/>
+          <a:p>
+            <a:pPr algn="ctr"/>
+            <a:r>
+              <a:rPr lang="en-US" dirty="0"/>
+              <a:t>One can see that there has been created 10 rectangles with a declining transparency over the vertical axis of the screen</a:t>
+            </a:r>
+            <a:endParaRPr lang="he-IL" dirty="0"/>
+          </a:p>
+        </p:txBody>
+      </p:sp>
+    </p:spTree>
+    <p:extLst>
+      <p:ext uri="{BB962C8B-B14F-4D97-AF65-F5344CB8AC3E}">
+        <p14:creationId xmlns:p14="http://schemas.microsoft.com/office/powerpoint/2010/main" val="2157219810"/>
+      </p:ext>
+    </p:extLst>
+  </p:cSld>
+  <p:clrMapOvr>
+    <a:masterClrMapping/>
+  </p:clrMapOvr>
+</p:sld>
+</file>
+
+<file path=ppt/slides/slide12.xml><?xml version="1.0" encoding="utf-8"?>
+<p:sld xmlns:a="http://schemas.openxmlformats.org/drawingml/2006/main" xmlns:r="http://schemas.openxmlformats.org/officeDocument/2006/relationships" xmlns:p="http://schemas.openxmlformats.org/presentationml/2006/main">
+  <p:cSld>
+    <p:spTree>
+      <p:nvGrpSpPr>
+        <p:cNvPr id="1" name=""/>
+        <p:cNvGrpSpPr/>
+        <p:nvPr/>
+      </p:nvGrpSpPr>
+      <p:grpSpPr>
+        <a:xfrm>
+          <a:off x="0" y="0"/>
+          <a:ext cx="0" cy="0"/>
+          <a:chOff x="0" y="0"/>
+          <a:chExt cx="0" cy="0"/>
+        </a:xfrm>
+      </p:grpSpPr>
+      <p:sp>
+        <p:nvSpPr>
+          <p:cNvPr id="4" name="Slide Number Placeholder 3">
+            <a:extLst>
+              <a:ext uri="{FF2B5EF4-FFF2-40B4-BE49-F238E27FC236}">
+                <a16:creationId xmlns:a16="http://schemas.microsoft.com/office/drawing/2014/main" id="{63F12A14-8096-0FE9-8096-DD7BA5E34E83}"/>
+              </a:ext>
+            </a:extLst>
+          </p:cNvPr>
+          <p:cNvSpPr>
+            <a:spLocks noGrp="1"/>
+          </p:cNvSpPr>
+          <p:nvPr>
+            <p:ph type="sldNum" sz="quarter" idx="12"/>
+          </p:nvPr>
+        </p:nvSpPr>
+        <p:spPr>
+          <a:xfrm>
+            <a:off x="11781817" y="0"/>
+            <a:ext cx="410183" cy="365125"/>
+          </a:xfrm>
+        </p:spPr>
+        <p:txBody>
+          <a:bodyPr/>
+          <a:lstStyle/>
+          <a:p>
+            <a:fld id="{1E5BF412-EFCF-4C51-A2DF-B419076696E3}" type="slidenum">
+              <a:rPr lang="he-IL" smtClean="0"/>
+              <a:t>12</a:t>
+            </a:fld>
+            <a:endParaRPr lang="he-IL"/>
+          </a:p>
+        </p:txBody>
+      </p:sp>
+      <p:sp>
+        <p:nvSpPr>
+          <p:cNvPr id="5" name="Title 1">
+            <a:extLst>
+              <a:ext uri="{FF2B5EF4-FFF2-40B4-BE49-F238E27FC236}">
+                <a16:creationId xmlns:a16="http://schemas.microsoft.com/office/drawing/2014/main" id="{15A92C11-6BC9-2151-A51F-8413095CAFDC}"/>
+              </a:ext>
+            </a:extLst>
+          </p:cNvPr>
+          <p:cNvSpPr>
+            <a:spLocks noGrp="1"/>
+          </p:cNvSpPr>
+          <p:nvPr>
+            <p:ph type="title"/>
+          </p:nvPr>
+        </p:nvSpPr>
+        <p:spPr>
+          <a:xfrm>
+            <a:off x="3369012" y="0"/>
+            <a:ext cx="5453975" cy="476149"/>
+          </a:xfrm>
+        </p:spPr>
+        <p:txBody>
+          <a:bodyPr>
+            <a:normAutofit/>
+          </a:bodyPr>
+          <a:lstStyle/>
+          <a:p>
+            <a:pPr algn="ctr" rtl="0"/>
+            <a:r>
+              <a:rPr lang="en-US" sz="2400" b="1" u="sng" dirty="0">
+                <a:solidFill>
+                  <a:srgbClr val="0070C0"/>
+                </a:solidFill>
+              </a:rPr>
+              <a:t>11.2  </a:t>
+            </a:r>
+            <a:r>
+              <a:rPr lang="en-US" sz="2400" b="1" u="sng" dirty="0">
+                <a:solidFill>
+                  <a:srgbClr val="FF0000"/>
+                </a:solidFill>
+              </a:rPr>
+              <a:t>List of situations tested – </a:t>
+            </a:r>
+            <a:r>
+              <a:rPr lang="en-US" sz="2400" b="1" u="sng" dirty="0">
+                <a:solidFill>
+                  <a:srgbClr val="00B050"/>
+                </a:solidFill>
+              </a:rPr>
+              <a:t>part 6</a:t>
+            </a:r>
+            <a:endParaRPr lang="he-IL" sz="2400" b="1" u="sng" dirty="0">
+              <a:solidFill>
+                <a:srgbClr val="00B050"/>
+              </a:solidFill>
+            </a:endParaRPr>
+          </a:p>
+        </p:txBody>
+      </p:sp>
+      <p:sp>
+        <p:nvSpPr>
+          <p:cNvPr id="6" name="Rectangle 5">
+            <a:extLst>
+              <a:ext uri="{FF2B5EF4-FFF2-40B4-BE49-F238E27FC236}">
+                <a16:creationId xmlns:a16="http://schemas.microsoft.com/office/drawing/2014/main" id="{DDBB63E8-4216-BCFD-1A54-2C20DD44EB64}"/>
+              </a:ext>
+            </a:extLst>
+          </p:cNvPr>
+          <p:cNvSpPr/>
+          <p:nvPr/>
+        </p:nvSpPr>
+        <p:spPr>
+          <a:xfrm>
+            <a:off x="97275" y="476149"/>
+            <a:ext cx="11997447" cy="671715"/>
+          </a:xfrm>
+          <a:prstGeom prst="rect">
+            <a:avLst/>
+          </a:prstGeom>
+        </p:spPr>
+        <p:style>
+          <a:lnRef idx="2">
+            <a:schemeClr val="accent1">
+              <a:shade val="15000"/>
+            </a:schemeClr>
+          </a:lnRef>
+          <a:fillRef idx="1">
+            <a:schemeClr val="accent1"/>
+          </a:fillRef>
+          <a:effectRef idx="0">
+            <a:schemeClr val="accent1"/>
+          </a:effectRef>
+          <a:fontRef idx="minor">
+            <a:schemeClr val="lt1"/>
+          </a:fontRef>
+        </p:style>
+        <p:txBody>
+          <a:bodyPr rtlCol="1" anchor="ctr"/>
+          <a:lstStyle/>
+          <a:p>
+            <a:r>
+              <a:rPr lang="en-US" dirty="0"/>
+              <a:t>Part 6 of the situations tested is Diagonal with jumps (left-up to right-down-case 5) filled with rectangles – the number of rectangles for this demonstration is </a:t>
+            </a:r>
+            <a:r>
+              <a:rPr lang="en-US" b="1" dirty="0">
+                <a:solidFill>
+                  <a:srgbClr val="00B050"/>
+                </a:solidFill>
+              </a:rPr>
+              <a:t>10</a:t>
+            </a:r>
+            <a:r>
+              <a:rPr lang="en-US" dirty="0"/>
+              <a:t>. The idea of the transparencies is that it declines with the rectangles .</a:t>
+            </a:r>
+            <a:endParaRPr lang="he-IL" dirty="0"/>
+          </a:p>
+        </p:txBody>
+      </p:sp>
+      <p:pic>
+        <p:nvPicPr>
+          <p:cNvPr id="8" name="Picture 7">
+            <a:extLst>
+              <a:ext uri="{FF2B5EF4-FFF2-40B4-BE49-F238E27FC236}">
+                <a16:creationId xmlns:a16="http://schemas.microsoft.com/office/drawing/2014/main" id="{68F819AE-2B67-EFB8-8D7B-D282F4B75232}"/>
+              </a:ext>
+            </a:extLst>
+          </p:cNvPr>
+          <p:cNvPicPr>
+            <a:picLocks noChangeAspect="1"/>
+          </p:cNvPicPr>
+          <p:nvPr/>
+        </p:nvPicPr>
+        <p:blipFill>
+          <a:blip r:embed="rId2"/>
+          <a:stretch>
+            <a:fillRect/>
+          </a:stretch>
+        </p:blipFill>
+        <p:spPr>
+          <a:xfrm>
+            <a:off x="97275" y="1275607"/>
+            <a:ext cx="9344025" cy="2476500"/>
+          </a:xfrm>
+          <a:prstGeom prst="rect">
+            <a:avLst/>
+          </a:prstGeom>
+        </p:spPr>
+      </p:pic>
+      <p:pic>
+        <p:nvPicPr>
+          <p:cNvPr id="9" name="Picture 8">
+            <a:extLst>
+              <a:ext uri="{FF2B5EF4-FFF2-40B4-BE49-F238E27FC236}">
+                <a16:creationId xmlns:a16="http://schemas.microsoft.com/office/drawing/2014/main" id="{7C915EF2-7EFA-ACFC-A9B4-1C661A1BFB78}"/>
+              </a:ext>
+            </a:extLst>
+          </p:cNvPr>
+          <p:cNvPicPr>
+            <a:picLocks noChangeAspect="1"/>
+          </p:cNvPicPr>
+          <p:nvPr/>
+        </p:nvPicPr>
+        <p:blipFill>
+          <a:blip r:embed="rId3"/>
+          <a:stretch>
+            <a:fillRect/>
+          </a:stretch>
+        </p:blipFill>
+        <p:spPr>
+          <a:xfrm>
+            <a:off x="97275" y="3879850"/>
+            <a:ext cx="5018358" cy="623999"/>
+          </a:xfrm>
+          <a:prstGeom prst="rect">
+            <a:avLst/>
+          </a:prstGeom>
+        </p:spPr>
+      </p:pic>
+      <p:pic>
+        <p:nvPicPr>
+          <p:cNvPr id="11" name="Picture 10">
+            <a:extLst>
+              <a:ext uri="{FF2B5EF4-FFF2-40B4-BE49-F238E27FC236}">
+                <a16:creationId xmlns:a16="http://schemas.microsoft.com/office/drawing/2014/main" id="{0CE83523-EE38-09F7-5848-0E1E06D8DC0A}"/>
+              </a:ext>
+            </a:extLst>
+          </p:cNvPr>
+          <p:cNvPicPr>
+            <a:picLocks noChangeAspect="1"/>
+          </p:cNvPicPr>
+          <p:nvPr/>
+        </p:nvPicPr>
+        <p:blipFill>
+          <a:blip r:embed="rId4"/>
+          <a:stretch>
+            <a:fillRect/>
+          </a:stretch>
+        </p:blipFill>
+        <p:spPr>
+          <a:xfrm>
+            <a:off x="97275" y="4631592"/>
+            <a:ext cx="3783090" cy="365124"/>
+          </a:xfrm>
+          <a:prstGeom prst="rect">
+            <a:avLst/>
+          </a:prstGeom>
+        </p:spPr>
+      </p:pic>
+      <p:pic>
+        <p:nvPicPr>
+          <p:cNvPr id="13" name="Picture 12" descr="A row of black squares&#10;&#10;Description automatically generated">
+            <a:extLst>
+              <a:ext uri="{FF2B5EF4-FFF2-40B4-BE49-F238E27FC236}">
+                <a16:creationId xmlns:a16="http://schemas.microsoft.com/office/drawing/2014/main" id="{5F8C2C41-3518-342C-D15A-472C93B6FF33}"/>
+              </a:ext>
+            </a:extLst>
+          </p:cNvPr>
+          <p:cNvPicPr>
+            <a:picLocks noChangeAspect="1"/>
+          </p:cNvPicPr>
+          <p:nvPr/>
+        </p:nvPicPr>
+        <p:blipFill>
+          <a:blip r:embed="rId5">
+            <a:extLst>
+              <a:ext uri="{28A0092B-C50C-407E-A947-70E740481C1C}">
+                <a14:useLocalDpi xmlns:a14="http://schemas.microsoft.com/office/drawing/2010/main" val="0"/>
+              </a:ext>
+            </a:extLst>
+          </a:blip>
+          <a:stretch>
+            <a:fillRect/>
+          </a:stretch>
+        </p:blipFill>
+        <p:spPr>
+          <a:xfrm>
+            <a:off x="8311632" y="3951551"/>
+            <a:ext cx="3783090" cy="2837317"/>
+          </a:xfrm>
+          <a:prstGeom prst="rect">
+            <a:avLst/>
+          </a:prstGeom>
+          <a:ln w="57150">
+            <a:solidFill>
+              <a:schemeClr val="tx1"/>
+            </a:solidFill>
+          </a:ln>
+        </p:spPr>
+      </p:pic>
+      <p:sp>
+        <p:nvSpPr>
+          <p:cNvPr id="14" name="Arrow: Right 13">
+            <a:extLst>
+              <a:ext uri="{FF2B5EF4-FFF2-40B4-BE49-F238E27FC236}">
+                <a16:creationId xmlns:a16="http://schemas.microsoft.com/office/drawing/2014/main" id="{F6F3CAA8-1671-2BBE-B5BA-C3CC05D5365E}"/>
+              </a:ext>
+            </a:extLst>
+          </p:cNvPr>
+          <p:cNvSpPr/>
+          <p:nvPr/>
+        </p:nvSpPr>
+        <p:spPr>
+          <a:xfrm>
+            <a:off x="7312442" y="5207878"/>
+            <a:ext cx="933854" cy="749029"/>
+          </a:xfrm>
+          <a:prstGeom prst="rightArrow">
+            <a:avLst/>
+          </a:prstGeom>
+        </p:spPr>
+        <p:style>
+          <a:lnRef idx="2">
+            <a:schemeClr val="accent1">
+              <a:shade val="15000"/>
+            </a:schemeClr>
+          </a:lnRef>
+          <a:fillRef idx="1">
+            <a:schemeClr val="accent1"/>
+          </a:fillRef>
+          <a:effectRef idx="0">
+            <a:schemeClr val="accent1"/>
+          </a:effectRef>
+          <a:fontRef idx="minor">
+            <a:schemeClr val="lt1"/>
+          </a:fontRef>
+        </p:style>
+        <p:txBody>
+          <a:bodyPr rtlCol="1" anchor="ctr"/>
+          <a:lstStyle/>
+          <a:p>
+            <a:pPr algn="ctr"/>
+            <a:endParaRPr lang="he-IL"/>
+          </a:p>
+        </p:txBody>
+      </p:sp>
+      <p:sp>
+        <p:nvSpPr>
+          <p:cNvPr id="15" name="Rectangle 14">
+            <a:extLst>
+              <a:ext uri="{FF2B5EF4-FFF2-40B4-BE49-F238E27FC236}">
+                <a16:creationId xmlns:a16="http://schemas.microsoft.com/office/drawing/2014/main" id="{36D67EDB-48F0-247B-BBD6-3DE73FC2C2FB}"/>
+              </a:ext>
+            </a:extLst>
+          </p:cNvPr>
+          <p:cNvSpPr/>
+          <p:nvPr/>
+        </p:nvSpPr>
+        <p:spPr>
+          <a:xfrm>
+            <a:off x="4017523" y="4705065"/>
+            <a:ext cx="3229583" cy="1909744"/>
+          </a:xfrm>
+          <a:prstGeom prst="rect">
+            <a:avLst/>
+          </a:prstGeom>
+        </p:spPr>
+        <p:style>
+          <a:lnRef idx="2">
+            <a:schemeClr val="accent1">
+              <a:shade val="15000"/>
+            </a:schemeClr>
+          </a:lnRef>
+          <a:fillRef idx="1">
+            <a:schemeClr val="accent1"/>
+          </a:fillRef>
+          <a:effectRef idx="0">
+            <a:schemeClr val="accent1"/>
+          </a:effectRef>
+          <a:fontRef idx="minor">
+            <a:schemeClr val="lt1"/>
+          </a:fontRef>
+        </p:style>
+        <p:txBody>
+          <a:bodyPr rtlCol="1" anchor="ctr"/>
+          <a:lstStyle/>
+          <a:p>
+            <a:pPr algn="ctr"/>
+            <a:r>
+              <a:rPr lang="en-US" dirty="0"/>
+              <a:t>One can see that there has been created 5 rectangles with a declining transparency over the diagonal of the screen (between every couple of a rectangle there is another white rectangle (total of 10)</a:t>
+            </a:r>
+            <a:endParaRPr lang="he-IL" dirty="0"/>
+          </a:p>
+        </p:txBody>
+      </p:sp>
+    </p:spTree>
+    <p:extLst>
+      <p:ext uri="{BB962C8B-B14F-4D97-AF65-F5344CB8AC3E}">
+        <p14:creationId xmlns:p14="http://schemas.microsoft.com/office/powerpoint/2010/main" val="1764390550"/>
+      </p:ext>
+    </p:extLst>
+  </p:cSld>
+  <p:clrMapOvr>
+    <a:masterClrMapping/>
+  </p:clrMapOvr>
+</p:sld>
+</file>
+
+<file path=ppt/slides/slide13.xml><?xml version="1.0" encoding="utf-8"?>
+<p:sld xmlns:a="http://schemas.openxmlformats.org/drawingml/2006/main" xmlns:r="http://schemas.openxmlformats.org/officeDocument/2006/relationships" xmlns:p="http://schemas.openxmlformats.org/presentationml/2006/main">
+  <p:cSld>
+    <p:spTree>
+      <p:nvGrpSpPr>
+        <p:cNvPr id="1" name=""/>
+        <p:cNvGrpSpPr/>
+        <p:nvPr/>
+      </p:nvGrpSpPr>
+      <p:grpSpPr>
+        <a:xfrm>
+          <a:off x="0" y="0"/>
+          <a:ext cx="0" cy="0"/>
+          <a:chOff x="0" y="0"/>
+          <a:chExt cx="0" cy="0"/>
+        </a:xfrm>
+      </p:grpSpPr>
+      <p:sp>
+        <p:nvSpPr>
+          <p:cNvPr id="4" name="Slide Number Placeholder 3">
+            <a:extLst>
+              <a:ext uri="{FF2B5EF4-FFF2-40B4-BE49-F238E27FC236}">
+                <a16:creationId xmlns:a16="http://schemas.microsoft.com/office/drawing/2014/main" id="{C274A681-85A4-1609-31A2-57CA814DC1B5}"/>
+              </a:ext>
+            </a:extLst>
+          </p:cNvPr>
+          <p:cNvSpPr>
+            <a:spLocks noGrp="1"/>
+          </p:cNvSpPr>
+          <p:nvPr>
+            <p:ph type="sldNum" sz="quarter" idx="12"/>
+          </p:nvPr>
+        </p:nvSpPr>
+        <p:spPr>
+          <a:xfrm>
+            <a:off x="11746150" y="2331"/>
+            <a:ext cx="445850" cy="365125"/>
+          </a:xfrm>
+        </p:spPr>
+        <p:txBody>
+          <a:bodyPr/>
+          <a:lstStyle/>
+          <a:p>
+            <a:fld id="{1E5BF412-EFCF-4C51-A2DF-B419076696E3}" type="slidenum">
+              <a:rPr lang="he-IL" smtClean="0"/>
+              <a:t>13</a:t>
+            </a:fld>
+            <a:endParaRPr lang="he-IL"/>
+          </a:p>
+        </p:txBody>
+      </p:sp>
+      <p:sp>
+        <p:nvSpPr>
+          <p:cNvPr id="5" name="Title 1">
+            <a:extLst>
+              <a:ext uri="{FF2B5EF4-FFF2-40B4-BE49-F238E27FC236}">
+                <a16:creationId xmlns:a16="http://schemas.microsoft.com/office/drawing/2014/main" id="{F1C61A7A-326F-26C7-06D6-47E8BA1229CE}"/>
+              </a:ext>
+            </a:extLst>
+          </p:cNvPr>
+          <p:cNvSpPr>
+            <a:spLocks noGrp="1"/>
+          </p:cNvSpPr>
+          <p:nvPr>
+            <p:ph type="title"/>
+          </p:nvPr>
+        </p:nvSpPr>
+        <p:spPr>
+          <a:xfrm>
+            <a:off x="3369012" y="0"/>
+            <a:ext cx="5453975" cy="476149"/>
+          </a:xfrm>
+        </p:spPr>
+        <p:txBody>
+          <a:bodyPr>
+            <a:normAutofit/>
+          </a:bodyPr>
+          <a:lstStyle/>
+          <a:p>
+            <a:pPr algn="ctr" rtl="0"/>
+            <a:r>
+              <a:rPr lang="en-US" sz="2400" b="1" u="sng" dirty="0">
+                <a:solidFill>
+                  <a:srgbClr val="0070C0"/>
+                </a:solidFill>
+              </a:rPr>
+              <a:t>11.2  </a:t>
+            </a:r>
+            <a:r>
+              <a:rPr lang="en-US" sz="2400" b="1" u="sng" dirty="0">
+                <a:solidFill>
+                  <a:srgbClr val="FF0000"/>
+                </a:solidFill>
+              </a:rPr>
+              <a:t>List of situations tested – </a:t>
+            </a:r>
+            <a:r>
+              <a:rPr lang="en-US" sz="2400" b="1" u="sng" dirty="0">
+                <a:solidFill>
+                  <a:srgbClr val="00B050"/>
+                </a:solidFill>
+              </a:rPr>
+              <a:t>part 7</a:t>
+            </a:r>
+            <a:endParaRPr lang="he-IL" sz="2400" b="1" u="sng" dirty="0">
+              <a:solidFill>
+                <a:srgbClr val="00B050"/>
+              </a:solidFill>
+            </a:endParaRPr>
+          </a:p>
+        </p:txBody>
+      </p:sp>
+      <p:sp>
+        <p:nvSpPr>
+          <p:cNvPr id="6" name="Rectangle 5">
+            <a:extLst>
+              <a:ext uri="{FF2B5EF4-FFF2-40B4-BE49-F238E27FC236}">
+                <a16:creationId xmlns:a16="http://schemas.microsoft.com/office/drawing/2014/main" id="{BE2EFCC1-0902-2D7A-E825-5C2705CA9D6C}"/>
+              </a:ext>
+            </a:extLst>
+          </p:cNvPr>
+          <p:cNvSpPr/>
+          <p:nvPr/>
+        </p:nvSpPr>
+        <p:spPr>
+          <a:xfrm>
+            <a:off x="97275" y="476149"/>
+            <a:ext cx="11997447" cy="671715"/>
+          </a:xfrm>
+          <a:prstGeom prst="rect">
+            <a:avLst/>
+          </a:prstGeom>
+        </p:spPr>
+        <p:style>
+          <a:lnRef idx="2">
+            <a:schemeClr val="accent1">
+              <a:shade val="15000"/>
+            </a:schemeClr>
+          </a:lnRef>
+          <a:fillRef idx="1">
+            <a:schemeClr val="accent1"/>
+          </a:fillRef>
+          <a:effectRef idx="0">
+            <a:schemeClr val="accent1"/>
+          </a:effectRef>
+          <a:fontRef idx="minor">
+            <a:schemeClr val="lt1"/>
+          </a:fontRef>
+        </p:style>
+        <p:txBody>
+          <a:bodyPr rtlCol="1" anchor="ctr"/>
+          <a:lstStyle/>
+          <a:p>
+            <a:r>
+              <a:rPr lang="en-US" dirty="0"/>
+              <a:t>Part 7 of the situations tested is Diagonal with jumps (top-right to bottom-left-case 6) filled with rectangles – the number of rectangles for this demonstration is </a:t>
+            </a:r>
+            <a:r>
+              <a:rPr lang="en-US" b="1" dirty="0">
+                <a:solidFill>
+                  <a:srgbClr val="00B050"/>
+                </a:solidFill>
+              </a:rPr>
+              <a:t>10</a:t>
+            </a:r>
+            <a:r>
+              <a:rPr lang="en-US" dirty="0"/>
+              <a:t>. The idea of the transparencies is that it declines with the rectangles .</a:t>
+            </a:r>
+            <a:endParaRPr lang="he-IL" dirty="0"/>
+          </a:p>
+        </p:txBody>
+      </p:sp>
+      <p:pic>
+        <p:nvPicPr>
+          <p:cNvPr id="8" name="Picture 7">
+            <a:extLst>
+              <a:ext uri="{FF2B5EF4-FFF2-40B4-BE49-F238E27FC236}">
+                <a16:creationId xmlns:a16="http://schemas.microsoft.com/office/drawing/2014/main" id="{0C7235DD-D45D-4003-286E-F261688E33CD}"/>
+              </a:ext>
+            </a:extLst>
+          </p:cNvPr>
+          <p:cNvPicPr>
+            <a:picLocks noChangeAspect="1"/>
+          </p:cNvPicPr>
+          <p:nvPr/>
+        </p:nvPicPr>
+        <p:blipFill>
+          <a:blip r:embed="rId2"/>
+          <a:stretch>
+            <a:fillRect/>
+          </a:stretch>
+        </p:blipFill>
+        <p:spPr>
+          <a:xfrm>
+            <a:off x="97275" y="1256557"/>
+            <a:ext cx="9334500" cy="2495550"/>
+          </a:xfrm>
+          <a:prstGeom prst="rect">
+            <a:avLst/>
+          </a:prstGeom>
+        </p:spPr>
+      </p:pic>
+      <p:pic>
+        <p:nvPicPr>
+          <p:cNvPr id="9" name="Picture 8">
+            <a:extLst>
+              <a:ext uri="{FF2B5EF4-FFF2-40B4-BE49-F238E27FC236}">
+                <a16:creationId xmlns:a16="http://schemas.microsoft.com/office/drawing/2014/main" id="{B407ECF1-ABC0-76B3-9C4E-3BFD4FCCC2E2}"/>
+              </a:ext>
+            </a:extLst>
+          </p:cNvPr>
+          <p:cNvPicPr>
+            <a:picLocks noChangeAspect="1"/>
+          </p:cNvPicPr>
+          <p:nvPr/>
+        </p:nvPicPr>
+        <p:blipFill>
+          <a:blip r:embed="rId3"/>
+          <a:stretch>
+            <a:fillRect/>
+          </a:stretch>
+        </p:blipFill>
+        <p:spPr>
+          <a:xfrm>
+            <a:off x="97275" y="3860800"/>
+            <a:ext cx="5018358" cy="623999"/>
+          </a:xfrm>
+          <a:prstGeom prst="rect">
+            <a:avLst/>
+          </a:prstGeom>
+        </p:spPr>
+      </p:pic>
+      <p:pic>
+        <p:nvPicPr>
+          <p:cNvPr id="11" name="Picture 10" descr="A row of black and grey squares&#10;&#10;Description automatically generated">
+            <a:extLst>
+              <a:ext uri="{FF2B5EF4-FFF2-40B4-BE49-F238E27FC236}">
+                <a16:creationId xmlns:a16="http://schemas.microsoft.com/office/drawing/2014/main" id="{F4E0F4D8-7F33-44DD-CB77-B79152E5F32A}"/>
+              </a:ext>
+            </a:extLst>
+          </p:cNvPr>
+          <p:cNvPicPr>
+            <a:picLocks noChangeAspect="1"/>
+          </p:cNvPicPr>
+          <p:nvPr/>
+        </p:nvPicPr>
+        <p:blipFill>
+          <a:blip r:embed="rId4">
+            <a:extLst>
+              <a:ext uri="{28A0092B-C50C-407E-A947-70E740481C1C}">
+                <a14:useLocalDpi xmlns:a14="http://schemas.microsoft.com/office/drawing/2010/main" val="0"/>
+              </a:ext>
+            </a:extLst>
+          </a:blip>
+          <a:stretch>
+            <a:fillRect/>
+          </a:stretch>
+        </p:blipFill>
+        <p:spPr>
+          <a:xfrm>
+            <a:off x="8180962" y="3847390"/>
+            <a:ext cx="4011038" cy="3008279"/>
+          </a:xfrm>
+          <a:prstGeom prst="rect">
+            <a:avLst/>
+          </a:prstGeom>
+          <a:ln w="38100">
+            <a:solidFill>
+              <a:schemeClr val="accent1"/>
+            </a:solidFill>
+          </a:ln>
+        </p:spPr>
+      </p:pic>
+      <p:sp>
+        <p:nvSpPr>
+          <p:cNvPr id="12" name="Arrow: Right 11">
+            <a:extLst>
+              <a:ext uri="{FF2B5EF4-FFF2-40B4-BE49-F238E27FC236}">
+                <a16:creationId xmlns:a16="http://schemas.microsoft.com/office/drawing/2014/main" id="{EAF6E9A2-BFD4-F420-20EF-F3330E992C2C}"/>
+              </a:ext>
+            </a:extLst>
+          </p:cNvPr>
+          <p:cNvSpPr/>
+          <p:nvPr/>
+        </p:nvSpPr>
+        <p:spPr>
+          <a:xfrm>
+            <a:off x="6988766" y="5093746"/>
+            <a:ext cx="933854" cy="749029"/>
+          </a:xfrm>
+          <a:prstGeom prst="rightArrow">
+            <a:avLst/>
+          </a:prstGeom>
+        </p:spPr>
+        <p:style>
+          <a:lnRef idx="2">
+            <a:schemeClr val="accent1">
+              <a:shade val="15000"/>
+            </a:schemeClr>
+          </a:lnRef>
+          <a:fillRef idx="1">
+            <a:schemeClr val="accent1"/>
+          </a:fillRef>
+          <a:effectRef idx="0">
+            <a:schemeClr val="accent1"/>
+          </a:effectRef>
+          <a:fontRef idx="minor">
+            <a:schemeClr val="lt1"/>
+          </a:fontRef>
+        </p:style>
+        <p:txBody>
+          <a:bodyPr rtlCol="1" anchor="ctr"/>
+          <a:lstStyle/>
+          <a:p>
+            <a:pPr algn="ctr"/>
+            <a:endParaRPr lang="he-IL"/>
+          </a:p>
+        </p:txBody>
+      </p:sp>
+      <p:sp>
+        <p:nvSpPr>
+          <p:cNvPr id="13" name="Rectangle 12">
+            <a:extLst>
+              <a:ext uri="{FF2B5EF4-FFF2-40B4-BE49-F238E27FC236}">
+                <a16:creationId xmlns:a16="http://schemas.microsoft.com/office/drawing/2014/main" id="{664787A8-135A-0E12-584D-2C17C4A1D86B}"/>
+              </a:ext>
+            </a:extLst>
+          </p:cNvPr>
+          <p:cNvSpPr/>
+          <p:nvPr/>
+        </p:nvSpPr>
+        <p:spPr>
+          <a:xfrm>
+            <a:off x="3588443" y="4646571"/>
+            <a:ext cx="3229583" cy="1909744"/>
+          </a:xfrm>
+          <a:prstGeom prst="rect">
+            <a:avLst/>
+          </a:prstGeom>
+        </p:spPr>
+        <p:style>
+          <a:lnRef idx="2">
+            <a:schemeClr val="accent1">
+              <a:shade val="15000"/>
+            </a:schemeClr>
+          </a:lnRef>
+          <a:fillRef idx="1">
+            <a:schemeClr val="accent1"/>
+          </a:fillRef>
+          <a:effectRef idx="0">
+            <a:schemeClr val="accent1"/>
+          </a:effectRef>
+          <a:fontRef idx="minor">
+            <a:schemeClr val="lt1"/>
+          </a:fontRef>
+        </p:style>
+        <p:txBody>
+          <a:bodyPr rtlCol="1" anchor="ctr"/>
+          <a:lstStyle/>
+          <a:p>
+            <a:pPr algn="ctr"/>
+            <a:r>
+              <a:rPr lang="en-US" dirty="0"/>
+              <a:t>One can see that there has been created 5 rectangles with a declining transparency over the diagonal of the screen (between every couple of a rectangle there is another white rectangle (total of 10)</a:t>
+            </a:r>
+            <a:endParaRPr lang="he-IL" dirty="0"/>
+          </a:p>
+        </p:txBody>
+      </p:sp>
+    </p:spTree>
+    <p:extLst>
+      <p:ext uri="{BB962C8B-B14F-4D97-AF65-F5344CB8AC3E}">
+        <p14:creationId xmlns:p14="http://schemas.microsoft.com/office/powerpoint/2010/main" val="3662737598"/>
+      </p:ext>
+    </p:extLst>
+  </p:cSld>
+  <p:clrMapOvr>
+    <a:masterClrMapping/>
+  </p:clrMapOvr>
+</p:sld>
+</file>
+
+<file path=ppt/slides/slide14.xml><?xml version="1.0" encoding="utf-8"?>
+<p:sld xmlns:a="http://schemas.openxmlformats.org/drawingml/2006/main" xmlns:r="http://schemas.openxmlformats.org/officeDocument/2006/relationships" xmlns:p="http://schemas.openxmlformats.org/presentationml/2006/main">
+  <p:cSld>
+    <p:spTree>
+      <p:nvGrpSpPr>
+        <p:cNvPr id="1" name=""/>
+        <p:cNvGrpSpPr/>
+        <p:nvPr/>
+      </p:nvGrpSpPr>
+      <p:grpSpPr>
+        <a:xfrm>
+          <a:off x="0" y="0"/>
+          <a:ext cx="0" cy="0"/>
+          <a:chOff x="0" y="0"/>
+          <a:chExt cx="0" cy="0"/>
+        </a:xfrm>
+      </p:grpSpPr>
+      <p:sp>
+        <p:nvSpPr>
+          <p:cNvPr id="4" name="Title 1">
+            <a:extLst>
+              <a:ext uri="{FF2B5EF4-FFF2-40B4-BE49-F238E27FC236}">
+                <a16:creationId xmlns:a16="http://schemas.microsoft.com/office/drawing/2014/main" id="{CC885813-C3C2-3B57-6266-061CF1A3569E}"/>
+              </a:ext>
+            </a:extLst>
+          </p:cNvPr>
+          <p:cNvSpPr>
+            <a:spLocks noGrp="1"/>
+          </p:cNvSpPr>
+          <p:nvPr>
+            <p:ph type="title"/>
+          </p:nvPr>
+        </p:nvSpPr>
+        <p:spPr>
+          <a:xfrm>
+            <a:off x="1496779" y="167779"/>
+            <a:ext cx="9198442" cy="612336"/>
+          </a:xfrm>
+        </p:spPr>
+        <p:txBody>
+          <a:bodyPr>
+            <a:normAutofit fontScale="90000"/>
+          </a:bodyPr>
+          <a:lstStyle/>
+          <a:p>
+            <a:pPr algn="ctr" rtl="0"/>
+            <a:r>
+              <a:rPr lang="en-US" sz="2400" b="1" u="sng" dirty="0">
+                <a:solidFill>
+                  <a:srgbClr val="0070C0"/>
+                </a:solidFill>
+              </a:rPr>
+              <a:t>11.4 Code of the “main” function and set of intermediate images-</a:t>
+            </a:r>
+            <a:r>
+              <a:rPr lang="en-US" sz="2400" b="1" u="sng" dirty="0">
+                <a:solidFill>
+                  <a:srgbClr val="FF0000"/>
+                </a:solidFill>
+              </a:rPr>
+              <a:t>part 1</a:t>
+            </a:r>
+            <a:endParaRPr lang="he-IL" sz="2400" b="1" u="sng" dirty="0">
+              <a:solidFill>
+                <a:srgbClr val="FF0000"/>
+              </a:solidFill>
+            </a:endParaRPr>
+          </a:p>
+        </p:txBody>
+      </p:sp>
+      <p:pic>
+        <p:nvPicPr>
+          <p:cNvPr id="6" name="Picture 5">
+            <a:extLst>
+              <a:ext uri="{FF2B5EF4-FFF2-40B4-BE49-F238E27FC236}">
+                <a16:creationId xmlns:a16="http://schemas.microsoft.com/office/drawing/2014/main" id="{2352E751-89FC-77A9-FEDE-02B845447ADB}"/>
+              </a:ext>
+            </a:extLst>
+          </p:cNvPr>
+          <p:cNvPicPr>
+            <a:picLocks noChangeAspect="1"/>
+          </p:cNvPicPr>
+          <p:nvPr/>
+        </p:nvPicPr>
+        <p:blipFill>
+          <a:blip r:embed="rId3"/>
+          <a:stretch>
+            <a:fillRect/>
+          </a:stretch>
+        </p:blipFill>
+        <p:spPr>
+          <a:xfrm>
+            <a:off x="0" y="971320"/>
+            <a:ext cx="12192000" cy="4448432"/>
+          </a:xfrm>
+          <a:prstGeom prst="rect">
+            <a:avLst/>
+          </a:prstGeom>
+        </p:spPr>
+      </p:pic>
+      <p:sp>
+        <p:nvSpPr>
+          <p:cNvPr id="8" name="Slide Number Placeholder 5">
+            <a:extLst>
+              <a:ext uri="{FF2B5EF4-FFF2-40B4-BE49-F238E27FC236}">
+                <a16:creationId xmlns:a16="http://schemas.microsoft.com/office/drawing/2014/main" id="{2BD4B17E-04E5-CA9D-7C61-FD0E5AB7F4FC}"/>
+              </a:ext>
+            </a:extLst>
+          </p:cNvPr>
+          <p:cNvSpPr txBox="1">
+            <a:spLocks/>
+          </p:cNvSpPr>
+          <p:nvPr/>
+        </p:nvSpPr>
+        <p:spPr>
+          <a:xfrm>
+            <a:off x="11731557" y="6492875"/>
+            <a:ext cx="460443" cy="365125"/>
+          </a:xfrm>
+          <a:prstGeom prst="rect">
+            <a:avLst/>
+          </a:prstGeom>
+        </p:spPr>
+        <p:txBody>
+          <a:bodyPr vert="horz" lIns="91440" tIns="45720" rIns="91440" bIns="45720" rtlCol="0" anchor="ctr"/>
+          <a:lstStyle>
+            <a:defPPr>
+              <a:defRPr lang="he-IL"/>
+            </a:defPPr>
+            <a:lvl1pPr marL="0" algn="l" defTabSz="914400" rtl="0" eaLnBrk="1" latinLnBrk="0" hangingPunct="1">
+              <a:defRPr sz="1200" kern="1200">
+                <a:solidFill>
+                  <a:schemeClr val="tx1">
+                    <a:tint val="82000"/>
+                  </a:schemeClr>
+                </a:solidFill>
+                <a:latin typeface="+mn-lt"/>
+                <a:ea typeface="+mn-ea"/>
+                <a:cs typeface="+mn-cs"/>
+              </a:defRPr>
+            </a:lvl1pPr>
+            <a:lvl2pPr marL="457200" algn="l" defTabSz="914400" rtl="0" eaLnBrk="1" latinLnBrk="0" hangingPunct="1">
+              <a:defRPr sz="1800" kern="1200">
+                <a:solidFill>
+                  <a:schemeClr val="tx1"/>
+                </a:solidFill>
+                <a:latin typeface="+mn-lt"/>
+                <a:ea typeface="+mn-ea"/>
+                <a:cs typeface="+mn-cs"/>
+              </a:defRPr>
+            </a:lvl2pPr>
+            <a:lvl3pPr marL="914400" algn="l" defTabSz="914400" rtl="0" eaLnBrk="1" latinLnBrk="0" hangingPunct="1">
+              <a:defRPr sz="1800" kern="1200">
+                <a:solidFill>
+                  <a:schemeClr val="tx1"/>
+                </a:solidFill>
+                <a:latin typeface="+mn-lt"/>
+                <a:ea typeface="+mn-ea"/>
+                <a:cs typeface="+mn-cs"/>
+              </a:defRPr>
+            </a:lvl3pPr>
+            <a:lvl4pPr marL="1371600" algn="l" defTabSz="914400" rtl="0" eaLnBrk="1" latinLnBrk="0" hangingPunct="1">
+              <a:defRPr sz="1800" kern="1200">
+                <a:solidFill>
+                  <a:schemeClr val="tx1"/>
+                </a:solidFill>
+                <a:latin typeface="+mn-lt"/>
+                <a:ea typeface="+mn-ea"/>
+                <a:cs typeface="+mn-cs"/>
+              </a:defRPr>
+            </a:lvl4pPr>
+            <a:lvl5pPr marL="1828800" algn="l" defTabSz="914400" rtl="0" eaLnBrk="1" latinLnBrk="0" hangingPunct="1">
+              <a:defRPr sz="1800" kern="1200">
+                <a:solidFill>
+                  <a:schemeClr val="tx1"/>
+                </a:solidFill>
+                <a:latin typeface="+mn-lt"/>
+                <a:ea typeface="+mn-ea"/>
+                <a:cs typeface="+mn-cs"/>
+              </a:defRPr>
+            </a:lvl5pPr>
+            <a:lvl6pPr marL="2286000" algn="l" defTabSz="914400" rtl="0" eaLnBrk="1" latinLnBrk="0" hangingPunct="1">
+              <a:defRPr sz="1800" kern="1200">
+                <a:solidFill>
+                  <a:schemeClr val="tx1"/>
+                </a:solidFill>
+                <a:latin typeface="+mn-lt"/>
+                <a:ea typeface="+mn-ea"/>
+                <a:cs typeface="+mn-cs"/>
+              </a:defRPr>
+            </a:lvl6pPr>
+            <a:lvl7pPr marL="2743200" algn="l" defTabSz="914400" rtl="0" eaLnBrk="1" latinLnBrk="0" hangingPunct="1">
+              <a:defRPr sz="1800" kern="1200">
+                <a:solidFill>
+                  <a:schemeClr val="tx1"/>
+                </a:solidFill>
+                <a:latin typeface="+mn-lt"/>
+                <a:ea typeface="+mn-ea"/>
+                <a:cs typeface="+mn-cs"/>
+              </a:defRPr>
+            </a:lvl7pPr>
+            <a:lvl8pPr marL="3200400" algn="l" defTabSz="914400" rtl="0" eaLnBrk="1" latinLnBrk="0" hangingPunct="1">
+              <a:defRPr sz="1800" kern="1200">
+                <a:solidFill>
+                  <a:schemeClr val="tx1"/>
+                </a:solidFill>
+                <a:latin typeface="+mn-lt"/>
+                <a:ea typeface="+mn-ea"/>
+                <a:cs typeface="+mn-cs"/>
+              </a:defRPr>
+            </a:lvl8pPr>
+            <a:lvl9pPr marL="3657600" algn="l" defTabSz="914400" rtl="0" eaLnBrk="1" latinLnBrk="0" hangingPunct="1">
+              <a:defRPr sz="1800" kern="1200">
+                <a:solidFill>
+                  <a:schemeClr val="tx1"/>
+                </a:solidFill>
+                <a:latin typeface="+mn-lt"/>
+                <a:ea typeface="+mn-ea"/>
+                <a:cs typeface="+mn-cs"/>
+              </a:defRPr>
+            </a:lvl9pPr>
+          </a:lstStyle>
+          <a:p>
+            <a:fld id="{1E5BF412-EFCF-4C51-A2DF-B419076696E3}" type="slidenum">
+              <a:rPr lang="he-IL" sz="1600" smtClean="0"/>
+              <a:pPr/>
+              <a:t>14</a:t>
+            </a:fld>
+            <a:endParaRPr lang="he-IL" sz="1600" dirty="0"/>
+          </a:p>
+        </p:txBody>
+      </p:sp>
+      <p:sp>
+        <p:nvSpPr>
+          <p:cNvPr id="10" name="TextBox 9">
+            <a:extLst>
+              <a:ext uri="{FF2B5EF4-FFF2-40B4-BE49-F238E27FC236}">
+                <a16:creationId xmlns:a16="http://schemas.microsoft.com/office/drawing/2014/main" id="{8930628D-7BD0-B919-9589-2C0DE751CAF3}"/>
+              </a:ext>
+            </a:extLst>
+          </p:cNvPr>
+          <p:cNvSpPr txBox="1"/>
+          <p:nvPr/>
+        </p:nvSpPr>
+        <p:spPr>
+          <a:xfrm>
+            <a:off x="5865779" y="2092963"/>
+            <a:ext cx="6326221" cy="1200329"/>
+          </a:xfrm>
+          <a:prstGeom prst="rect">
+            <a:avLst/>
+          </a:prstGeom>
+        </p:spPr>
+        <p:style>
+          <a:lnRef idx="0">
+            <a:schemeClr val="accent2"/>
+          </a:lnRef>
+          <a:fillRef idx="3">
+            <a:schemeClr val="accent2"/>
+          </a:fillRef>
+          <a:effectRef idx="3">
+            <a:schemeClr val="accent2"/>
+          </a:effectRef>
+          <a:fontRef idx="minor">
+            <a:schemeClr val="lt1"/>
+          </a:fontRef>
+        </p:style>
+        <p:txBody>
+          <a:bodyPr wrap="square">
+            <a:spAutoFit/>
+          </a:bodyPr>
+          <a:lstStyle/>
+          <a:p>
+            <a:r>
+              <a:rPr lang="en-US" dirty="0"/>
+              <a:t>This nested loop initializes a 2D array </a:t>
+            </a:r>
+            <a:r>
+              <a:rPr lang="en-US" b="1" dirty="0"/>
+              <a:t>img</a:t>
+            </a:r>
+            <a:r>
+              <a:rPr lang="en-US" dirty="0"/>
+              <a:t> representing the image. Each pixel in the image is set to 255, which represents </a:t>
+            </a:r>
+            <a:r>
+              <a:rPr lang="en-US" b="1" dirty="0"/>
+              <a:t>white</a:t>
+            </a:r>
+            <a:r>
+              <a:rPr lang="en-US" dirty="0"/>
+              <a:t> in a grayscale image. The loop iterates over all rows and columns of the image, ensuring the entire background is white.</a:t>
+            </a:r>
+            <a:endParaRPr lang="he-IL" dirty="0"/>
+          </a:p>
+        </p:txBody>
+      </p:sp>
+      <p:cxnSp>
+        <p:nvCxnSpPr>
+          <p:cNvPr id="12" name="Straight Arrow Connector 11">
+            <a:extLst>
+              <a:ext uri="{FF2B5EF4-FFF2-40B4-BE49-F238E27FC236}">
+                <a16:creationId xmlns:a16="http://schemas.microsoft.com/office/drawing/2014/main" id="{77FD6E5C-784E-8E6A-13D7-0D87CC280326}"/>
+              </a:ext>
+            </a:extLst>
+          </p:cNvPr>
+          <p:cNvCxnSpPr>
+            <a:cxnSpLocks/>
+          </p:cNvCxnSpPr>
+          <p:nvPr/>
+        </p:nvCxnSpPr>
+        <p:spPr>
+          <a:xfrm flipH="1" flipV="1">
+            <a:off x="5087566" y="2092963"/>
+            <a:ext cx="771728" cy="359924"/>
+          </a:xfrm>
+          <a:prstGeom prst="straightConnector1">
+            <a:avLst/>
+          </a:prstGeom>
+          <a:ln w="57150" cap="flat" cmpd="sng" algn="ctr">
+            <a:solidFill>
+              <a:schemeClr val="accent2"/>
+            </a:solidFill>
+            <a:prstDash val="solid"/>
+            <a:round/>
+            <a:headEnd type="none" w="med" len="med"/>
+            <a:tailEnd type="arrow" w="med" len="med"/>
+          </a:ln>
+        </p:spPr>
+        <p:style>
+          <a:lnRef idx="0">
+            <a:scrgbClr r="0" g="0" b="0"/>
+          </a:lnRef>
+          <a:fillRef idx="0">
+            <a:scrgbClr r="0" g="0" b="0"/>
+          </a:fillRef>
+          <a:effectRef idx="0">
+            <a:scrgbClr r="0" g="0" b="0"/>
+          </a:effectRef>
+          <a:fontRef idx="minor">
+            <a:schemeClr val="tx1"/>
+          </a:fontRef>
+        </p:style>
+      </p:cxnSp>
+      <p:sp>
+        <p:nvSpPr>
+          <p:cNvPr id="15" name="TextBox 14">
+            <a:extLst>
+              <a:ext uri="{FF2B5EF4-FFF2-40B4-BE49-F238E27FC236}">
+                <a16:creationId xmlns:a16="http://schemas.microsoft.com/office/drawing/2014/main" id="{F17CDA27-72DD-AFE2-68EB-B91CC8F60E12}"/>
+              </a:ext>
+            </a:extLst>
+          </p:cNvPr>
+          <p:cNvSpPr txBox="1"/>
+          <p:nvPr/>
+        </p:nvSpPr>
+        <p:spPr>
+          <a:xfrm>
+            <a:off x="6865702" y="3293292"/>
+            <a:ext cx="5326298" cy="646331"/>
+          </a:xfrm>
+          <a:prstGeom prst="rect">
+            <a:avLst/>
+          </a:prstGeom>
+        </p:spPr>
+        <p:style>
+          <a:lnRef idx="0">
+            <a:schemeClr val="accent5"/>
+          </a:lnRef>
+          <a:fillRef idx="3">
+            <a:schemeClr val="accent5"/>
+          </a:fillRef>
+          <a:effectRef idx="3">
+            <a:schemeClr val="accent5"/>
+          </a:effectRef>
+          <a:fontRef idx="minor">
+            <a:schemeClr val="lt1"/>
+          </a:fontRef>
+        </p:style>
+        <p:txBody>
+          <a:bodyPr wrap="square">
+            <a:spAutoFit/>
+          </a:bodyPr>
+          <a:lstStyle/>
+          <a:p>
+            <a:r>
+              <a:rPr lang="en-US" dirty="0"/>
+              <a:t>numRectangles is set to 100, indicating the number of rectangles to be added to the image. </a:t>
+            </a:r>
+            <a:endParaRPr lang="he-IL" dirty="0"/>
+          </a:p>
+        </p:txBody>
+      </p:sp>
+      <p:sp>
+        <p:nvSpPr>
+          <p:cNvPr id="17" name="TextBox 16">
+            <a:extLst>
+              <a:ext uri="{FF2B5EF4-FFF2-40B4-BE49-F238E27FC236}">
+                <a16:creationId xmlns:a16="http://schemas.microsoft.com/office/drawing/2014/main" id="{F2C6CA15-20C3-7D43-10FB-082997BF685C}"/>
+              </a:ext>
+            </a:extLst>
+          </p:cNvPr>
+          <p:cNvSpPr txBox="1"/>
+          <p:nvPr/>
+        </p:nvSpPr>
+        <p:spPr>
+          <a:xfrm>
+            <a:off x="0" y="5610957"/>
+            <a:ext cx="4747098" cy="923330"/>
+          </a:xfrm>
+          <a:prstGeom prst="rect">
+            <a:avLst/>
+          </a:prstGeom>
+        </p:spPr>
+        <p:style>
+          <a:lnRef idx="0">
+            <a:schemeClr val="accent3"/>
+          </a:lnRef>
+          <a:fillRef idx="3">
+            <a:schemeClr val="accent3"/>
+          </a:fillRef>
+          <a:effectRef idx="3">
+            <a:schemeClr val="accent3"/>
+          </a:effectRef>
+          <a:fontRef idx="minor">
+            <a:schemeClr val="lt1"/>
+          </a:fontRef>
+        </p:style>
+        <p:txBody>
+          <a:bodyPr wrap="square">
+            <a:spAutoFit/>
+          </a:bodyPr>
+          <a:lstStyle/>
+          <a:p>
+            <a:r>
+              <a:rPr lang="en-US" b="1" dirty="0"/>
+              <a:t>points</a:t>
+            </a:r>
+            <a:r>
+              <a:rPr lang="en-US" dirty="0"/>
+              <a:t> is a 2D array of s2dPoint structures, where each rectangle is defined by two points (top-left and bottom-right corners).</a:t>
+            </a:r>
+            <a:endParaRPr lang="he-IL" dirty="0"/>
+          </a:p>
+        </p:txBody>
+      </p:sp>
+      <p:cxnSp>
+        <p:nvCxnSpPr>
+          <p:cNvPr id="18" name="Straight Arrow Connector 17">
+            <a:extLst>
+              <a:ext uri="{FF2B5EF4-FFF2-40B4-BE49-F238E27FC236}">
+                <a16:creationId xmlns:a16="http://schemas.microsoft.com/office/drawing/2014/main" id="{77DE0932-9584-FFCC-B401-05D7E0EA377E}"/>
+              </a:ext>
+            </a:extLst>
+          </p:cNvPr>
+          <p:cNvCxnSpPr>
+            <a:cxnSpLocks/>
+          </p:cNvCxnSpPr>
+          <p:nvPr/>
+        </p:nvCxnSpPr>
+        <p:spPr>
+          <a:xfrm flipH="1" flipV="1">
+            <a:off x="4747098" y="3226744"/>
+            <a:ext cx="2118604" cy="337965"/>
+          </a:xfrm>
+          <a:prstGeom prst="straightConnector1">
+            <a:avLst/>
+          </a:prstGeom>
+          <a:ln w="57150" cap="flat" cmpd="sng" algn="ctr">
+            <a:solidFill>
+              <a:schemeClr val="accent5"/>
+            </a:solidFill>
+            <a:prstDash val="solid"/>
+            <a:round/>
+            <a:headEnd type="none" w="med" len="med"/>
+            <a:tailEnd type="arrow" w="med" len="med"/>
+          </a:ln>
+        </p:spPr>
+        <p:style>
+          <a:lnRef idx="0">
+            <a:scrgbClr r="0" g="0" b="0"/>
+          </a:lnRef>
+          <a:fillRef idx="0">
+            <a:scrgbClr r="0" g="0" b="0"/>
+          </a:fillRef>
+          <a:effectRef idx="0">
+            <a:scrgbClr r="0" g="0" b="0"/>
+          </a:effectRef>
+          <a:fontRef idx="minor">
+            <a:schemeClr val="tx1"/>
+          </a:fontRef>
+        </p:style>
+      </p:cxnSp>
+      <p:sp>
+        <p:nvSpPr>
+          <p:cNvPr id="22" name="TextBox 21">
+            <a:extLst>
+              <a:ext uri="{FF2B5EF4-FFF2-40B4-BE49-F238E27FC236}">
+                <a16:creationId xmlns:a16="http://schemas.microsoft.com/office/drawing/2014/main" id="{C2346FFB-774F-8F33-366F-B5A03F55A728}"/>
+              </a:ext>
+            </a:extLst>
+          </p:cNvPr>
+          <p:cNvSpPr txBox="1"/>
+          <p:nvPr/>
+        </p:nvSpPr>
+        <p:spPr>
+          <a:xfrm>
+            <a:off x="5087566" y="5601611"/>
+            <a:ext cx="3029353" cy="923330"/>
+          </a:xfrm>
+          <a:prstGeom prst="rect">
+            <a:avLst/>
+          </a:prstGeom>
+        </p:spPr>
+        <p:style>
+          <a:lnRef idx="0">
+            <a:schemeClr val="accent1"/>
+          </a:lnRef>
+          <a:fillRef idx="3">
+            <a:schemeClr val="accent1"/>
+          </a:fillRef>
+          <a:effectRef idx="3">
+            <a:schemeClr val="accent1"/>
+          </a:effectRef>
+          <a:fontRef idx="minor">
+            <a:schemeClr val="lt1"/>
+          </a:fontRef>
+        </p:style>
+        <p:txBody>
+          <a:bodyPr wrap="square">
+            <a:spAutoFit/>
+          </a:bodyPr>
+          <a:lstStyle/>
+          <a:p>
+            <a:r>
+              <a:rPr lang="en-US" b="1" dirty="0"/>
+              <a:t>transparencies</a:t>
+            </a:r>
+            <a:r>
+              <a:rPr lang="en-US" dirty="0"/>
+              <a:t> is an array to store the transparency levels for each rectangle.</a:t>
+            </a:r>
+            <a:endParaRPr lang="he-IL" dirty="0"/>
+          </a:p>
+        </p:txBody>
+      </p:sp>
+      <p:sp>
+        <p:nvSpPr>
+          <p:cNvPr id="24" name="TextBox 23">
+            <a:extLst>
+              <a:ext uri="{FF2B5EF4-FFF2-40B4-BE49-F238E27FC236}">
+                <a16:creationId xmlns:a16="http://schemas.microsoft.com/office/drawing/2014/main" id="{C3A4AD5C-9C2C-1A96-DB40-5889513B6529}"/>
+              </a:ext>
+            </a:extLst>
+          </p:cNvPr>
+          <p:cNvSpPr txBox="1"/>
+          <p:nvPr/>
+        </p:nvSpPr>
+        <p:spPr>
+          <a:xfrm>
+            <a:off x="8362546" y="5601611"/>
+            <a:ext cx="3829454" cy="646331"/>
+          </a:xfrm>
+          <a:prstGeom prst="rect">
+            <a:avLst/>
+          </a:prstGeom>
+        </p:spPr>
+        <p:style>
+          <a:lnRef idx="0">
+            <a:schemeClr val="accent4"/>
+          </a:lnRef>
+          <a:fillRef idx="3">
+            <a:schemeClr val="accent4"/>
+          </a:fillRef>
+          <a:effectRef idx="3">
+            <a:schemeClr val="accent4"/>
+          </a:effectRef>
+          <a:fontRef idx="minor">
+            <a:schemeClr val="lt1"/>
+          </a:fontRef>
+        </p:style>
+        <p:txBody>
+          <a:bodyPr wrap="square">
+            <a:spAutoFit/>
+          </a:bodyPr>
+          <a:lstStyle/>
+          <a:p>
+            <a:r>
+              <a:rPr lang="en-US" b="1" dirty="0"/>
+              <a:t>grayLevels</a:t>
+            </a:r>
+            <a:r>
+              <a:rPr lang="en-US" dirty="0"/>
+              <a:t> is an array to store the gray levels (color) for each rectangle.</a:t>
+            </a:r>
+            <a:endParaRPr lang="he-IL" dirty="0"/>
+          </a:p>
+        </p:txBody>
+      </p:sp>
+      <p:sp>
+        <p:nvSpPr>
+          <p:cNvPr id="28" name="TextBox 27">
+            <a:extLst>
+              <a:ext uri="{FF2B5EF4-FFF2-40B4-BE49-F238E27FC236}">
+                <a16:creationId xmlns:a16="http://schemas.microsoft.com/office/drawing/2014/main" id="{7307E960-E0D3-2CD9-70D4-0F89E97BC42E}"/>
+              </a:ext>
+            </a:extLst>
+          </p:cNvPr>
+          <p:cNvSpPr txBox="1"/>
+          <p:nvPr/>
+        </p:nvSpPr>
+        <p:spPr>
+          <a:xfrm>
+            <a:off x="7491310" y="3939623"/>
+            <a:ext cx="4075081" cy="646331"/>
+          </a:xfrm>
+          <a:prstGeom prst="rect">
+            <a:avLst/>
+          </a:prstGeom>
+        </p:spPr>
+        <p:style>
+          <a:lnRef idx="0">
+            <a:schemeClr val="accent6"/>
+          </a:lnRef>
+          <a:fillRef idx="3">
+            <a:schemeClr val="accent6"/>
+          </a:fillRef>
+          <a:effectRef idx="3">
+            <a:schemeClr val="accent6"/>
+          </a:effectRef>
+          <a:fontRef idx="minor">
+            <a:schemeClr val="lt1"/>
+          </a:fontRef>
+        </p:style>
+        <p:txBody>
+          <a:bodyPr wrap="square">
+            <a:spAutoFit/>
+          </a:bodyPr>
+          <a:lstStyle/>
+          <a:p>
+            <a:r>
+              <a:rPr lang="en-US" dirty="0"/>
+              <a:t>This loop calculates the transparency and gray levels for each rectangle.</a:t>
+            </a:r>
+            <a:endParaRPr lang="he-IL" dirty="0"/>
+          </a:p>
+        </p:txBody>
+      </p:sp>
+      <p:cxnSp>
+        <p:nvCxnSpPr>
+          <p:cNvPr id="29" name="Straight Arrow Connector 28">
+            <a:extLst>
+              <a:ext uri="{FF2B5EF4-FFF2-40B4-BE49-F238E27FC236}">
+                <a16:creationId xmlns:a16="http://schemas.microsoft.com/office/drawing/2014/main" id="{3A017A96-3084-1B53-17B3-B6873C83E016}"/>
+              </a:ext>
+            </a:extLst>
+          </p:cNvPr>
+          <p:cNvCxnSpPr>
+            <a:cxnSpLocks/>
+          </p:cNvCxnSpPr>
+          <p:nvPr/>
+        </p:nvCxnSpPr>
+        <p:spPr>
+          <a:xfrm flipH="1">
+            <a:off x="5953328" y="4196980"/>
+            <a:ext cx="1518731" cy="296641"/>
+          </a:xfrm>
+          <a:prstGeom prst="straightConnector1">
+            <a:avLst/>
+          </a:prstGeom>
+          <a:ln w="57150" cap="flat" cmpd="sng" algn="ctr">
+            <a:solidFill>
+              <a:srgbClr val="00B050"/>
+            </a:solidFill>
+            <a:prstDash val="solid"/>
+            <a:round/>
+            <a:headEnd type="none" w="med" len="med"/>
+            <a:tailEnd type="arrow" w="med" len="med"/>
+          </a:ln>
+        </p:spPr>
+        <p:style>
+          <a:lnRef idx="0">
+            <a:scrgbClr r="0" g="0" b="0"/>
+          </a:lnRef>
+          <a:fillRef idx="0">
+            <a:scrgbClr r="0" g="0" b="0"/>
+          </a:fillRef>
+          <a:effectRef idx="0">
+            <a:scrgbClr r="0" g="0" b="0"/>
+          </a:effectRef>
+          <a:fontRef idx="minor">
+            <a:schemeClr val="tx1"/>
+          </a:fontRef>
+        </p:style>
+      </p:cxnSp>
+      <p:sp>
+        <p:nvSpPr>
+          <p:cNvPr id="33" name="TextBox 32">
+            <a:extLst>
+              <a:ext uri="{FF2B5EF4-FFF2-40B4-BE49-F238E27FC236}">
+                <a16:creationId xmlns:a16="http://schemas.microsoft.com/office/drawing/2014/main" id="{1F4CDBFD-931D-94BC-AE67-2C8A5C72DA20}"/>
+              </a:ext>
+            </a:extLst>
+          </p:cNvPr>
+          <p:cNvSpPr txBox="1"/>
+          <p:nvPr/>
+        </p:nvSpPr>
+        <p:spPr>
+          <a:xfrm>
+            <a:off x="7986410" y="978428"/>
+            <a:ext cx="3924300" cy="923330"/>
+          </a:xfrm>
+          <a:prstGeom prst="rect">
+            <a:avLst/>
+          </a:prstGeom>
+        </p:spPr>
+        <p:style>
+          <a:lnRef idx="0">
+            <a:schemeClr val="accent1"/>
+          </a:lnRef>
+          <a:fillRef idx="3">
+            <a:schemeClr val="accent1"/>
+          </a:fillRef>
+          <a:effectRef idx="3">
+            <a:schemeClr val="accent1"/>
+          </a:effectRef>
+          <a:fontRef idx="minor">
+            <a:schemeClr val="lt1"/>
+          </a:fontRef>
+        </p:style>
+        <p:txBody>
+          <a:bodyPr wrap="square">
+            <a:spAutoFit/>
+          </a:bodyPr>
+          <a:lstStyle/>
+          <a:p>
+            <a:r>
+              <a:rPr lang="en-US" dirty="0">
+                <a:solidFill>
+                  <a:srgbClr val="FFFF00"/>
+                </a:solidFill>
+              </a:rPr>
+              <a:t>During the presentation of scenarios the </a:t>
+            </a:r>
+            <a:r>
+              <a:rPr lang="en-US" b="1" dirty="0">
+                <a:solidFill>
+                  <a:srgbClr val="FFFF00"/>
+                </a:solidFill>
+              </a:rPr>
+              <a:t>numRectangles</a:t>
+            </a:r>
+            <a:r>
+              <a:rPr lang="en-US" dirty="0">
+                <a:solidFill>
+                  <a:srgbClr val="FFFF00"/>
+                </a:solidFill>
+              </a:rPr>
+              <a:t> parameter will be changed to show its effect!</a:t>
+            </a:r>
+            <a:endParaRPr lang="he-IL" dirty="0">
+              <a:solidFill>
+                <a:srgbClr val="FFFF00"/>
+              </a:solidFill>
+            </a:endParaRPr>
+          </a:p>
+        </p:txBody>
+      </p:sp>
+    </p:spTree>
+    <p:extLst>
+      <p:ext uri="{BB962C8B-B14F-4D97-AF65-F5344CB8AC3E}">
+        <p14:creationId xmlns:p14="http://schemas.microsoft.com/office/powerpoint/2010/main" val="2205229723"/>
+      </p:ext>
+    </p:extLst>
+  </p:cSld>
+  <p:clrMapOvr>
+    <a:masterClrMapping/>
+  </p:clrMapOvr>
+</p:sld>
+</file>
+
+<file path=ppt/slides/slide15.xml><?xml version="1.0" encoding="utf-8"?>
+<p:sld xmlns:a="http://schemas.openxmlformats.org/drawingml/2006/main" xmlns:r="http://schemas.openxmlformats.org/officeDocument/2006/relationships" xmlns:p="http://schemas.openxmlformats.org/presentationml/2006/main">
+  <p:cSld>
+    <p:spTree>
+      <p:nvGrpSpPr>
+        <p:cNvPr id="1" name=""/>
+        <p:cNvGrpSpPr/>
+        <p:nvPr/>
+      </p:nvGrpSpPr>
+      <p:grpSpPr>
+        <a:xfrm>
+          <a:off x="0" y="0"/>
+          <a:ext cx="0" cy="0"/>
+          <a:chOff x="0" y="0"/>
+          <a:chExt cx="0" cy="0"/>
+        </a:xfrm>
+      </p:grpSpPr>
+      <p:sp>
+        <p:nvSpPr>
+          <p:cNvPr id="6" name="Title 1">
+            <a:extLst>
+              <a:ext uri="{FF2B5EF4-FFF2-40B4-BE49-F238E27FC236}">
+                <a16:creationId xmlns:a16="http://schemas.microsoft.com/office/drawing/2014/main" id="{541C625C-55AF-615A-13E9-5BAA0C6B7F97}"/>
+              </a:ext>
+            </a:extLst>
+          </p:cNvPr>
+          <p:cNvSpPr>
+            <a:spLocks noGrp="1"/>
+          </p:cNvSpPr>
+          <p:nvPr>
+            <p:ph type="title"/>
+          </p:nvPr>
+        </p:nvSpPr>
+        <p:spPr>
+          <a:xfrm>
+            <a:off x="1331409" y="0"/>
+            <a:ext cx="9198442" cy="612336"/>
+          </a:xfrm>
+        </p:spPr>
+        <p:txBody>
+          <a:bodyPr>
+            <a:normAutofit fontScale="90000"/>
+          </a:bodyPr>
+          <a:lstStyle/>
+          <a:p>
+            <a:pPr algn="ctr" rtl="0"/>
+            <a:r>
+              <a:rPr lang="en-US" sz="2400" b="1" u="sng" dirty="0">
+                <a:solidFill>
+                  <a:srgbClr val="0070C0"/>
+                </a:solidFill>
+              </a:rPr>
+              <a:t>11.4 Code of the “main” function and set of intermediate images-</a:t>
+            </a:r>
+            <a:r>
+              <a:rPr lang="en-US" sz="2400" b="1" u="sng" dirty="0">
+                <a:solidFill>
+                  <a:srgbClr val="FF0000"/>
+                </a:solidFill>
+              </a:rPr>
+              <a:t>part 2</a:t>
+            </a:r>
+            <a:endParaRPr lang="he-IL" sz="2400" b="1" u="sng" dirty="0">
+              <a:solidFill>
+                <a:srgbClr val="FF0000"/>
+              </a:solidFill>
+            </a:endParaRPr>
+          </a:p>
+        </p:txBody>
+      </p:sp>
+      <p:sp>
+        <p:nvSpPr>
+          <p:cNvPr id="8" name="Slide Number Placeholder 5">
+            <a:extLst>
+              <a:ext uri="{FF2B5EF4-FFF2-40B4-BE49-F238E27FC236}">
+                <a16:creationId xmlns:a16="http://schemas.microsoft.com/office/drawing/2014/main" id="{76B54CDA-5E08-7734-8771-D64BF0D19796}"/>
+              </a:ext>
+            </a:extLst>
+          </p:cNvPr>
+          <p:cNvSpPr>
+            <a:spLocks noGrp="1"/>
+          </p:cNvSpPr>
+          <p:nvPr>
+            <p:ph type="sldNum" sz="quarter" idx="12"/>
+          </p:nvPr>
+        </p:nvSpPr>
+        <p:spPr>
+          <a:xfrm>
+            <a:off x="11614826" y="0"/>
+            <a:ext cx="540290" cy="365125"/>
+          </a:xfrm>
+        </p:spPr>
+        <p:txBody>
+          <a:bodyPr/>
+          <a:lstStyle/>
+          <a:p>
+            <a:fld id="{1E5BF412-EFCF-4C51-A2DF-B419076696E3}" type="slidenum">
+              <a:rPr lang="he-IL" sz="1600" smtClean="0"/>
+              <a:t>15</a:t>
+            </a:fld>
+            <a:endParaRPr lang="he-IL" sz="1600" dirty="0"/>
+          </a:p>
+        </p:txBody>
+      </p:sp>
+      <p:sp>
+        <p:nvSpPr>
+          <p:cNvPr id="10" name="TextBox 9">
+            <a:extLst>
+              <a:ext uri="{FF2B5EF4-FFF2-40B4-BE49-F238E27FC236}">
+                <a16:creationId xmlns:a16="http://schemas.microsoft.com/office/drawing/2014/main" id="{BED1CC90-3D84-EF20-AF67-C77A00CA3224}"/>
+              </a:ext>
+            </a:extLst>
+          </p:cNvPr>
+          <p:cNvSpPr txBox="1"/>
+          <p:nvPr/>
+        </p:nvSpPr>
+        <p:spPr>
+          <a:xfrm>
+            <a:off x="8702203" y="612336"/>
+            <a:ext cx="3489797" cy="923330"/>
+          </a:xfrm>
+          <a:prstGeom prst="rect">
+            <a:avLst/>
+          </a:prstGeom>
+        </p:spPr>
+        <p:style>
+          <a:lnRef idx="0">
+            <a:schemeClr val="accent2"/>
+          </a:lnRef>
+          <a:fillRef idx="3">
+            <a:schemeClr val="accent2"/>
+          </a:fillRef>
+          <a:effectRef idx="3">
+            <a:schemeClr val="accent2"/>
+          </a:effectRef>
+          <a:fontRef idx="minor">
+            <a:schemeClr val="lt1"/>
+          </a:fontRef>
+        </p:style>
+        <p:txBody>
+          <a:bodyPr wrap="square">
+            <a:spAutoFit/>
+          </a:bodyPr>
+          <a:lstStyle/>
+          <a:p>
+            <a:r>
+              <a:rPr lang="en-US" dirty="0"/>
+              <a:t>width and height are calculated to evenly distribute the rectangles across the image.</a:t>
+            </a:r>
+            <a:endParaRPr lang="he-IL" dirty="0"/>
+          </a:p>
+        </p:txBody>
+      </p:sp>
+      <p:sp>
+        <p:nvSpPr>
+          <p:cNvPr id="15" name="TextBox 14">
+            <a:extLst>
+              <a:ext uri="{FF2B5EF4-FFF2-40B4-BE49-F238E27FC236}">
+                <a16:creationId xmlns:a16="http://schemas.microsoft.com/office/drawing/2014/main" id="{6EF0FFA4-3C54-4C87-ABBB-EF36B2C431A1}"/>
+              </a:ext>
+            </a:extLst>
+          </p:cNvPr>
+          <p:cNvSpPr txBox="1"/>
+          <p:nvPr/>
+        </p:nvSpPr>
+        <p:spPr>
+          <a:xfrm>
+            <a:off x="8035047" y="4023185"/>
+            <a:ext cx="4118853" cy="923330"/>
+          </a:xfrm>
+          <a:prstGeom prst="rect">
+            <a:avLst/>
+          </a:prstGeom>
+        </p:spPr>
+        <p:style>
+          <a:lnRef idx="0">
+            <a:schemeClr val="accent3"/>
+          </a:lnRef>
+          <a:fillRef idx="3">
+            <a:schemeClr val="accent3"/>
+          </a:fillRef>
+          <a:effectRef idx="3">
+            <a:schemeClr val="accent3"/>
+          </a:effectRef>
+          <a:fontRef idx="minor">
+            <a:schemeClr val="lt1"/>
+          </a:fontRef>
+        </p:style>
+        <p:txBody>
+          <a:bodyPr wrap="square">
+            <a:spAutoFit/>
+          </a:bodyPr>
+          <a:lstStyle/>
+          <a:p>
+            <a:r>
+              <a:rPr lang="en-US" dirty="0"/>
+              <a:t>The different cases – we decided to demonstrate 6 different cases that can be pick using the caseFlag variable.</a:t>
+            </a:r>
+            <a:endParaRPr lang="he-IL" dirty="0"/>
+          </a:p>
+        </p:txBody>
+      </p:sp>
+      <p:cxnSp>
+        <p:nvCxnSpPr>
+          <p:cNvPr id="16" name="Straight Arrow Connector 15">
+            <a:extLst>
+              <a:ext uri="{FF2B5EF4-FFF2-40B4-BE49-F238E27FC236}">
+                <a16:creationId xmlns:a16="http://schemas.microsoft.com/office/drawing/2014/main" id="{460087FD-5639-3B9D-6FCA-8849762F66CE}"/>
+              </a:ext>
+            </a:extLst>
+          </p:cNvPr>
+          <p:cNvCxnSpPr>
+            <a:cxnSpLocks/>
+            <a:endCxn id="3" idx="3"/>
+          </p:cNvCxnSpPr>
+          <p:nvPr/>
+        </p:nvCxnSpPr>
+        <p:spPr>
+          <a:xfrm flipH="1" flipV="1">
+            <a:off x="6556443" y="4052351"/>
+            <a:ext cx="1478604" cy="149998"/>
+          </a:xfrm>
+          <a:prstGeom prst="straightConnector1">
+            <a:avLst/>
+          </a:prstGeom>
+          <a:ln w="57150" cap="flat" cmpd="sng" algn="ctr">
+            <a:solidFill>
+              <a:schemeClr val="accent3"/>
+            </a:solidFill>
+            <a:prstDash val="solid"/>
+            <a:round/>
+            <a:headEnd type="none" w="med" len="med"/>
+            <a:tailEnd type="arrow" w="med" len="med"/>
+          </a:ln>
+        </p:spPr>
+        <p:style>
+          <a:lnRef idx="0">
+            <a:scrgbClr r="0" g="0" b="0"/>
+          </a:lnRef>
+          <a:fillRef idx="0">
+            <a:scrgbClr r="0" g="0" b="0"/>
+          </a:fillRef>
+          <a:effectRef idx="0">
+            <a:scrgbClr r="0" g="0" b="0"/>
+          </a:effectRef>
+          <a:fontRef idx="minor">
+            <a:schemeClr val="tx1"/>
+          </a:fontRef>
+        </p:style>
+      </p:cxnSp>
+      <p:pic>
+        <p:nvPicPr>
+          <p:cNvPr id="3" name="Picture 2">
+            <a:extLst>
+              <a:ext uri="{FF2B5EF4-FFF2-40B4-BE49-F238E27FC236}">
+                <a16:creationId xmlns:a16="http://schemas.microsoft.com/office/drawing/2014/main" id="{CA34008D-25F3-5590-9146-0945F60EDEA8}"/>
+              </a:ext>
+            </a:extLst>
+          </p:cNvPr>
+          <p:cNvPicPr>
+            <a:picLocks noChangeAspect="1"/>
+          </p:cNvPicPr>
+          <p:nvPr/>
+        </p:nvPicPr>
+        <p:blipFill>
+          <a:blip r:embed="rId2"/>
+          <a:stretch>
+            <a:fillRect/>
+          </a:stretch>
+        </p:blipFill>
+        <p:spPr>
+          <a:xfrm>
+            <a:off x="-27479" y="1246702"/>
+            <a:ext cx="6583922" cy="5611297"/>
+          </a:xfrm>
+          <a:prstGeom prst="rect">
+            <a:avLst/>
+          </a:prstGeom>
+        </p:spPr>
+      </p:pic>
+      <p:pic>
+        <p:nvPicPr>
+          <p:cNvPr id="7" name="Picture 6">
+            <a:extLst>
+              <a:ext uri="{FF2B5EF4-FFF2-40B4-BE49-F238E27FC236}">
+                <a16:creationId xmlns:a16="http://schemas.microsoft.com/office/drawing/2014/main" id="{E697233A-14D1-88C3-6371-59F506991EB3}"/>
+              </a:ext>
+            </a:extLst>
+          </p:cNvPr>
+          <p:cNvPicPr>
+            <a:picLocks noChangeAspect="1"/>
+          </p:cNvPicPr>
+          <p:nvPr/>
+        </p:nvPicPr>
+        <p:blipFill>
+          <a:blip r:embed="rId3"/>
+          <a:stretch>
+            <a:fillRect/>
+          </a:stretch>
+        </p:blipFill>
+        <p:spPr>
+          <a:xfrm>
+            <a:off x="19050" y="605697"/>
+            <a:ext cx="8132252" cy="612336"/>
+          </a:xfrm>
+          <a:prstGeom prst="rect">
+            <a:avLst/>
+          </a:prstGeom>
+        </p:spPr>
+      </p:pic>
+      <p:cxnSp>
+        <p:nvCxnSpPr>
+          <p:cNvPr id="11" name="Straight Arrow Connector 10">
+            <a:extLst>
+              <a:ext uri="{FF2B5EF4-FFF2-40B4-BE49-F238E27FC236}">
+                <a16:creationId xmlns:a16="http://schemas.microsoft.com/office/drawing/2014/main" id="{89CF774C-14A0-5A50-F19D-B2C6736935F4}"/>
+              </a:ext>
+            </a:extLst>
+          </p:cNvPr>
+          <p:cNvCxnSpPr>
+            <a:cxnSpLocks/>
+          </p:cNvCxnSpPr>
+          <p:nvPr/>
+        </p:nvCxnSpPr>
+        <p:spPr>
+          <a:xfrm flipH="1" flipV="1">
+            <a:off x="7811311" y="1088188"/>
+            <a:ext cx="890892" cy="273684"/>
+          </a:xfrm>
+          <a:prstGeom prst="straightConnector1">
+            <a:avLst/>
+          </a:prstGeom>
+          <a:ln w="57150" cap="flat" cmpd="sng" algn="ctr">
+            <a:solidFill>
+              <a:schemeClr val="accent2"/>
+            </a:solidFill>
+            <a:prstDash val="solid"/>
+            <a:round/>
+            <a:headEnd type="none" w="med" len="med"/>
+            <a:tailEnd type="arrow" w="med" len="med"/>
+          </a:ln>
+        </p:spPr>
+        <p:style>
+          <a:lnRef idx="0">
+            <a:scrgbClr r="0" g="0" b="0"/>
+          </a:lnRef>
+          <a:fillRef idx="0">
+            <a:scrgbClr r="0" g="0" b="0"/>
+          </a:fillRef>
+          <a:effectRef idx="0">
+            <a:scrgbClr r="0" g="0" b="0"/>
+          </a:effectRef>
+          <a:fontRef idx="minor">
+            <a:schemeClr val="tx1"/>
+          </a:fontRef>
+        </p:style>
+      </p:cxnSp>
+    </p:spTree>
+    <p:extLst>
+      <p:ext uri="{BB962C8B-B14F-4D97-AF65-F5344CB8AC3E}">
+        <p14:creationId xmlns:p14="http://schemas.microsoft.com/office/powerpoint/2010/main" val="2936565724"/>
+      </p:ext>
+    </p:extLst>
+  </p:cSld>
+  <p:clrMapOvr>
+    <a:masterClrMapping/>
+  </p:clrMapOvr>
+</p:sld>
+</file>
+
+<file path=ppt/slides/slide16.xml><?xml version="1.0" encoding="utf-8"?>
+<p:sld xmlns:a="http://schemas.openxmlformats.org/drawingml/2006/main" xmlns:r="http://schemas.openxmlformats.org/officeDocument/2006/relationships" xmlns:p="http://schemas.openxmlformats.org/presentationml/2006/main">
+  <p:cSld>
+    <p:spTree>
+      <p:nvGrpSpPr>
+        <p:cNvPr id="1" name=""/>
+        <p:cNvGrpSpPr/>
+        <p:nvPr/>
+      </p:nvGrpSpPr>
+      <p:grpSpPr>
+        <a:xfrm>
+          <a:off x="0" y="0"/>
+          <a:ext cx="0" cy="0"/>
+          <a:chOff x="0" y="0"/>
+          <a:chExt cx="0" cy="0"/>
+        </a:xfrm>
+      </p:grpSpPr>
+      <p:sp>
+        <p:nvSpPr>
+          <p:cNvPr id="4" name="Slide Number Placeholder 3">
+            <a:extLst>
+              <a:ext uri="{FF2B5EF4-FFF2-40B4-BE49-F238E27FC236}">
+                <a16:creationId xmlns:a16="http://schemas.microsoft.com/office/drawing/2014/main" id="{6DFC4062-2DEF-79F0-4F4E-46619772A6F8}"/>
+              </a:ext>
+            </a:extLst>
+          </p:cNvPr>
+          <p:cNvSpPr>
+            <a:spLocks noGrp="1"/>
+          </p:cNvSpPr>
+          <p:nvPr>
+            <p:ph type="sldNum" sz="quarter" idx="12"/>
+          </p:nvPr>
+        </p:nvSpPr>
+        <p:spPr>
+          <a:xfrm>
+            <a:off x="11454319" y="6492875"/>
+            <a:ext cx="737681" cy="365125"/>
+          </a:xfrm>
+        </p:spPr>
+        <p:txBody>
+          <a:bodyPr/>
+          <a:lstStyle/>
+          <a:p>
+            <a:fld id="{1E5BF412-EFCF-4C51-A2DF-B419076696E3}" type="slidenum">
+              <a:rPr lang="he-IL" smtClean="0"/>
+              <a:t>16</a:t>
+            </a:fld>
+            <a:endParaRPr lang="he-IL"/>
+          </a:p>
+        </p:txBody>
+      </p:sp>
+      <p:sp>
+        <p:nvSpPr>
+          <p:cNvPr id="7" name="Title 1">
+            <a:extLst>
+              <a:ext uri="{FF2B5EF4-FFF2-40B4-BE49-F238E27FC236}">
+                <a16:creationId xmlns:a16="http://schemas.microsoft.com/office/drawing/2014/main" id="{39C53024-9705-ABBD-DE26-65950C44D932}"/>
+              </a:ext>
+            </a:extLst>
+          </p:cNvPr>
+          <p:cNvSpPr>
+            <a:spLocks noGrp="1"/>
+          </p:cNvSpPr>
+          <p:nvPr>
+            <p:ph type="title"/>
+          </p:nvPr>
+        </p:nvSpPr>
+        <p:spPr>
+          <a:xfrm>
+            <a:off x="1331409" y="0"/>
+            <a:ext cx="9198442" cy="612336"/>
+          </a:xfrm>
+        </p:spPr>
+        <p:txBody>
+          <a:bodyPr>
+            <a:normAutofit fontScale="90000"/>
+          </a:bodyPr>
+          <a:lstStyle/>
+          <a:p>
+            <a:pPr algn="ctr" rtl="0"/>
+            <a:r>
+              <a:rPr lang="en-US" sz="2400" b="1" u="sng" dirty="0">
+                <a:solidFill>
+                  <a:srgbClr val="0070C0"/>
+                </a:solidFill>
+              </a:rPr>
+              <a:t>11.4 Code of the “main” function and set of intermediate images-</a:t>
+            </a:r>
+            <a:r>
+              <a:rPr lang="en-US" sz="2400" b="1" u="sng" dirty="0">
+                <a:solidFill>
+                  <a:srgbClr val="FF0000"/>
+                </a:solidFill>
+              </a:rPr>
+              <a:t>part 3</a:t>
+            </a:r>
+            <a:endParaRPr lang="he-IL" sz="2400" b="1" u="sng" dirty="0">
+              <a:solidFill>
+                <a:srgbClr val="FF0000"/>
+              </a:solidFill>
+            </a:endParaRPr>
+          </a:p>
+        </p:txBody>
+      </p:sp>
+      <p:pic>
+        <p:nvPicPr>
+          <p:cNvPr id="9" name="Picture 8">
+            <a:extLst>
+              <a:ext uri="{FF2B5EF4-FFF2-40B4-BE49-F238E27FC236}">
+                <a16:creationId xmlns:a16="http://schemas.microsoft.com/office/drawing/2014/main" id="{27418246-9692-099F-EC21-48F090573EC8}"/>
+              </a:ext>
+            </a:extLst>
+          </p:cNvPr>
+          <p:cNvPicPr>
+            <a:picLocks noChangeAspect="1"/>
+          </p:cNvPicPr>
+          <p:nvPr/>
+        </p:nvPicPr>
+        <p:blipFill>
+          <a:blip r:embed="rId2"/>
+          <a:stretch>
+            <a:fillRect/>
+          </a:stretch>
+        </p:blipFill>
+        <p:spPr>
+          <a:xfrm>
+            <a:off x="0" y="627095"/>
+            <a:ext cx="7650652" cy="5865779"/>
+          </a:xfrm>
+          <a:prstGeom prst="rect">
+            <a:avLst/>
+          </a:prstGeom>
+        </p:spPr>
+      </p:pic>
+      <p:sp>
+        <p:nvSpPr>
+          <p:cNvPr id="10" name="TextBox 9">
+            <a:extLst>
+              <a:ext uri="{FF2B5EF4-FFF2-40B4-BE49-F238E27FC236}">
+                <a16:creationId xmlns:a16="http://schemas.microsoft.com/office/drawing/2014/main" id="{6FFEC746-3CDF-D22C-F920-26C6B4A3BFCF}"/>
+              </a:ext>
+            </a:extLst>
+          </p:cNvPr>
+          <p:cNvSpPr txBox="1"/>
+          <p:nvPr/>
+        </p:nvSpPr>
+        <p:spPr>
+          <a:xfrm>
+            <a:off x="8073147" y="2505670"/>
+            <a:ext cx="4118853" cy="923330"/>
+          </a:xfrm>
+          <a:prstGeom prst="rect">
+            <a:avLst/>
+          </a:prstGeom>
+        </p:spPr>
+        <p:style>
+          <a:lnRef idx="0">
+            <a:schemeClr val="accent3"/>
+          </a:lnRef>
+          <a:fillRef idx="3">
+            <a:schemeClr val="accent3"/>
+          </a:fillRef>
+          <a:effectRef idx="3">
+            <a:schemeClr val="accent3"/>
+          </a:effectRef>
+          <a:fontRef idx="minor">
+            <a:schemeClr val="lt1"/>
+          </a:fontRef>
+        </p:style>
+        <p:txBody>
+          <a:bodyPr wrap="square">
+            <a:spAutoFit/>
+          </a:bodyPr>
+          <a:lstStyle/>
+          <a:p>
+            <a:r>
+              <a:rPr lang="en-US" dirty="0"/>
+              <a:t>The different cases – we decided to demonstrate 6 different cases that can be pick using the caseFlag variable.</a:t>
+            </a:r>
+            <a:endParaRPr lang="he-IL" dirty="0"/>
+          </a:p>
+        </p:txBody>
+      </p:sp>
+      <p:cxnSp>
+        <p:nvCxnSpPr>
+          <p:cNvPr id="11" name="Straight Arrow Connector 10">
+            <a:extLst>
+              <a:ext uri="{FF2B5EF4-FFF2-40B4-BE49-F238E27FC236}">
+                <a16:creationId xmlns:a16="http://schemas.microsoft.com/office/drawing/2014/main" id="{93177089-E102-8531-97F1-16BE4C292EEF}"/>
+              </a:ext>
+            </a:extLst>
+          </p:cNvPr>
+          <p:cNvCxnSpPr>
+            <a:cxnSpLocks/>
+          </p:cNvCxnSpPr>
+          <p:nvPr/>
+        </p:nvCxnSpPr>
+        <p:spPr>
+          <a:xfrm flipH="1">
+            <a:off x="7650652" y="2684834"/>
+            <a:ext cx="422495" cy="0"/>
+          </a:xfrm>
+          <a:prstGeom prst="straightConnector1">
+            <a:avLst/>
+          </a:prstGeom>
+          <a:ln w="57150" cap="flat" cmpd="sng" algn="ctr">
+            <a:solidFill>
+              <a:schemeClr val="accent3"/>
+            </a:solidFill>
+            <a:prstDash val="solid"/>
+            <a:round/>
+            <a:headEnd type="none" w="med" len="med"/>
+            <a:tailEnd type="arrow" w="med" len="med"/>
+          </a:ln>
+        </p:spPr>
+        <p:style>
+          <a:lnRef idx="0">
+            <a:scrgbClr r="0" g="0" b="0"/>
+          </a:lnRef>
+          <a:fillRef idx="0">
+            <a:scrgbClr r="0" g="0" b="0"/>
+          </a:fillRef>
+          <a:effectRef idx="0">
+            <a:scrgbClr r="0" g="0" b="0"/>
+          </a:effectRef>
+          <a:fontRef idx="minor">
+            <a:schemeClr val="tx1"/>
+          </a:fontRef>
+        </p:style>
+      </p:cxnSp>
+    </p:spTree>
+    <p:extLst>
+      <p:ext uri="{BB962C8B-B14F-4D97-AF65-F5344CB8AC3E}">
+        <p14:creationId xmlns:p14="http://schemas.microsoft.com/office/powerpoint/2010/main" val="793177069"/>
+      </p:ext>
+    </p:extLst>
+  </p:cSld>
+  <p:clrMapOvr>
+    <a:masterClrMapping/>
+  </p:clrMapOvr>
+</p:sld>
+</file>
+
+<file path=ppt/slides/slide17.xml><?xml version="1.0" encoding="utf-8"?>
+<p:sld xmlns:a="http://schemas.openxmlformats.org/drawingml/2006/main" xmlns:r="http://schemas.openxmlformats.org/officeDocument/2006/relationships" xmlns:p="http://schemas.openxmlformats.org/presentationml/2006/main">
+  <p:cSld>
+    <p:spTree>
+      <p:nvGrpSpPr>
+        <p:cNvPr id="1" name=""/>
+        <p:cNvGrpSpPr/>
+        <p:nvPr/>
+      </p:nvGrpSpPr>
+      <p:grpSpPr>
+        <a:xfrm>
+          <a:off x="0" y="0"/>
+          <a:ext cx="0" cy="0"/>
+          <a:chOff x="0" y="0"/>
+          <a:chExt cx="0" cy="0"/>
+        </a:xfrm>
+      </p:grpSpPr>
+      <p:sp>
+        <p:nvSpPr>
+          <p:cNvPr id="4" name="Slide Number Placeholder 3">
+            <a:extLst>
+              <a:ext uri="{FF2B5EF4-FFF2-40B4-BE49-F238E27FC236}">
+                <a16:creationId xmlns:a16="http://schemas.microsoft.com/office/drawing/2014/main" id="{99A12170-47BA-C6ED-3978-1FBB90C9F2BB}"/>
+              </a:ext>
+            </a:extLst>
+          </p:cNvPr>
+          <p:cNvSpPr>
+            <a:spLocks noGrp="1"/>
+          </p:cNvSpPr>
+          <p:nvPr>
+            <p:ph type="sldNum" sz="quarter" idx="12"/>
+          </p:nvPr>
+        </p:nvSpPr>
+        <p:spPr>
+          <a:xfrm>
+            <a:off x="11543489" y="6492875"/>
+            <a:ext cx="630677" cy="365125"/>
+          </a:xfrm>
+        </p:spPr>
+        <p:txBody>
+          <a:bodyPr/>
+          <a:lstStyle/>
+          <a:p>
+            <a:fld id="{1E5BF412-EFCF-4C51-A2DF-B419076696E3}" type="slidenum">
+              <a:rPr lang="he-IL" smtClean="0"/>
+              <a:t>17</a:t>
+            </a:fld>
+            <a:endParaRPr lang="he-IL" dirty="0"/>
+          </a:p>
+        </p:txBody>
+      </p:sp>
+      <p:pic>
+        <p:nvPicPr>
+          <p:cNvPr id="8" name="Picture 7">
+            <a:extLst>
+              <a:ext uri="{FF2B5EF4-FFF2-40B4-BE49-F238E27FC236}">
+                <a16:creationId xmlns:a16="http://schemas.microsoft.com/office/drawing/2014/main" id="{5D4E1630-777B-7196-2A02-526CA6A9889A}"/>
+              </a:ext>
+            </a:extLst>
+          </p:cNvPr>
+          <p:cNvPicPr>
+            <a:picLocks noChangeAspect="1"/>
+          </p:cNvPicPr>
+          <p:nvPr/>
+        </p:nvPicPr>
+        <p:blipFill>
+          <a:blip r:embed="rId2"/>
+          <a:stretch>
+            <a:fillRect/>
+          </a:stretch>
+        </p:blipFill>
+        <p:spPr>
+          <a:xfrm>
+            <a:off x="17834" y="1573590"/>
+            <a:ext cx="12192000" cy="3507807"/>
+          </a:xfrm>
+          <a:prstGeom prst="rect">
+            <a:avLst/>
+          </a:prstGeom>
+        </p:spPr>
+      </p:pic>
+      <p:sp>
+        <p:nvSpPr>
+          <p:cNvPr id="2" name="TextBox 1">
+            <a:extLst>
+              <a:ext uri="{FF2B5EF4-FFF2-40B4-BE49-F238E27FC236}">
+                <a16:creationId xmlns:a16="http://schemas.microsoft.com/office/drawing/2014/main" id="{3F2B49CB-4280-A1EB-47E2-BFADBEA02F27}"/>
+              </a:ext>
+            </a:extLst>
+          </p:cNvPr>
+          <p:cNvSpPr txBox="1"/>
+          <p:nvPr/>
+        </p:nvSpPr>
+        <p:spPr>
+          <a:xfrm>
+            <a:off x="8405914" y="2668882"/>
+            <a:ext cx="3768252" cy="1204128"/>
+          </a:xfrm>
+          <a:prstGeom prst="rect">
+            <a:avLst/>
+          </a:prstGeom>
+          <a:ln>
+            <a:solidFill>
+              <a:srgbClr val="7030A0"/>
+            </a:solidFill>
+          </a:ln>
+        </p:spPr>
+        <p:style>
+          <a:lnRef idx="0">
+            <a:schemeClr val="accent5"/>
+          </a:lnRef>
+          <a:fillRef idx="3">
+            <a:schemeClr val="accent5"/>
+          </a:fillRef>
+          <a:effectRef idx="3">
+            <a:schemeClr val="accent5"/>
+          </a:effectRef>
+          <a:fontRef idx="minor">
+            <a:schemeClr val="lt1"/>
+          </a:fontRef>
+        </p:style>
+        <p:txBody>
+          <a:bodyPr wrap="square">
+            <a:spAutoFit/>
+          </a:bodyPr>
+          <a:lstStyle/>
+          <a:p>
+            <a:r>
+              <a:rPr lang="en-US" dirty="0"/>
+              <a:t>The loop iterates over the number of rectangles. For each rectangle, the AddGrayRectangle function is called with the input parameters:</a:t>
+            </a:r>
+            <a:endParaRPr lang="he-IL" dirty="0"/>
+          </a:p>
+        </p:txBody>
+      </p:sp>
+      <p:cxnSp>
+        <p:nvCxnSpPr>
+          <p:cNvPr id="3" name="Straight Arrow Connector 2">
+            <a:extLst>
+              <a:ext uri="{FF2B5EF4-FFF2-40B4-BE49-F238E27FC236}">
+                <a16:creationId xmlns:a16="http://schemas.microsoft.com/office/drawing/2014/main" id="{062434ED-2DA8-ACCA-BA27-26ECD3E58CC6}"/>
+              </a:ext>
+            </a:extLst>
+          </p:cNvPr>
+          <p:cNvCxnSpPr>
+            <a:cxnSpLocks/>
+          </p:cNvCxnSpPr>
+          <p:nvPr/>
+        </p:nvCxnSpPr>
+        <p:spPr>
+          <a:xfrm flipH="1" flipV="1">
+            <a:off x="7149424" y="2470826"/>
+            <a:ext cx="1220822" cy="636168"/>
+          </a:xfrm>
+          <a:prstGeom prst="straightConnector1">
+            <a:avLst/>
+          </a:prstGeom>
+          <a:ln w="57150" cap="flat" cmpd="sng" algn="ctr">
+            <a:solidFill>
+              <a:srgbClr val="7030A0"/>
+            </a:solidFill>
+            <a:prstDash val="solid"/>
+            <a:round/>
+            <a:headEnd type="none" w="med" len="med"/>
+            <a:tailEnd type="arrow" w="med" len="med"/>
+          </a:ln>
+        </p:spPr>
+        <p:style>
+          <a:lnRef idx="0">
+            <a:scrgbClr r="0" g="0" b="0"/>
+          </a:lnRef>
+          <a:fillRef idx="0">
+            <a:scrgbClr r="0" g="0" b="0"/>
+          </a:fillRef>
+          <a:effectRef idx="0">
+            <a:scrgbClr r="0" g="0" b="0"/>
+          </a:effectRef>
+          <a:fontRef idx="minor">
+            <a:schemeClr val="tx1"/>
+          </a:fontRef>
+        </p:style>
+      </p:cxnSp>
+      <p:sp>
+        <p:nvSpPr>
+          <p:cNvPr id="5" name="TextBox 4">
+            <a:extLst>
+              <a:ext uri="{FF2B5EF4-FFF2-40B4-BE49-F238E27FC236}">
+                <a16:creationId xmlns:a16="http://schemas.microsoft.com/office/drawing/2014/main" id="{FBCC61D3-DC15-3518-306F-0743504DAC24}"/>
+              </a:ext>
+            </a:extLst>
+          </p:cNvPr>
+          <p:cNvSpPr txBox="1"/>
+          <p:nvPr/>
+        </p:nvSpPr>
+        <p:spPr>
+          <a:xfrm>
+            <a:off x="7149424" y="4619732"/>
+            <a:ext cx="5024742" cy="923330"/>
+          </a:xfrm>
+          <a:prstGeom prst="rect">
+            <a:avLst/>
+          </a:prstGeom>
+        </p:spPr>
+        <p:style>
+          <a:lnRef idx="0">
+            <a:schemeClr val="accent4"/>
+          </a:lnRef>
+          <a:fillRef idx="3">
+            <a:schemeClr val="accent4"/>
+          </a:fillRef>
+          <a:effectRef idx="3">
+            <a:schemeClr val="accent4"/>
+          </a:effectRef>
+          <a:fontRef idx="minor">
+            <a:schemeClr val="lt1"/>
+          </a:fontRef>
+        </p:style>
+        <p:txBody>
+          <a:bodyPr wrap="square">
+            <a:spAutoFit/>
+          </a:bodyPr>
+          <a:lstStyle/>
+          <a:p>
+            <a:r>
+              <a:rPr lang="en-US" dirty="0"/>
+              <a:t>Calls the function StoreGrayImageAsGrayBmpFile to save the image img as a BMP file named "grayImg11.bmp".</a:t>
+            </a:r>
+            <a:endParaRPr lang="he-IL" dirty="0"/>
+          </a:p>
+        </p:txBody>
+      </p:sp>
+      <p:cxnSp>
+        <p:nvCxnSpPr>
+          <p:cNvPr id="6" name="Straight Arrow Connector 5">
+            <a:extLst>
+              <a:ext uri="{FF2B5EF4-FFF2-40B4-BE49-F238E27FC236}">
+                <a16:creationId xmlns:a16="http://schemas.microsoft.com/office/drawing/2014/main" id="{1801064C-5E8A-7379-7DF3-FAF164309EF8}"/>
+              </a:ext>
+            </a:extLst>
+          </p:cNvPr>
+          <p:cNvCxnSpPr>
+            <a:cxnSpLocks/>
+          </p:cNvCxnSpPr>
+          <p:nvPr/>
+        </p:nvCxnSpPr>
+        <p:spPr>
+          <a:xfrm flipH="1" flipV="1">
+            <a:off x="6380939" y="3568659"/>
+            <a:ext cx="768485" cy="1527145"/>
+          </a:xfrm>
+          <a:prstGeom prst="straightConnector1">
+            <a:avLst/>
+          </a:prstGeom>
+          <a:ln w="57150" cap="flat" cmpd="sng" algn="ctr">
+            <a:solidFill>
+              <a:srgbClr val="00B0F0"/>
+            </a:solidFill>
+            <a:prstDash val="solid"/>
+            <a:round/>
+            <a:headEnd type="none" w="med" len="med"/>
+            <a:tailEnd type="arrow" w="med" len="med"/>
+          </a:ln>
+        </p:spPr>
+        <p:style>
+          <a:lnRef idx="0">
+            <a:scrgbClr r="0" g="0" b="0"/>
+          </a:lnRef>
+          <a:fillRef idx="0">
+            <a:scrgbClr r="0" g="0" b="0"/>
+          </a:fillRef>
+          <a:effectRef idx="0">
+            <a:scrgbClr r="0" g="0" b="0"/>
+          </a:effectRef>
+          <a:fontRef idx="minor">
+            <a:schemeClr val="tx1"/>
+          </a:fontRef>
+        </p:style>
+      </p:cxnSp>
+      <p:sp>
+        <p:nvSpPr>
+          <p:cNvPr id="11" name="Title 1">
+            <a:extLst>
+              <a:ext uri="{FF2B5EF4-FFF2-40B4-BE49-F238E27FC236}">
+                <a16:creationId xmlns:a16="http://schemas.microsoft.com/office/drawing/2014/main" id="{4826F812-0892-AF49-C88C-F1C916078267}"/>
+              </a:ext>
+            </a:extLst>
+          </p:cNvPr>
+          <p:cNvSpPr>
+            <a:spLocks noGrp="1"/>
+          </p:cNvSpPr>
+          <p:nvPr>
+            <p:ph type="title"/>
+          </p:nvPr>
+        </p:nvSpPr>
+        <p:spPr>
+          <a:xfrm>
+            <a:off x="1496779" y="167779"/>
+            <a:ext cx="9198442" cy="612336"/>
+          </a:xfrm>
+        </p:spPr>
+        <p:txBody>
+          <a:bodyPr>
+            <a:normAutofit fontScale="90000"/>
+          </a:bodyPr>
+          <a:lstStyle/>
+          <a:p>
+            <a:pPr algn="ctr" rtl="0"/>
+            <a:r>
+              <a:rPr lang="en-US" sz="2400" b="1" u="sng" dirty="0">
+                <a:solidFill>
+                  <a:srgbClr val="0070C0"/>
+                </a:solidFill>
+              </a:rPr>
+              <a:t>11.4 Code of the “main” function and set of intermediate images-</a:t>
+            </a:r>
+            <a:r>
+              <a:rPr lang="en-US" sz="2400" b="1" u="sng" dirty="0">
+                <a:solidFill>
+                  <a:srgbClr val="FF0000"/>
+                </a:solidFill>
+              </a:rPr>
+              <a:t>part 4</a:t>
+            </a:r>
+            <a:endParaRPr lang="he-IL" sz="2400" b="1" u="sng" dirty="0">
+              <a:solidFill>
+                <a:srgbClr val="FF0000"/>
+              </a:solidFill>
+            </a:endParaRPr>
+          </a:p>
+        </p:txBody>
+      </p:sp>
+    </p:spTree>
+    <p:extLst>
+      <p:ext uri="{BB962C8B-B14F-4D97-AF65-F5344CB8AC3E}">
+        <p14:creationId xmlns:p14="http://schemas.microsoft.com/office/powerpoint/2010/main" val="3318430324"/>
+      </p:ext>
+    </p:extLst>
+  </p:cSld>
+  <p:clrMapOvr>
+    <a:masterClrMapping/>
+  </p:clrMapOvr>
+</p:sld>
+</file>
+
 <file path=ppt/slides/slide2.xml><?xml version="1.0" encoding="utf-8"?>
 <p:sld xmlns:a="http://schemas.openxmlformats.org/drawingml/2006/main" xmlns:r="http://schemas.openxmlformats.org/officeDocument/2006/relationships" xmlns:p="http://schemas.openxmlformats.org/presentationml/2006/main">
   <p:cSld>
@@ -5530,7 +9100,7 @@
         <p:spPr>
           <a:xfrm>
             <a:off x="5538357" y="5653782"/>
-            <a:ext cx="5690605" cy="1200329"/>
+            <a:ext cx="6340737" cy="1200329"/>
           </a:xfrm>
           <a:prstGeom prst="rect">
             <a:avLst/>
@@ -5557,28 +9127,28 @@
           <a:lstStyle/>
           <a:p>
             <a:r>
-              <a:rPr lang="en-US" dirty="0"/>
+              <a:rPr lang="en-US" b="1" dirty="0"/>
               <a:t>top: The maximum Y-coordinate between p1 and p2.</a:t>
             </a:r>
           </a:p>
           <a:p>
             <a:r>
-              <a:rPr lang="en-US" dirty="0"/>
+              <a:rPr lang="en-US" b="1" dirty="0"/>
               <a:t>bottom: The minimum Y-coordinate between p1 and p2.</a:t>
             </a:r>
           </a:p>
           <a:p>
             <a:r>
-              <a:rPr lang="en-US" dirty="0"/>
+              <a:rPr lang="en-US" b="1" dirty="0"/>
               <a:t>left: The minimum X-coordinate between p1 and p2.</a:t>
             </a:r>
           </a:p>
           <a:p>
             <a:r>
-              <a:rPr lang="en-US" dirty="0"/>
+              <a:rPr lang="en-US" b="1" dirty="0"/>
               <a:t>right: The maximum X-coordinate between p1 and p2.</a:t>
             </a:r>
-            <a:endParaRPr lang="he-IL" dirty="0"/>
+            <a:endParaRPr lang="he-IL" b="1" dirty="0"/>
           </a:p>
         </p:txBody>
       </p:sp>
@@ -6543,8 +10113,8 @@
         </p:nvSpPr>
         <p:spPr>
           <a:xfrm>
-            <a:off x="185735" y="4747098"/>
-            <a:ext cx="8773439" cy="1887166"/>
+            <a:off x="0" y="4747098"/>
+            <a:ext cx="8987448" cy="1887166"/>
           </a:xfrm>
           <a:prstGeom prst="rect">
             <a:avLst/>
@@ -6581,7 +10151,17 @@
             </a:pPr>
             <a:r>
               <a:rPr lang="en-US" dirty="0"/>
-              <a:t>unsigned char image[][NUMBER_OF_COLUMNS]: A 2D array representing the image.</a:t>
+              <a:t>unsigned char image[][NUMBER_OF_COLUMNS] </a:t>
+            </a:r>
+            <a:r>
+              <a:rPr lang="en-US" dirty="0">
+                <a:sym typeface="Wingdings" panose="05000000000000000000" pitchFamily="2" charset="2"/>
+              </a:rPr>
+              <a:t></a:t>
+            </a:r>
+            <a:r>
+              <a:rPr lang="en-US" dirty="0"/>
+              <a:t> A 2D array representing the image.</a:t>
             </a:r>
           </a:p>
           <a:p>
@@ -6590,7 +10170,17 @@
             </a:pPr>
             <a:r>
               <a:rPr lang="en-US" dirty="0"/>
-              <a:t>s2dPoint A: The first corner point of the rectangle.</a:t>
+              <a:t>s2dPoint A </a:t>
+            </a:r>
+            <a:r>
+              <a:rPr lang="en-US" dirty="0">
+                <a:sym typeface="Wingdings" panose="05000000000000000000" pitchFamily="2" charset="2"/>
+              </a:rPr>
+              <a:t></a:t>
+            </a:r>
+            <a:r>
+              <a:rPr lang="en-US" dirty="0"/>
+              <a:t> The first corner point of the rectangle.</a:t>
             </a:r>
           </a:p>
           <a:p>
@@ -6599,7 +10189,17 @@
             </a:pPr>
             <a:r>
               <a:rPr lang="en-US" dirty="0"/>
-              <a:t>s2dPoint B1: The opposite corner point of the rectangle.</a:t>
+              <a:t>s2dPoint B1</a:t>
+            </a:r>
+            <a:r>
+              <a:rPr lang="en-US" dirty="0">
+                <a:sym typeface="Wingdings" panose="05000000000000000000" pitchFamily="2" charset="2"/>
+              </a:rPr>
+              <a:t> </a:t>
+            </a:r>
+            <a:r>
+              <a:rPr lang="en-US" dirty="0"/>
+              <a:t> The opposite corner point of the rectangle.</a:t>
             </a:r>
           </a:p>
           <a:p>
@@ -6608,7 +10208,17 @@
             </a:pPr>
             <a:r>
               <a:rPr lang="en-US" dirty="0"/>
-              <a:t>unsigned char transparency: The transparency level for the rectangle.</a:t>
+              <a:t>unsigned char transparency</a:t>
+            </a:r>
+            <a:r>
+              <a:rPr lang="en-US" dirty="0">
+                <a:sym typeface="Wingdings" panose="05000000000000000000" pitchFamily="2" charset="2"/>
+              </a:rPr>
+              <a:t>  </a:t>
+            </a:r>
+            <a:r>
+              <a:rPr lang="en-US" dirty="0"/>
+              <a:t>The transparency level for the rectangle.</a:t>
             </a:r>
           </a:p>
           <a:p>
@@ -6617,7 +10227,17 @@
             </a:pPr>
             <a:r>
               <a:rPr lang="en-US" dirty="0"/>
-              <a:t>unsigned char grayLevel: The gray level for the rectangle.</a:t>
+              <a:t>unsigned char grayLevel</a:t>
+            </a:r>
+            <a:r>
+              <a:rPr lang="en-US" dirty="0">
+                <a:sym typeface="Wingdings" panose="05000000000000000000" pitchFamily="2" charset="2"/>
+              </a:rPr>
+              <a:t>  </a:t>
+            </a:r>
+            <a:r>
+              <a:rPr lang="en-US" dirty="0"/>
+              <a:t>The gray level for the rectangle.</a:t>
             </a:r>
           </a:p>
         </p:txBody>
@@ -7099,10 +10719,10 @@
       </p:grpSpPr>
       <p:sp>
         <p:nvSpPr>
-          <p:cNvPr id="4" name="Title 1">
-            <a:extLst>
-              <a:ext uri="{FF2B5EF4-FFF2-40B4-BE49-F238E27FC236}">
-                <a16:creationId xmlns:a16="http://schemas.microsoft.com/office/drawing/2014/main" id="{CC885813-C3C2-3B57-6266-061CF1A3569E}"/>
+          <p:cNvPr id="5" name="Title 1">
+            <a:extLst>
+              <a:ext uri="{FF2B5EF4-FFF2-40B4-BE49-F238E27FC236}">
+                <a16:creationId xmlns:a16="http://schemas.microsoft.com/office/drawing/2014/main" id="{6D6FBECB-BE5C-553D-9870-D116A424B4AC}"/>
               </a:ext>
             </a:extLst>
           </p:cNvPr>
@@ -7115,13 +10735,13 @@
         </p:nvSpPr>
         <p:spPr>
           <a:xfrm>
-            <a:off x="1496779" y="167779"/>
-            <a:ext cx="9198442" cy="612336"/>
+            <a:off x="3369012" y="0"/>
+            <a:ext cx="5453975" cy="476149"/>
           </a:xfrm>
         </p:spPr>
         <p:txBody>
           <a:bodyPr>
-            <a:normAutofit fontScale="90000"/>
+            <a:normAutofit/>
           </a:bodyPr>
           <a:lstStyle/>
           <a:p>
@@ -7132,60 +10752,38 @@
                   <a:srgbClr val="0070C0"/>
                 </a:solidFill>
               </a:rPr>
-              <a:t>11.4 Code of the “main” function and set of intermediate images-</a:t>
+              <a:t>11.2  </a:t>
             </a:r>
             <a:r>
               <a:rPr lang="en-US" sz="2400" b="1" u="sng" dirty="0">
                 <a:solidFill>
                   <a:srgbClr val="FF0000"/>
+                </a:solidFill>
+              </a:rPr>
+              <a:t>List of situations tested – </a:t>
+            </a:r>
+            <a:r>
+              <a:rPr lang="en-US" sz="2400" b="1" u="sng" dirty="0">
+                <a:solidFill>
+                  <a:srgbClr val="00B050"/>
                 </a:solidFill>
               </a:rPr>
               <a:t>part 1</a:t>
             </a:r>
             <a:endParaRPr lang="he-IL" sz="2400" b="1" u="sng" dirty="0">
               <a:solidFill>
-                <a:srgbClr val="FF0000"/>
+                <a:srgbClr val="00B050"/>
               </a:solidFill>
             </a:endParaRPr>
           </a:p>
         </p:txBody>
       </p:sp>
-      <p:pic>
-        <p:nvPicPr>
-          <p:cNvPr id="6" name="Picture 5">
-            <a:extLst>
-              <a:ext uri="{FF2B5EF4-FFF2-40B4-BE49-F238E27FC236}">
-                <a16:creationId xmlns:a16="http://schemas.microsoft.com/office/drawing/2014/main" id="{2352E751-89FC-77A9-FEDE-02B845447ADB}"/>
-              </a:ext>
-            </a:extLst>
-          </p:cNvPr>
-          <p:cNvPicPr>
-            <a:picLocks noChangeAspect="1"/>
-          </p:cNvPicPr>
-          <p:nvPr/>
-        </p:nvPicPr>
-        <p:blipFill>
-          <a:blip r:embed="rId3"/>
-          <a:stretch>
-            <a:fillRect/>
-          </a:stretch>
-        </p:blipFill>
-        <p:spPr>
-          <a:xfrm>
-            <a:off x="0" y="971320"/>
-            <a:ext cx="12192000" cy="4448432"/>
-          </a:xfrm>
-          <a:prstGeom prst="rect">
-            <a:avLst/>
-          </a:prstGeom>
-        </p:spPr>
-      </p:pic>
-      <p:sp>
-        <p:nvSpPr>
-          <p:cNvPr id="8" name="Slide Number Placeholder 5">
-            <a:extLst>
-              <a:ext uri="{FF2B5EF4-FFF2-40B4-BE49-F238E27FC236}">
-                <a16:creationId xmlns:a16="http://schemas.microsoft.com/office/drawing/2014/main" id="{2BD4B17E-04E5-CA9D-7C61-FD0E5AB7F4FC}"/>
+      <p:sp>
+        <p:nvSpPr>
+          <p:cNvPr id="7" name="Slide Number Placeholder 5">
+            <a:extLst>
+              <a:ext uri="{FF2B5EF4-FFF2-40B4-BE49-F238E27FC236}">
+                <a16:creationId xmlns:a16="http://schemas.microsoft.com/office/drawing/2014/main" id="{11061CBD-0608-555A-A2D1-1A8C896A5973}"/>
               </a:ext>
             </a:extLst>
           </p:cNvPr>
@@ -7314,294 +10912,35 @@
       </p:sp>
       <p:sp>
         <p:nvSpPr>
-          <p:cNvPr id="10" name="TextBox 9">
-            <a:extLst>
-              <a:ext uri="{FF2B5EF4-FFF2-40B4-BE49-F238E27FC236}">
-                <a16:creationId xmlns:a16="http://schemas.microsoft.com/office/drawing/2014/main" id="{8930628D-7BD0-B919-9589-2C0DE751CAF3}"/>
-              </a:ext>
-            </a:extLst>
-          </p:cNvPr>
-          <p:cNvSpPr txBox="1"/>
+          <p:cNvPr id="8" name="Rectangle 7">
+            <a:extLst>
+              <a:ext uri="{FF2B5EF4-FFF2-40B4-BE49-F238E27FC236}">
+                <a16:creationId xmlns:a16="http://schemas.microsoft.com/office/drawing/2014/main" id="{D26788B6-93D2-936B-AC34-7EBB7F5BCE49}"/>
+              </a:ext>
+            </a:extLst>
+          </p:cNvPr>
+          <p:cNvSpPr/>
           <p:nvPr/>
         </p:nvSpPr>
         <p:spPr>
           <a:xfrm>
-            <a:off x="5865779" y="2092963"/>
-            <a:ext cx="6326221" cy="1200329"/>
+            <a:off x="97275" y="476149"/>
+            <a:ext cx="11997447" cy="671715"/>
           </a:xfrm>
           <a:prstGeom prst="rect">
             <a:avLst/>
           </a:prstGeom>
         </p:spPr>
         <p:style>
-          <a:lnRef idx="0">
-            <a:schemeClr val="accent2"/>
+          <a:lnRef idx="2">
+            <a:schemeClr val="accent1">
+              <a:shade val="15000"/>
+            </a:schemeClr>
           </a:lnRef>
-          <a:fillRef idx="3">
-            <a:schemeClr val="accent2"/>
-          </a:fillRef>
-          <a:effectRef idx="3">
-            <a:schemeClr val="accent2"/>
-          </a:effectRef>
-          <a:fontRef idx="minor">
-            <a:schemeClr val="lt1"/>
-          </a:fontRef>
-        </p:style>
-        <p:txBody>
-          <a:bodyPr wrap="square">
-            <a:spAutoFit/>
-          </a:bodyPr>
-          <a:lstStyle/>
-          <a:p>
-            <a:r>
-              <a:rPr lang="en-US" dirty="0"/>
-              <a:t>This nested loop initializes a 2D array </a:t>
-            </a:r>
-            <a:r>
-              <a:rPr lang="en-US" b="1" dirty="0"/>
-              <a:t>img</a:t>
-            </a:r>
-            <a:r>
-              <a:rPr lang="en-US" dirty="0"/>
-              <a:t> representing the image. Each pixel in the image is set to 255, which represents </a:t>
-            </a:r>
-            <a:r>
-              <a:rPr lang="en-US" b="1" dirty="0"/>
-              <a:t>white</a:t>
-            </a:r>
-            <a:r>
-              <a:rPr lang="en-US" dirty="0"/>
-              <a:t> in a grayscale image. The loop iterates over all rows and columns of the image, ensuring the entire background is white.</a:t>
-            </a:r>
-            <a:endParaRPr lang="he-IL" dirty="0"/>
-          </a:p>
-        </p:txBody>
-      </p:sp>
-      <p:cxnSp>
-        <p:nvCxnSpPr>
-          <p:cNvPr id="12" name="Straight Arrow Connector 11">
-            <a:extLst>
-              <a:ext uri="{FF2B5EF4-FFF2-40B4-BE49-F238E27FC236}">
-                <a16:creationId xmlns:a16="http://schemas.microsoft.com/office/drawing/2014/main" id="{77FD6E5C-784E-8E6A-13D7-0D87CC280326}"/>
-              </a:ext>
-            </a:extLst>
-          </p:cNvPr>
-          <p:cNvCxnSpPr>
-            <a:cxnSpLocks/>
-          </p:cNvCxnSpPr>
-          <p:nvPr/>
-        </p:nvCxnSpPr>
-        <p:spPr>
-          <a:xfrm flipH="1" flipV="1">
-            <a:off x="5087566" y="2092963"/>
-            <a:ext cx="771728" cy="359924"/>
-          </a:xfrm>
-          <a:prstGeom prst="straightConnector1">
-            <a:avLst/>
-          </a:prstGeom>
-          <a:ln w="57150" cap="flat" cmpd="sng" algn="ctr">
-            <a:solidFill>
-              <a:schemeClr val="accent2"/>
-            </a:solidFill>
-            <a:prstDash val="solid"/>
-            <a:round/>
-            <a:headEnd type="none" w="med" len="med"/>
-            <a:tailEnd type="arrow" w="med" len="med"/>
-          </a:ln>
-        </p:spPr>
-        <p:style>
-          <a:lnRef idx="0">
-            <a:scrgbClr r="0" g="0" b="0"/>
-          </a:lnRef>
-          <a:fillRef idx="0">
-            <a:scrgbClr r="0" g="0" b="0"/>
+          <a:fillRef idx="1">
+            <a:schemeClr val="accent1"/>
           </a:fillRef>
           <a:effectRef idx="0">
-            <a:scrgbClr r="0" g="0" b="0"/>
-          </a:effectRef>
-          <a:fontRef idx="minor">
-            <a:schemeClr val="tx1"/>
-          </a:fontRef>
-        </p:style>
-      </p:cxnSp>
-      <p:sp>
-        <p:nvSpPr>
-          <p:cNvPr id="15" name="TextBox 14">
-            <a:extLst>
-              <a:ext uri="{FF2B5EF4-FFF2-40B4-BE49-F238E27FC236}">
-                <a16:creationId xmlns:a16="http://schemas.microsoft.com/office/drawing/2014/main" id="{F17CDA27-72DD-AFE2-68EB-B91CC8F60E12}"/>
-              </a:ext>
-            </a:extLst>
-          </p:cNvPr>
-          <p:cNvSpPr txBox="1"/>
-          <p:nvPr/>
-        </p:nvSpPr>
-        <p:spPr>
-          <a:xfrm>
-            <a:off x="6865702" y="3293292"/>
-            <a:ext cx="5326298" cy="646331"/>
-          </a:xfrm>
-          <a:prstGeom prst="rect">
-            <a:avLst/>
-          </a:prstGeom>
-        </p:spPr>
-        <p:style>
-          <a:lnRef idx="0">
-            <a:schemeClr val="accent5"/>
-          </a:lnRef>
-          <a:fillRef idx="3">
-            <a:schemeClr val="accent5"/>
-          </a:fillRef>
-          <a:effectRef idx="3">
-            <a:schemeClr val="accent5"/>
-          </a:effectRef>
-          <a:fontRef idx="minor">
-            <a:schemeClr val="lt1"/>
-          </a:fontRef>
-        </p:style>
-        <p:txBody>
-          <a:bodyPr wrap="square">
-            <a:spAutoFit/>
-          </a:bodyPr>
-          <a:lstStyle/>
-          <a:p>
-            <a:r>
-              <a:rPr lang="en-US" dirty="0"/>
-              <a:t>numRectangles is set to 100, indicating the number of rectangles to be added to the image. </a:t>
-            </a:r>
-            <a:endParaRPr lang="he-IL" dirty="0"/>
-          </a:p>
-        </p:txBody>
-      </p:sp>
-      <p:sp>
-        <p:nvSpPr>
-          <p:cNvPr id="17" name="TextBox 16">
-            <a:extLst>
-              <a:ext uri="{FF2B5EF4-FFF2-40B4-BE49-F238E27FC236}">
-                <a16:creationId xmlns:a16="http://schemas.microsoft.com/office/drawing/2014/main" id="{F2C6CA15-20C3-7D43-10FB-082997BF685C}"/>
-              </a:ext>
-            </a:extLst>
-          </p:cNvPr>
-          <p:cNvSpPr txBox="1"/>
-          <p:nvPr/>
-        </p:nvSpPr>
-        <p:spPr>
-          <a:xfrm>
-            <a:off x="0" y="5610957"/>
-            <a:ext cx="4747098" cy="923330"/>
-          </a:xfrm>
-          <a:prstGeom prst="rect">
-            <a:avLst/>
-          </a:prstGeom>
-        </p:spPr>
-        <p:style>
-          <a:lnRef idx="0">
-            <a:schemeClr val="accent3"/>
-          </a:lnRef>
-          <a:fillRef idx="3">
-            <a:schemeClr val="accent3"/>
-          </a:fillRef>
-          <a:effectRef idx="3">
-            <a:schemeClr val="accent3"/>
-          </a:effectRef>
-          <a:fontRef idx="minor">
-            <a:schemeClr val="lt1"/>
-          </a:fontRef>
-        </p:style>
-        <p:txBody>
-          <a:bodyPr wrap="square">
-            <a:spAutoFit/>
-          </a:bodyPr>
-          <a:lstStyle/>
-          <a:p>
-            <a:r>
-              <a:rPr lang="en-US" b="1" dirty="0"/>
-              <a:t>points</a:t>
-            </a:r>
-            <a:r>
-              <a:rPr lang="en-US" dirty="0"/>
-              <a:t> is a 2D array of s2dPoint structures, where each rectangle is defined by two points (top-left and bottom-right corners).</a:t>
-            </a:r>
-            <a:endParaRPr lang="he-IL" dirty="0"/>
-          </a:p>
-        </p:txBody>
-      </p:sp>
-      <p:cxnSp>
-        <p:nvCxnSpPr>
-          <p:cNvPr id="18" name="Straight Arrow Connector 17">
-            <a:extLst>
-              <a:ext uri="{FF2B5EF4-FFF2-40B4-BE49-F238E27FC236}">
-                <a16:creationId xmlns:a16="http://schemas.microsoft.com/office/drawing/2014/main" id="{77DE0932-9584-FFCC-B401-05D7E0EA377E}"/>
-              </a:ext>
-            </a:extLst>
-          </p:cNvPr>
-          <p:cNvCxnSpPr>
-            <a:cxnSpLocks/>
-          </p:cNvCxnSpPr>
-          <p:nvPr/>
-        </p:nvCxnSpPr>
-        <p:spPr>
-          <a:xfrm flipH="1" flipV="1">
-            <a:off x="4747098" y="3226744"/>
-            <a:ext cx="2118604" cy="337965"/>
-          </a:xfrm>
-          <a:prstGeom prst="straightConnector1">
-            <a:avLst/>
-          </a:prstGeom>
-          <a:ln w="57150" cap="flat" cmpd="sng" algn="ctr">
-            <a:solidFill>
-              <a:schemeClr val="accent5"/>
-            </a:solidFill>
-            <a:prstDash val="solid"/>
-            <a:round/>
-            <a:headEnd type="none" w="med" len="med"/>
-            <a:tailEnd type="arrow" w="med" len="med"/>
-          </a:ln>
-        </p:spPr>
-        <p:style>
-          <a:lnRef idx="0">
-            <a:scrgbClr r="0" g="0" b="0"/>
-          </a:lnRef>
-          <a:fillRef idx="0">
-            <a:scrgbClr r="0" g="0" b="0"/>
-          </a:fillRef>
-          <a:effectRef idx="0">
-            <a:scrgbClr r="0" g="0" b="0"/>
-          </a:effectRef>
-          <a:fontRef idx="minor">
-            <a:schemeClr val="tx1"/>
-          </a:fontRef>
-        </p:style>
-      </p:cxnSp>
-      <p:sp>
-        <p:nvSpPr>
-          <p:cNvPr id="22" name="TextBox 21">
-            <a:extLst>
-              <a:ext uri="{FF2B5EF4-FFF2-40B4-BE49-F238E27FC236}">
-                <a16:creationId xmlns:a16="http://schemas.microsoft.com/office/drawing/2014/main" id="{C2346FFB-774F-8F33-366F-B5A03F55A728}"/>
-              </a:ext>
-            </a:extLst>
-          </p:cNvPr>
-          <p:cNvSpPr txBox="1"/>
-          <p:nvPr/>
-        </p:nvSpPr>
-        <p:spPr>
-          <a:xfrm>
-            <a:off x="5087566" y="5601611"/>
-            <a:ext cx="3029353" cy="923330"/>
-          </a:xfrm>
-          <a:prstGeom prst="rect">
-            <a:avLst/>
-          </a:prstGeom>
-        </p:spPr>
-        <p:style>
-          <a:lnRef idx="0">
-            <a:schemeClr val="accent1"/>
-          </a:lnRef>
-          <a:fillRef idx="3">
-            <a:schemeClr val="accent1"/>
-          </a:fillRef>
-          <a:effectRef idx="3">
             <a:schemeClr val="accent1"/>
           </a:effectRef>
           <a:fontRef idx="minor">
@@ -7609,201 +10948,131 @@
           </a:fontRef>
         </p:style>
         <p:txBody>
-          <a:bodyPr wrap="square">
-            <a:spAutoFit/>
-          </a:bodyPr>
+          <a:bodyPr rtlCol="1" anchor="ctr"/>
           <a:lstStyle/>
           <a:p>
             <a:r>
-              <a:rPr lang="en-US" b="1" dirty="0"/>
-              <a:t>transparencies</a:t>
-            </a:r>
-            <a:r>
               <a:rPr lang="en-US" dirty="0"/>
-              <a:t> is an array to store the transparency levels for each rectangle.</a:t>
+              <a:t>Part 1 of the situations tested is the diagonal (from upper left to lower right) filled with rectangles – the number of rectangles for this demonstration is </a:t>
+            </a:r>
+            <a:r>
+              <a:rPr lang="en-US" b="1" dirty="0">
+                <a:solidFill>
+                  <a:srgbClr val="00B050"/>
+                </a:solidFill>
+              </a:rPr>
+              <a:t>10</a:t>
+            </a:r>
+            <a:r>
+              <a:rPr lang="en-US" dirty="0"/>
+              <a:t>. The idea of the transparencies is that it declines with the rectangles .</a:t>
             </a:r>
             <a:endParaRPr lang="he-IL" dirty="0"/>
           </a:p>
         </p:txBody>
       </p:sp>
-      <p:sp>
-        <p:nvSpPr>
-          <p:cNvPr id="24" name="TextBox 23">
-            <a:extLst>
-              <a:ext uri="{FF2B5EF4-FFF2-40B4-BE49-F238E27FC236}">
-                <a16:creationId xmlns:a16="http://schemas.microsoft.com/office/drawing/2014/main" id="{C3A4AD5C-9C2C-1A96-DB40-5889513B6529}"/>
-              </a:ext>
-            </a:extLst>
-          </p:cNvPr>
-          <p:cNvSpPr txBox="1"/>
+      <p:pic>
+        <p:nvPicPr>
+          <p:cNvPr id="10" name="Picture 9">
+            <a:extLst>
+              <a:ext uri="{FF2B5EF4-FFF2-40B4-BE49-F238E27FC236}">
+                <a16:creationId xmlns:a16="http://schemas.microsoft.com/office/drawing/2014/main" id="{ACAD9FE8-2AE2-C5FE-09E6-60AB8A9DC9A9}"/>
+              </a:ext>
+            </a:extLst>
+          </p:cNvPr>
+          <p:cNvPicPr>
+            <a:picLocks noChangeAspect="1"/>
+          </p:cNvPicPr>
           <p:nvPr/>
-        </p:nvSpPr>
-        <p:spPr>
-          <a:xfrm>
-            <a:off x="8362546" y="5601611"/>
-            <a:ext cx="3829454" cy="646331"/>
+        </p:nvPicPr>
+        <p:blipFill>
+          <a:blip r:embed="rId2"/>
+          <a:stretch>
+            <a:fillRect/>
+          </a:stretch>
+        </p:blipFill>
+        <p:spPr>
+          <a:xfrm>
+            <a:off x="97276" y="1229189"/>
+            <a:ext cx="4105074" cy="252066"/>
           </a:xfrm>
           <a:prstGeom prst="rect">
             <a:avLst/>
           </a:prstGeom>
         </p:spPr>
+      </p:pic>
+      <p:pic>
+        <p:nvPicPr>
+          <p:cNvPr id="14" name="Picture 13" descr="A black and white squares&#10;&#10;Description automatically generated">
+            <a:extLst>
+              <a:ext uri="{FF2B5EF4-FFF2-40B4-BE49-F238E27FC236}">
+                <a16:creationId xmlns:a16="http://schemas.microsoft.com/office/drawing/2014/main" id="{073EDD68-D3FB-9E1D-CFF9-A9991CED71EA}"/>
+              </a:ext>
+            </a:extLst>
+          </p:cNvPr>
+          <p:cNvPicPr>
+            <a:picLocks noChangeAspect="1"/>
+          </p:cNvPicPr>
+          <p:nvPr/>
+        </p:nvPicPr>
+        <p:blipFill>
+          <a:blip r:embed="rId3">
+            <a:extLst>
+              <a:ext uri="{28A0092B-C50C-407E-A947-70E740481C1C}">
+                <a14:useLocalDpi xmlns:a14="http://schemas.microsoft.com/office/drawing/2010/main" val="0"/>
+              </a:ext>
+            </a:extLst>
+          </a:blip>
+          <a:stretch>
+            <a:fillRect/>
+          </a:stretch>
+        </p:blipFill>
+        <p:spPr>
+          <a:xfrm>
+            <a:off x="4855723" y="3761999"/>
+            <a:ext cx="4153712" cy="3115283"/>
+          </a:xfrm>
+          <a:prstGeom prst="rect">
+            <a:avLst/>
+          </a:prstGeom>
+          <a:ln>
+            <a:solidFill>
+              <a:schemeClr val="tx1"/>
+            </a:solidFill>
+          </a:ln>
+        </p:spPr>
+      </p:pic>
+      <p:sp>
+        <p:nvSpPr>
+          <p:cNvPr id="15" name="Arrow: Right 14">
+            <a:extLst>
+              <a:ext uri="{FF2B5EF4-FFF2-40B4-BE49-F238E27FC236}">
+                <a16:creationId xmlns:a16="http://schemas.microsoft.com/office/drawing/2014/main" id="{49902F82-95CD-888F-8764-D8320F8D58F7}"/>
+              </a:ext>
+            </a:extLst>
+          </p:cNvPr>
+          <p:cNvSpPr/>
+          <p:nvPr/>
+        </p:nvSpPr>
+        <p:spPr>
+          <a:xfrm>
+            <a:off x="3667328" y="4756824"/>
+            <a:ext cx="933854" cy="749029"/>
+          </a:xfrm>
+          <a:prstGeom prst="rightArrow">
+            <a:avLst/>
+          </a:prstGeom>
+        </p:spPr>
         <p:style>
-          <a:lnRef idx="0">
-            <a:schemeClr val="accent4"/>
+          <a:lnRef idx="2">
+            <a:schemeClr val="accent1">
+              <a:shade val="15000"/>
+            </a:schemeClr>
           </a:lnRef>
-          <a:fillRef idx="3">
-            <a:schemeClr val="accent4"/>
-          </a:fillRef>
-          <a:effectRef idx="3">
-            <a:schemeClr val="accent4"/>
-          </a:effectRef>
-          <a:fontRef idx="minor">
-            <a:schemeClr val="lt1"/>
-          </a:fontRef>
-        </p:style>
-        <p:txBody>
-          <a:bodyPr wrap="square">
-            <a:spAutoFit/>
-          </a:bodyPr>
-          <a:lstStyle/>
-          <a:p>
-            <a:r>
-              <a:rPr lang="en-US" b="1" dirty="0"/>
-              <a:t>grayLevels</a:t>
-            </a:r>
-            <a:r>
-              <a:rPr lang="en-US" dirty="0"/>
-              <a:t> is an array to store the gray levels (color) for each rectangle.</a:t>
-            </a:r>
-            <a:endParaRPr lang="he-IL" dirty="0"/>
-          </a:p>
-        </p:txBody>
-      </p:sp>
-      <p:sp>
-        <p:nvSpPr>
-          <p:cNvPr id="28" name="TextBox 27">
-            <a:extLst>
-              <a:ext uri="{FF2B5EF4-FFF2-40B4-BE49-F238E27FC236}">
-                <a16:creationId xmlns:a16="http://schemas.microsoft.com/office/drawing/2014/main" id="{7307E960-E0D3-2CD9-70D4-0F89E97BC42E}"/>
-              </a:ext>
-            </a:extLst>
-          </p:cNvPr>
-          <p:cNvSpPr txBox="1"/>
-          <p:nvPr/>
-        </p:nvSpPr>
-        <p:spPr>
-          <a:xfrm>
-            <a:off x="7491310" y="3939623"/>
-            <a:ext cx="4075081" cy="646331"/>
-          </a:xfrm>
-          <a:prstGeom prst="rect">
-            <a:avLst/>
-          </a:prstGeom>
-        </p:spPr>
-        <p:style>
-          <a:lnRef idx="0">
-            <a:schemeClr val="accent6"/>
-          </a:lnRef>
-          <a:fillRef idx="3">
-            <a:schemeClr val="accent6"/>
-          </a:fillRef>
-          <a:effectRef idx="3">
-            <a:schemeClr val="accent6"/>
-          </a:effectRef>
-          <a:fontRef idx="minor">
-            <a:schemeClr val="lt1"/>
-          </a:fontRef>
-        </p:style>
-        <p:txBody>
-          <a:bodyPr wrap="square">
-            <a:spAutoFit/>
-          </a:bodyPr>
-          <a:lstStyle/>
-          <a:p>
-            <a:r>
-              <a:rPr lang="en-US" dirty="0"/>
-              <a:t>This loop calculates the transparency and gray levels for each rectangle.</a:t>
-            </a:r>
-            <a:endParaRPr lang="he-IL" dirty="0"/>
-          </a:p>
-        </p:txBody>
-      </p:sp>
-      <p:cxnSp>
-        <p:nvCxnSpPr>
-          <p:cNvPr id="29" name="Straight Arrow Connector 28">
-            <a:extLst>
-              <a:ext uri="{FF2B5EF4-FFF2-40B4-BE49-F238E27FC236}">
-                <a16:creationId xmlns:a16="http://schemas.microsoft.com/office/drawing/2014/main" id="{3A017A96-3084-1B53-17B3-B6873C83E016}"/>
-              </a:ext>
-            </a:extLst>
-          </p:cNvPr>
-          <p:cNvCxnSpPr>
-            <a:cxnSpLocks/>
-          </p:cNvCxnSpPr>
-          <p:nvPr/>
-        </p:nvCxnSpPr>
-        <p:spPr>
-          <a:xfrm flipH="1">
-            <a:off x="5953328" y="4196980"/>
-            <a:ext cx="1518731" cy="296641"/>
-          </a:xfrm>
-          <a:prstGeom prst="straightConnector1">
-            <a:avLst/>
-          </a:prstGeom>
-          <a:ln w="57150" cap="flat" cmpd="sng" algn="ctr">
-            <a:solidFill>
-              <a:srgbClr val="00B050"/>
-            </a:solidFill>
-            <a:prstDash val="solid"/>
-            <a:round/>
-            <a:headEnd type="none" w="med" len="med"/>
-            <a:tailEnd type="arrow" w="med" len="med"/>
-          </a:ln>
-        </p:spPr>
-        <p:style>
-          <a:lnRef idx="0">
-            <a:scrgbClr r="0" g="0" b="0"/>
-          </a:lnRef>
-          <a:fillRef idx="0">
-            <a:scrgbClr r="0" g="0" b="0"/>
+          <a:fillRef idx="1">
+            <a:schemeClr val="accent1"/>
           </a:fillRef>
           <a:effectRef idx="0">
-            <a:scrgbClr r="0" g="0" b="0"/>
-          </a:effectRef>
-          <a:fontRef idx="minor">
-            <a:schemeClr val="tx1"/>
-          </a:fontRef>
-        </p:style>
-      </p:cxnSp>
-      <p:sp>
-        <p:nvSpPr>
-          <p:cNvPr id="33" name="TextBox 32">
-            <a:extLst>
-              <a:ext uri="{FF2B5EF4-FFF2-40B4-BE49-F238E27FC236}">
-                <a16:creationId xmlns:a16="http://schemas.microsoft.com/office/drawing/2014/main" id="{1F4CDBFD-931D-94BC-AE67-2C8A5C72DA20}"/>
-              </a:ext>
-            </a:extLst>
-          </p:cNvPr>
-          <p:cNvSpPr txBox="1"/>
-          <p:nvPr/>
-        </p:nvSpPr>
-        <p:spPr>
-          <a:xfrm>
-            <a:off x="7986410" y="978428"/>
-            <a:ext cx="3924300" cy="923330"/>
-          </a:xfrm>
-          <a:prstGeom prst="rect">
-            <a:avLst/>
-          </a:prstGeom>
-        </p:spPr>
-        <p:style>
-          <a:lnRef idx="0">
-            <a:schemeClr val="accent1"/>
-          </a:lnRef>
-          <a:fillRef idx="3">
-            <a:schemeClr val="accent1"/>
-          </a:fillRef>
-          <a:effectRef idx="3">
             <a:schemeClr val="accent1"/>
           </a:effectRef>
           <a:fontRef idx="minor">
@@ -7811,47 +11080,128 @@
           </a:fontRef>
         </p:style>
         <p:txBody>
-          <a:bodyPr wrap="square">
-            <a:spAutoFit/>
-          </a:bodyPr>
+          <a:bodyPr rtlCol="1" anchor="ctr"/>
           <a:lstStyle/>
           <a:p>
-            <a:r>
-              <a:rPr lang="en-US" dirty="0">
-                <a:solidFill>
-                  <a:srgbClr val="FFFF00"/>
-                </a:solidFill>
-              </a:rPr>
-              <a:t>During the presentation of scenarios the </a:t>
-            </a:r>
-            <a:r>
-              <a:rPr lang="en-US" b="1" dirty="0">
-                <a:solidFill>
-                  <a:srgbClr val="FFFF00"/>
-                </a:solidFill>
-              </a:rPr>
-              <a:t>numRectangles</a:t>
-            </a:r>
-            <a:r>
-              <a:rPr lang="en-US" dirty="0">
-                <a:solidFill>
-                  <a:srgbClr val="FFFF00"/>
-                </a:solidFill>
-              </a:rPr>
-              <a:t> parameter will be changed to show its effect!</a:t>
-            </a:r>
-            <a:endParaRPr lang="he-IL" dirty="0">
-              <a:solidFill>
-                <a:srgbClr val="FFFF00"/>
-              </a:solidFill>
-            </a:endParaRPr>
-          </a:p>
-        </p:txBody>
-      </p:sp>
+            <a:pPr algn="ctr"/>
+            <a:endParaRPr lang="he-IL"/>
+          </a:p>
+        </p:txBody>
+      </p:sp>
+      <p:sp>
+        <p:nvSpPr>
+          <p:cNvPr id="16" name="Rectangle 15">
+            <a:extLst>
+              <a:ext uri="{FF2B5EF4-FFF2-40B4-BE49-F238E27FC236}">
+                <a16:creationId xmlns:a16="http://schemas.microsoft.com/office/drawing/2014/main" id="{C53DD9F8-AC09-675A-7E4A-1AB6007F7780}"/>
+              </a:ext>
+            </a:extLst>
+          </p:cNvPr>
+          <p:cNvSpPr/>
+          <p:nvPr/>
+        </p:nvSpPr>
+        <p:spPr>
+          <a:xfrm>
+            <a:off x="543127" y="4338534"/>
+            <a:ext cx="2850205" cy="1585608"/>
+          </a:xfrm>
+          <a:prstGeom prst="rect">
+            <a:avLst/>
+          </a:prstGeom>
+        </p:spPr>
+        <p:style>
+          <a:lnRef idx="2">
+            <a:schemeClr val="accent1">
+              <a:shade val="15000"/>
+            </a:schemeClr>
+          </a:lnRef>
+          <a:fillRef idx="1">
+            <a:schemeClr val="accent1"/>
+          </a:fillRef>
+          <a:effectRef idx="0">
+            <a:schemeClr val="accent1"/>
+          </a:effectRef>
+          <a:fontRef idx="minor">
+            <a:schemeClr val="lt1"/>
+          </a:fontRef>
+        </p:style>
+        <p:txBody>
+          <a:bodyPr rtlCol="1" anchor="ctr"/>
+          <a:lstStyle/>
+          <a:p>
+            <a:pPr algn="ctr"/>
+            <a:r>
+              <a:rPr lang="en-US" dirty="0"/>
+              <a:t>One can see that there has been created 10 rectangles with a declining transparency over the diagonal of the screen</a:t>
+            </a:r>
+            <a:endParaRPr lang="he-IL" dirty="0"/>
+          </a:p>
+        </p:txBody>
+      </p:sp>
+      <p:pic>
+        <p:nvPicPr>
+          <p:cNvPr id="3" name="Picture 2">
+            <a:extLst>
+              <a:ext uri="{FF2B5EF4-FFF2-40B4-BE49-F238E27FC236}">
+                <a16:creationId xmlns:a16="http://schemas.microsoft.com/office/drawing/2014/main" id="{C4FCF82C-DAE0-CD73-52F8-9C1266F8101A}"/>
+              </a:ext>
+            </a:extLst>
+          </p:cNvPr>
+          <p:cNvPicPr>
+            <a:picLocks noChangeAspect="1"/>
+          </p:cNvPicPr>
+          <p:nvPr/>
+        </p:nvPicPr>
+        <p:blipFill>
+          <a:blip r:embed="rId4"/>
+          <a:stretch>
+            <a:fillRect/>
+          </a:stretch>
+        </p:blipFill>
+        <p:spPr>
+          <a:xfrm>
+            <a:off x="4272163" y="1211802"/>
+            <a:ext cx="2984671" cy="286839"/>
+          </a:xfrm>
+          <a:prstGeom prst="rect">
+            <a:avLst/>
+          </a:prstGeom>
+        </p:spPr>
+      </p:pic>
+      <p:pic>
+        <p:nvPicPr>
+          <p:cNvPr id="6" name="Picture 5">
+            <a:extLst>
+              <a:ext uri="{FF2B5EF4-FFF2-40B4-BE49-F238E27FC236}">
+                <a16:creationId xmlns:a16="http://schemas.microsoft.com/office/drawing/2014/main" id="{32242B78-B4F0-BC87-5A5A-11AE6ECB9AD9}"/>
+              </a:ext>
+            </a:extLst>
+          </p:cNvPr>
+          <p:cNvPicPr>
+            <a:picLocks noChangeAspect="1"/>
+          </p:cNvPicPr>
+          <p:nvPr/>
+        </p:nvPicPr>
+        <p:blipFill>
+          <a:blip r:embed="rId5"/>
+          <a:stretch>
+            <a:fillRect/>
+          </a:stretch>
+        </p:blipFill>
+        <p:spPr>
+          <a:xfrm>
+            <a:off x="97275" y="1538359"/>
+            <a:ext cx="7441661" cy="2136634"/>
+          </a:xfrm>
+          <a:prstGeom prst="rect">
+            <a:avLst/>
+          </a:prstGeom>
+        </p:spPr>
+      </p:pic>
     </p:spTree>
     <p:extLst>
       <p:ext uri="{BB962C8B-B14F-4D97-AF65-F5344CB8AC3E}">
-        <p14:creationId xmlns:p14="http://schemas.microsoft.com/office/powerpoint/2010/main" val="2205229723"/>
+        <p14:creationId xmlns:p14="http://schemas.microsoft.com/office/powerpoint/2010/main" val="2386126306"/>
       </p:ext>
     </p:extLst>
   </p:cSld>
@@ -7878,12 +11228,266 @@
           <a:chExt cx="0" cy="0"/>
         </a:xfrm>
       </p:grpSpPr>
+      <p:sp>
+        <p:nvSpPr>
+          <p:cNvPr id="5" name="Slide Number Placeholder 5">
+            <a:extLst>
+              <a:ext uri="{FF2B5EF4-FFF2-40B4-BE49-F238E27FC236}">
+                <a16:creationId xmlns:a16="http://schemas.microsoft.com/office/drawing/2014/main" id="{D4B382A1-889F-690E-F4ED-2664B93748EA}"/>
+              </a:ext>
+            </a:extLst>
+          </p:cNvPr>
+          <p:cNvSpPr txBox="1">
+            <a:spLocks/>
+          </p:cNvSpPr>
+          <p:nvPr/>
+        </p:nvSpPr>
+        <p:spPr>
+          <a:xfrm>
+            <a:off x="11879094" y="6492875"/>
+            <a:ext cx="312906" cy="365125"/>
+          </a:xfrm>
+          <a:prstGeom prst="rect">
+            <a:avLst/>
+          </a:prstGeom>
+        </p:spPr>
+        <p:txBody>
+          <a:bodyPr vert="horz" lIns="91440" tIns="45720" rIns="91440" bIns="45720" rtlCol="0" anchor="ctr"/>
+          <a:lstStyle>
+            <a:defPPr>
+              <a:defRPr lang="he-IL"/>
+            </a:defPPr>
+            <a:lvl1pPr marL="0" algn="l" defTabSz="914400" rtl="0" eaLnBrk="1" latinLnBrk="0" hangingPunct="1">
+              <a:defRPr sz="1200" kern="1200">
+                <a:solidFill>
+                  <a:schemeClr val="tx1">
+                    <a:tint val="82000"/>
+                  </a:schemeClr>
+                </a:solidFill>
+                <a:latin typeface="+mn-lt"/>
+                <a:ea typeface="+mn-ea"/>
+                <a:cs typeface="+mn-cs"/>
+              </a:defRPr>
+            </a:lvl1pPr>
+            <a:lvl2pPr marL="457200" algn="l" defTabSz="914400" rtl="0" eaLnBrk="1" latinLnBrk="0" hangingPunct="1">
+              <a:defRPr sz="1800" kern="1200">
+                <a:solidFill>
+                  <a:schemeClr val="tx1"/>
+                </a:solidFill>
+                <a:latin typeface="+mn-lt"/>
+                <a:ea typeface="+mn-ea"/>
+                <a:cs typeface="+mn-cs"/>
+              </a:defRPr>
+            </a:lvl2pPr>
+            <a:lvl3pPr marL="914400" algn="l" defTabSz="914400" rtl="0" eaLnBrk="1" latinLnBrk="0" hangingPunct="1">
+              <a:defRPr sz="1800" kern="1200">
+                <a:solidFill>
+                  <a:schemeClr val="tx1"/>
+                </a:solidFill>
+                <a:latin typeface="+mn-lt"/>
+                <a:ea typeface="+mn-ea"/>
+                <a:cs typeface="+mn-cs"/>
+              </a:defRPr>
+            </a:lvl3pPr>
+            <a:lvl4pPr marL="1371600" algn="l" defTabSz="914400" rtl="0" eaLnBrk="1" latinLnBrk="0" hangingPunct="1">
+              <a:defRPr sz="1800" kern="1200">
+                <a:solidFill>
+                  <a:schemeClr val="tx1"/>
+                </a:solidFill>
+                <a:latin typeface="+mn-lt"/>
+                <a:ea typeface="+mn-ea"/>
+                <a:cs typeface="+mn-cs"/>
+              </a:defRPr>
+            </a:lvl4pPr>
+            <a:lvl5pPr marL="1828800" algn="l" defTabSz="914400" rtl="0" eaLnBrk="1" latinLnBrk="0" hangingPunct="1">
+              <a:defRPr sz="1800" kern="1200">
+                <a:solidFill>
+                  <a:schemeClr val="tx1"/>
+                </a:solidFill>
+                <a:latin typeface="+mn-lt"/>
+                <a:ea typeface="+mn-ea"/>
+                <a:cs typeface="+mn-cs"/>
+              </a:defRPr>
+            </a:lvl5pPr>
+            <a:lvl6pPr marL="2286000" algn="l" defTabSz="914400" rtl="0" eaLnBrk="1" latinLnBrk="0" hangingPunct="1">
+              <a:defRPr sz="1800" kern="1200">
+                <a:solidFill>
+                  <a:schemeClr val="tx1"/>
+                </a:solidFill>
+                <a:latin typeface="+mn-lt"/>
+                <a:ea typeface="+mn-ea"/>
+                <a:cs typeface="+mn-cs"/>
+              </a:defRPr>
+            </a:lvl6pPr>
+            <a:lvl7pPr marL="2743200" algn="l" defTabSz="914400" rtl="0" eaLnBrk="1" latinLnBrk="0" hangingPunct="1">
+              <a:defRPr sz="1800" kern="1200">
+                <a:solidFill>
+                  <a:schemeClr val="tx1"/>
+                </a:solidFill>
+                <a:latin typeface="+mn-lt"/>
+                <a:ea typeface="+mn-ea"/>
+                <a:cs typeface="+mn-cs"/>
+              </a:defRPr>
+            </a:lvl7pPr>
+            <a:lvl8pPr marL="3200400" algn="l" defTabSz="914400" rtl="0" eaLnBrk="1" latinLnBrk="0" hangingPunct="1">
+              <a:defRPr sz="1800" kern="1200">
+                <a:solidFill>
+                  <a:schemeClr val="tx1"/>
+                </a:solidFill>
+                <a:latin typeface="+mn-lt"/>
+                <a:ea typeface="+mn-ea"/>
+                <a:cs typeface="+mn-cs"/>
+              </a:defRPr>
+            </a:lvl8pPr>
+            <a:lvl9pPr marL="3657600" algn="l" defTabSz="914400" rtl="0" eaLnBrk="1" latinLnBrk="0" hangingPunct="1">
+              <a:defRPr sz="1800" kern="1200">
+                <a:solidFill>
+                  <a:schemeClr val="tx1"/>
+                </a:solidFill>
+                <a:latin typeface="+mn-lt"/>
+                <a:ea typeface="+mn-ea"/>
+                <a:cs typeface="+mn-cs"/>
+              </a:defRPr>
+            </a:lvl9pPr>
+          </a:lstStyle>
+          <a:p>
+            <a:fld id="{1E5BF412-EFCF-4C51-A2DF-B419076696E3}" type="slidenum">
+              <a:rPr lang="he-IL" sz="1600" smtClean="0"/>
+              <a:pPr/>
+              <a:t>8</a:t>
+            </a:fld>
+            <a:endParaRPr lang="he-IL" sz="1600" dirty="0"/>
+          </a:p>
+        </p:txBody>
+      </p:sp>
+      <p:sp>
+        <p:nvSpPr>
+          <p:cNvPr id="6" name="Title 1">
+            <a:extLst>
+              <a:ext uri="{FF2B5EF4-FFF2-40B4-BE49-F238E27FC236}">
+                <a16:creationId xmlns:a16="http://schemas.microsoft.com/office/drawing/2014/main" id="{A26A106A-FF5D-BC13-B282-F90F954A87AD}"/>
+              </a:ext>
+            </a:extLst>
+          </p:cNvPr>
+          <p:cNvSpPr>
+            <a:spLocks noGrp="1"/>
+          </p:cNvSpPr>
+          <p:nvPr>
+            <p:ph type="title"/>
+          </p:nvPr>
+        </p:nvSpPr>
+        <p:spPr>
+          <a:xfrm>
+            <a:off x="3369012" y="0"/>
+            <a:ext cx="5453975" cy="476149"/>
+          </a:xfrm>
+        </p:spPr>
+        <p:txBody>
+          <a:bodyPr>
+            <a:normAutofit/>
+          </a:bodyPr>
+          <a:lstStyle/>
+          <a:p>
+            <a:pPr algn="ctr" rtl="0"/>
+            <a:r>
+              <a:rPr lang="en-US" sz="2400" b="1" u="sng" dirty="0">
+                <a:solidFill>
+                  <a:srgbClr val="0070C0"/>
+                </a:solidFill>
+              </a:rPr>
+              <a:t>11.2  </a:t>
+            </a:r>
+            <a:r>
+              <a:rPr lang="en-US" sz="2400" b="1" u="sng" dirty="0">
+                <a:solidFill>
+                  <a:srgbClr val="FF0000"/>
+                </a:solidFill>
+              </a:rPr>
+              <a:t>List of situations tested – </a:t>
+            </a:r>
+            <a:r>
+              <a:rPr lang="en-US" sz="2400" b="1" u="sng" dirty="0">
+                <a:solidFill>
+                  <a:srgbClr val="00B050"/>
+                </a:solidFill>
+              </a:rPr>
+              <a:t>part 2</a:t>
+            </a:r>
+            <a:endParaRPr lang="he-IL" sz="2400" b="1" u="sng" dirty="0">
+              <a:solidFill>
+                <a:srgbClr val="00B050"/>
+              </a:solidFill>
+            </a:endParaRPr>
+          </a:p>
+        </p:txBody>
+      </p:sp>
+      <p:sp>
+        <p:nvSpPr>
+          <p:cNvPr id="7" name="Rectangle 6">
+            <a:extLst>
+              <a:ext uri="{FF2B5EF4-FFF2-40B4-BE49-F238E27FC236}">
+                <a16:creationId xmlns:a16="http://schemas.microsoft.com/office/drawing/2014/main" id="{E9ABDA21-D5CD-36BC-48BD-370C2D773DFC}"/>
+              </a:ext>
+            </a:extLst>
+          </p:cNvPr>
+          <p:cNvSpPr/>
+          <p:nvPr/>
+        </p:nvSpPr>
+        <p:spPr>
+          <a:xfrm>
+            <a:off x="97275" y="476149"/>
+            <a:ext cx="11997447" cy="671715"/>
+          </a:xfrm>
+          <a:prstGeom prst="rect">
+            <a:avLst/>
+          </a:prstGeom>
+        </p:spPr>
+        <p:style>
+          <a:lnRef idx="2">
+            <a:schemeClr val="accent1">
+              <a:shade val="15000"/>
+            </a:schemeClr>
+          </a:lnRef>
+          <a:fillRef idx="1">
+            <a:schemeClr val="accent1"/>
+          </a:fillRef>
+          <a:effectRef idx="0">
+            <a:schemeClr val="accent1"/>
+          </a:effectRef>
+          <a:fontRef idx="minor">
+            <a:schemeClr val="lt1"/>
+          </a:fontRef>
+        </p:style>
+        <p:txBody>
+          <a:bodyPr rtlCol="1" anchor="ctr"/>
+          <a:lstStyle/>
+          <a:p>
+            <a:r>
+              <a:rPr lang="en-US" dirty="0"/>
+              <a:t>Part 2 of the situations tested is the diagonal (from upper left to lower right) filled with rectangles – the number of rectangles for this demonstration is </a:t>
+            </a:r>
+            <a:r>
+              <a:rPr lang="en-US" b="1" dirty="0">
+                <a:solidFill>
+                  <a:srgbClr val="00B050"/>
+                </a:solidFill>
+              </a:rPr>
+              <a:t>100</a:t>
+            </a:r>
+            <a:r>
+              <a:rPr lang="en-US" dirty="0"/>
+              <a:t>. The idea of the transparencies is that it declines with the rectangles .</a:t>
+            </a:r>
+            <a:endParaRPr lang="he-IL" dirty="0"/>
+          </a:p>
+        </p:txBody>
+      </p:sp>
       <p:pic>
         <p:nvPicPr>
-          <p:cNvPr id="5" name="Picture 4">
-            <a:extLst>
-              <a:ext uri="{FF2B5EF4-FFF2-40B4-BE49-F238E27FC236}">
-                <a16:creationId xmlns:a16="http://schemas.microsoft.com/office/drawing/2014/main" id="{E7160A33-E0A9-9EC5-4475-9137DF556511}"/>
+          <p:cNvPr id="10" name="Picture 9">
+            <a:extLst>
+              <a:ext uri="{FF2B5EF4-FFF2-40B4-BE49-F238E27FC236}">
+                <a16:creationId xmlns:a16="http://schemas.microsoft.com/office/drawing/2014/main" id="{10CC8617-8282-8031-237D-22EDD8486546}"/>
               </a:ext>
             </a:extLst>
           </p:cNvPr>
@@ -7900,20 +11504,379 @@
         </p:blipFill>
         <p:spPr>
           <a:xfrm>
-            <a:off x="19050" y="581025"/>
-            <a:ext cx="12172950" cy="6276975"/>
+            <a:off x="97276" y="1246661"/>
+            <a:ext cx="4396904" cy="279429"/>
           </a:xfrm>
           <a:prstGeom prst="rect">
             <a:avLst/>
           </a:prstGeom>
         </p:spPr>
       </p:pic>
+      <p:pic>
+        <p:nvPicPr>
+          <p:cNvPr id="12" name="Picture 11" descr="A long thin black and white object&#10;&#10;Description automatically generated">
+            <a:extLst>
+              <a:ext uri="{FF2B5EF4-FFF2-40B4-BE49-F238E27FC236}">
+                <a16:creationId xmlns:a16="http://schemas.microsoft.com/office/drawing/2014/main" id="{2E8C7E1D-E253-B259-3B71-A97680D76F5A}"/>
+              </a:ext>
+            </a:extLst>
+          </p:cNvPr>
+          <p:cNvPicPr>
+            <a:picLocks noChangeAspect="1"/>
+          </p:cNvPicPr>
+          <p:nvPr/>
+        </p:nvPicPr>
+        <p:blipFill>
+          <a:blip r:embed="rId3">
+            <a:extLst>
+              <a:ext uri="{28A0092B-C50C-407E-A947-70E740481C1C}">
+                <a14:useLocalDpi xmlns:a14="http://schemas.microsoft.com/office/drawing/2010/main" val="0"/>
+              </a:ext>
+            </a:extLst>
+          </a:blip>
+          <a:stretch>
+            <a:fillRect/>
+          </a:stretch>
+        </p:blipFill>
+        <p:spPr>
+          <a:xfrm>
+            <a:off x="4739093" y="3822362"/>
+            <a:ext cx="4047518" cy="3035638"/>
+          </a:xfrm>
+          <a:prstGeom prst="rect">
+            <a:avLst/>
+          </a:prstGeom>
+          <a:ln>
+            <a:solidFill>
+              <a:schemeClr val="tx1"/>
+            </a:solidFill>
+          </a:ln>
+        </p:spPr>
+      </p:pic>
+      <p:sp>
+        <p:nvSpPr>
+          <p:cNvPr id="13" name="Arrow: Right 12">
+            <a:extLst>
+              <a:ext uri="{FF2B5EF4-FFF2-40B4-BE49-F238E27FC236}">
+                <a16:creationId xmlns:a16="http://schemas.microsoft.com/office/drawing/2014/main" id="{10417445-FE48-8C29-BF95-C749BE97991D}"/>
+              </a:ext>
+            </a:extLst>
+          </p:cNvPr>
+          <p:cNvSpPr/>
+          <p:nvPr/>
+        </p:nvSpPr>
+        <p:spPr>
+          <a:xfrm>
+            <a:off x="3559867" y="4665178"/>
+            <a:ext cx="933854" cy="749029"/>
+          </a:xfrm>
+          <a:prstGeom prst="rightArrow">
+            <a:avLst/>
+          </a:prstGeom>
+        </p:spPr>
+        <p:style>
+          <a:lnRef idx="2">
+            <a:schemeClr val="accent1">
+              <a:shade val="15000"/>
+            </a:schemeClr>
+          </a:lnRef>
+          <a:fillRef idx="1">
+            <a:schemeClr val="accent1"/>
+          </a:fillRef>
+          <a:effectRef idx="0">
+            <a:schemeClr val="accent1"/>
+          </a:effectRef>
+          <a:fontRef idx="minor">
+            <a:schemeClr val="lt1"/>
+          </a:fontRef>
+        </p:style>
+        <p:txBody>
+          <a:bodyPr rtlCol="1" anchor="ctr"/>
+          <a:lstStyle/>
+          <a:p>
+            <a:pPr algn="ctr"/>
+            <a:endParaRPr lang="he-IL"/>
+          </a:p>
+        </p:txBody>
+      </p:sp>
+      <p:sp>
+        <p:nvSpPr>
+          <p:cNvPr id="14" name="Rectangle 13">
+            <a:extLst>
+              <a:ext uri="{FF2B5EF4-FFF2-40B4-BE49-F238E27FC236}">
+                <a16:creationId xmlns:a16="http://schemas.microsoft.com/office/drawing/2014/main" id="{2C2B3352-385E-8897-A386-1FAD4E919770}"/>
+              </a:ext>
+            </a:extLst>
+          </p:cNvPr>
+          <p:cNvSpPr/>
+          <p:nvPr/>
+        </p:nvSpPr>
+        <p:spPr>
+          <a:xfrm>
+            <a:off x="467384" y="4246888"/>
+            <a:ext cx="2850205" cy="1585608"/>
+          </a:xfrm>
+          <a:prstGeom prst="rect">
+            <a:avLst/>
+          </a:prstGeom>
+        </p:spPr>
+        <p:style>
+          <a:lnRef idx="2">
+            <a:schemeClr val="accent1">
+              <a:shade val="15000"/>
+            </a:schemeClr>
+          </a:lnRef>
+          <a:fillRef idx="1">
+            <a:schemeClr val="accent1"/>
+          </a:fillRef>
+          <a:effectRef idx="0">
+            <a:schemeClr val="accent1"/>
+          </a:effectRef>
+          <a:fontRef idx="minor">
+            <a:schemeClr val="lt1"/>
+          </a:fontRef>
+        </p:style>
+        <p:txBody>
+          <a:bodyPr rtlCol="1" anchor="ctr"/>
+          <a:lstStyle/>
+          <a:p>
+            <a:pPr algn="ctr"/>
+            <a:r>
+              <a:rPr lang="en-US" dirty="0"/>
+              <a:t>One can see that there has been created 100 rectangles with a declining transparency over the diagonal of the screen</a:t>
+            </a:r>
+            <a:endParaRPr lang="he-IL" dirty="0"/>
+          </a:p>
+        </p:txBody>
+      </p:sp>
+      <p:pic>
+        <p:nvPicPr>
+          <p:cNvPr id="3" name="Picture 2">
+            <a:extLst>
+              <a:ext uri="{FF2B5EF4-FFF2-40B4-BE49-F238E27FC236}">
+                <a16:creationId xmlns:a16="http://schemas.microsoft.com/office/drawing/2014/main" id="{0A16F8DD-8DBA-EE4D-4C22-09A71BC861F4}"/>
+              </a:ext>
+            </a:extLst>
+          </p:cNvPr>
+          <p:cNvPicPr>
+            <a:picLocks noChangeAspect="1"/>
+          </p:cNvPicPr>
+          <p:nvPr/>
+        </p:nvPicPr>
+        <p:blipFill>
+          <a:blip r:embed="rId4"/>
+          <a:stretch>
+            <a:fillRect/>
+          </a:stretch>
+        </p:blipFill>
+        <p:spPr>
+          <a:xfrm>
+            <a:off x="4739093" y="1227021"/>
+            <a:ext cx="3305682" cy="317689"/>
+          </a:xfrm>
+          <a:prstGeom prst="rect">
+            <a:avLst/>
+          </a:prstGeom>
+        </p:spPr>
+      </p:pic>
+      <p:pic>
+        <p:nvPicPr>
+          <p:cNvPr id="9" name="Picture 8">
+            <a:extLst>
+              <a:ext uri="{FF2B5EF4-FFF2-40B4-BE49-F238E27FC236}">
+                <a16:creationId xmlns:a16="http://schemas.microsoft.com/office/drawing/2014/main" id="{0DE4D340-830D-3BCE-61A3-CBA298B926F3}"/>
+              </a:ext>
+            </a:extLst>
+          </p:cNvPr>
+          <p:cNvPicPr>
+            <a:picLocks noChangeAspect="1"/>
+          </p:cNvPicPr>
+          <p:nvPr/>
+        </p:nvPicPr>
+        <p:blipFill>
+          <a:blip r:embed="rId5"/>
+          <a:stretch>
+            <a:fillRect/>
+          </a:stretch>
+        </p:blipFill>
+        <p:spPr>
+          <a:xfrm>
+            <a:off x="97275" y="1652572"/>
+            <a:ext cx="7354112" cy="2111497"/>
+          </a:xfrm>
+          <a:prstGeom prst="rect">
+            <a:avLst/>
+          </a:prstGeom>
+        </p:spPr>
+      </p:pic>
+    </p:spTree>
+    <p:extLst>
+      <p:ext uri="{BB962C8B-B14F-4D97-AF65-F5344CB8AC3E}">
+        <p14:creationId xmlns:p14="http://schemas.microsoft.com/office/powerpoint/2010/main" val="1243054915"/>
+      </p:ext>
+    </p:extLst>
+  </p:cSld>
+  <p:clrMapOvr>
+    <a:masterClrMapping/>
+  </p:clrMapOvr>
+</p:sld>
+</file>
+
+<file path=ppt/slides/slide9.xml><?xml version="1.0" encoding="utf-8"?>
+<p:sld xmlns:a="http://schemas.openxmlformats.org/drawingml/2006/main" xmlns:r="http://schemas.openxmlformats.org/officeDocument/2006/relationships" xmlns:p="http://schemas.openxmlformats.org/presentationml/2006/main">
+  <p:cSld>
+    <p:spTree>
+      <p:nvGrpSpPr>
+        <p:cNvPr id="1" name=""/>
+        <p:cNvGrpSpPr/>
+        <p:nvPr/>
+      </p:nvGrpSpPr>
+      <p:grpSpPr>
+        <a:xfrm>
+          <a:off x="0" y="0"/>
+          <a:ext cx="0" cy="0"/>
+          <a:chOff x="0" y="0"/>
+          <a:chExt cx="0" cy="0"/>
+        </a:xfrm>
+      </p:grpSpPr>
+      <p:sp>
+        <p:nvSpPr>
+          <p:cNvPr id="5" name="Slide Number Placeholder 5">
+            <a:extLst>
+              <a:ext uri="{FF2B5EF4-FFF2-40B4-BE49-F238E27FC236}">
+                <a16:creationId xmlns:a16="http://schemas.microsoft.com/office/drawing/2014/main" id="{C11DA447-68B4-A61C-9C33-E74102B1BDAC}"/>
+              </a:ext>
+            </a:extLst>
+          </p:cNvPr>
+          <p:cNvSpPr txBox="1">
+            <a:spLocks/>
+          </p:cNvSpPr>
+          <p:nvPr/>
+        </p:nvSpPr>
+        <p:spPr>
+          <a:xfrm>
+            <a:off x="11879094" y="0"/>
+            <a:ext cx="312906" cy="365125"/>
+          </a:xfrm>
+          <a:prstGeom prst="rect">
+            <a:avLst/>
+          </a:prstGeom>
+        </p:spPr>
+        <p:txBody>
+          <a:bodyPr vert="horz" lIns="91440" tIns="45720" rIns="91440" bIns="45720" rtlCol="0" anchor="ctr"/>
+          <a:lstStyle>
+            <a:defPPr>
+              <a:defRPr lang="he-IL"/>
+            </a:defPPr>
+            <a:lvl1pPr marL="0" algn="l" defTabSz="914400" rtl="0" eaLnBrk="1" latinLnBrk="0" hangingPunct="1">
+              <a:defRPr sz="1200" kern="1200">
+                <a:solidFill>
+                  <a:schemeClr val="tx1">
+                    <a:tint val="82000"/>
+                  </a:schemeClr>
+                </a:solidFill>
+                <a:latin typeface="+mn-lt"/>
+                <a:ea typeface="+mn-ea"/>
+                <a:cs typeface="+mn-cs"/>
+              </a:defRPr>
+            </a:lvl1pPr>
+            <a:lvl2pPr marL="457200" algn="l" defTabSz="914400" rtl="0" eaLnBrk="1" latinLnBrk="0" hangingPunct="1">
+              <a:defRPr sz="1800" kern="1200">
+                <a:solidFill>
+                  <a:schemeClr val="tx1"/>
+                </a:solidFill>
+                <a:latin typeface="+mn-lt"/>
+                <a:ea typeface="+mn-ea"/>
+                <a:cs typeface="+mn-cs"/>
+              </a:defRPr>
+            </a:lvl2pPr>
+            <a:lvl3pPr marL="914400" algn="l" defTabSz="914400" rtl="0" eaLnBrk="1" latinLnBrk="0" hangingPunct="1">
+              <a:defRPr sz="1800" kern="1200">
+                <a:solidFill>
+                  <a:schemeClr val="tx1"/>
+                </a:solidFill>
+                <a:latin typeface="+mn-lt"/>
+                <a:ea typeface="+mn-ea"/>
+                <a:cs typeface="+mn-cs"/>
+              </a:defRPr>
+            </a:lvl3pPr>
+            <a:lvl4pPr marL="1371600" algn="l" defTabSz="914400" rtl="0" eaLnBrk="1" latinLnBrk="0" hangingPunct="1">
+              <a:defRPr sz="1800" kern="1200">
+                <a:solidFill>
+                  <a:schemeClr val="tx1"/>
+                </a:solidFill>
+                <a:latin typeface="+mn-lt"/>
+                <a:ea typeface="+mn-ea"/>
+                <a:cs typeface="+mn-cs"/>
+              </a:defRPr>
+            </a:lvl4pPr>
+            <a:lvl5pPr marL="1828800" algn="l" defTabSz="914400" rtl="0" eaLnBrk="1" latinLnBrk="0" hangingPunct="1">
+              <a:defRPr sz="1800" kern="1200">
+                <a:solidFill>
+                  <a:schemeClr val="tx1"/>
+                </a:solidFill>
+                <a:latin typeface="+mn-lt"/>
+                <a:ea typeface="+mn-ea"/>
+                <a:cs typeface="+mn-cs"/>
+              </a:defRPr>
+            </a:lvl5pPr>
+            <a:lvl6pPr marL="2286000" algn="l" defTabSz="914400" rtl="0" eaLnBrk="1" latinLnBrk="0" hangingPunct="1">
+              <a:defRPr sz="1800" kern="1200">
+                <a:solidFill>
+                  <a:schemeClr val="tx1"/>
+                </a:solidFill>
+                <a:latin typeface="+mn-lt"/>
+                <a:ea typeface="+mn-ea"/>
+                <a:cs typeface="+mn-cs"/>
+              </a:defRPr>
+            </a:lvl6pPr>
+            <a:lvl7pPr marL="2743200" algn="l" defTabSz="914400" rtl="0" eaLnBrk="1" latinLnBrk="0" hangingPunct="1">
+              <a:defRPr sz="1800" kern="1200">
+                <a:solidFill>
+                  <a:schemeClr val="tx1"/>
+                </a:solidFill>
+                <a:latin typeface="+mn-lt"/>
+                <a:ea typeface="+mn-ea"/>
+                <a:cs typeface="+mn-cs"/>
+              </a:defRPr>
+            </a:lvl7pPr>
+            <a:lvl8pPr marL="3200400" algn="l" defTabSz="914400" rtl="0" eaLnBrk="1" latinLnBrk="0" hangingPunct="1">
+              <a:defRPr sz="1800" kern="1200">
+                <a:solidFill>
+                  <a:schemeClr val="tx1"/>
+                </a:solidFill>
+                <a:latin typeface="+mn-lt"/>
+                <a:ea typeface="+mn-ea"/>
+                <a:cs typeface="+mn-cs"/>
+              </a:defRPr>
+            </a:lvl8pPr>
+            <a:lvl9pPr marL="3657600" algn="l" defTabSz="914400" rtl="0" eaLnBrk="1" latinLnBrk="0" hangingPunct="1">
+              <a:defRPr sz="1800" kern="1200">
+                <a:solidFill>
+                  <a:schemeClr val="tx1"/>
+                </a:solidFill>
+                <a:latin typeface="+mn-lt"/>
+                <a:ea typeface="+mn-ea"/>
+                <a:cs typeface="+mn-cs"/>
+              </a:defRPr>
+            </a:lvl9pPr>
+          </a:lstStyle>
+          <a:p>
+            <a:fld id="{1E5BF412-EFCF-4C51-A2DF-B419076696E3}" type="slidenum">
+              <a:rPr lang="he-IL" sz="1600" smtClean="0"/>
+              <a:pPr/>
+              <a:t>9</a:t>
+            </a:fld>
+            <a:endParaRPr lang="he-IL" sz="1600" dirty="0"/>
+          </a:p>
+        </p:txBody>
+      </p:sp>
       <p:sp>
         <p:nvSpPr>
           <p:cNvPr id="6" name="Title 1">
             <a:extLst>
               <a:ext uri="{FF2B5EF4-FFF2-40B4-BE49-F238E27FC236}">
-                <a16:creationId xmlns:a16="http://schemas.microsoft.com/office/drawing/2014/main" id="{541C625C-55AF-615A-13E9-5BAA0C6B7F97}"/>
+                <a16:creationId xmlns:a16="http://schemas.microsoft.com/office/drawing/2014/main" id="{89758C87-A3C5-F918-3B4E-9EFAE70E38E2}"/>
               </a:ext>
             </a:extLst>
           </p:cNvPr>
@@ -7926,13 +11889,13 @@
         </p:nvSpPr>
         <p:spPr>
           <a:xfrm>
-            <a:off x="1331409" y="0"/>
-            <a:ext cx="9198442" cy="612336"/>
+            <a:off x="3369012" y="0"/>
+            <a:ext cx="5453975" cy="476149"/>
           </a:xfrm>
         </p:spPr>
         <p:txBody>
           <a:bodyPr>
-            <a:normAutofit fontScale="90000"/>
+            <a:normAutofit/>
           </a:bodyPr>
           <a:lstStyle/>
           <a:p>
@@ -7943,7 +11906,7 @@
                   <a:srgbClr val="0070C0"/>
                 </a:solidFill>
               </a:rPr>
-              <a:t>11.4 Code of the “main” function and set of intermediate images-</a:t>
+              <a:t>11.2  </a:t>
             </a:r>
             <a:r>
               <a:rPr lang="en-US" sz="2400" b="1" u="sng" dirty="0">
@@ -7951,11 +11914,19 @@
                   <a:srgbClr val="FF0000"/>
                 </a:solidFill>
               </a:rPr>
-              <a:t>part 2</a:t>
+              <a:t>List of situations tested – </a:t>
+            </a:r>
+            <a:r>
+              <a:rPr lang="en-US" sz="2400" b="1" u="sng" dirty="0">
+                <a:solidFill>
+                  <a:srgbClr val="00B050"/>
+                </a:solidFill>
+              </a:rPr>
+              <a:t>part 3</a:t>
             </a:r>
             <a:endParaRPr lang="he-IL" sz="2400" b="1" u="sng" dirty="0">
               <a:solidFill>
-                <a:srgbClr val="FF0000"/>
+                <a:srgbClr val="00B050"/>
               </a:solidFill>
             </a:endParaRPr>
           </a:p>
@@ -7963,431 +11934,294 @@
       </p:sp>
       <p:sp>
         <p:nvSpPr>
-          <p:cNvPr id="8" name="Slide Number Placeholder 5">
-            <a:extLst>
-              <a:ext uri="{FF2B5EF4-FFF2-40B4-BE49-F238E27FC236}">
-                <a16:creationId xmlns:a16="http://schemas.microsoft.com/office/drawing/2014/main" id="{76B54CDA-5E08-7734-8771-D64BF0D19796}"/>
-              </a:ext>
-            </a:extLst>
-          </p:cNvPr>
-          <p:cNvSpPr>
-            <a:spLocks noGrp="1"/>
-          </p:cNvSpPr>
-          <p:nvPr>
-            <p:ph type="sldNum" sz="quarter" idx="12"/>
-          </p:nvPr>
-        </p:nvSpPr>
-        <p:spPr>
-          <a:xfrm>
-            <a:off x="11842210" y="0"/>
-            <a:ext cx="312906" cy="365125"/>
-          </a:xfrm>
-        </p:spPr>
-        <p:txBody>
-          <a:bodyPr/>
-          <a:lstStyle/>
-          <a:p>
-            <a:fld id="{1E5BF412-EFCF-4C51-A2DF-B419076696E3}" type="slidenum">
-              <a:rPr lang="he-IL" sz="1600" smtClean="0"/>
-              <a:t>8</a:t>
-            </a:fld>
-            <a:endParaRPr lang="he-IL" sz="1600" dirty="0"/>
-          </a:p>
-        </p:txBody>
-      </p:sp>
-      <p:sp>
-        <p:nvSpPr>
-          <p:cNvPr id="10" name="TextBox 9">
-            <a:extLst>
-              <a:ext uri="{FF2B5EF4-FFF2-40B4-BE49-F238E27FC236}">
-                <a16:creationId xmlns:a16="http://schemas.microsoft.com/office/drawing/2014/main" id="{BED1CC90-3D84-EF20-AF67-C77A00CA3224}"/>
-              </a:ext>
-            </a:extLst>
-          </p:cNvPr>
-          <p:cNvSpPr txBox="1"/>
+          <p:cNvPr id="2" name="Rectangle 1">
+            <a:extLst>
+              <a:ext uri="{FF2B5EF4-FFF2-40B4-BE49-F238E27FC236}">
+                <a16:creationId xmlns:a16="http://schemas.microsoft.com/office/drawing/2014/main" id="{CDA73CBD-1BEE-406E-8219-82E860A9DFDB}"/>
+              </a:ext>
+            </a:extLst>
+          </p:cNvPr>
+          <p:cNvSpPr/>
           <p:nvPr/>
         </p:nvSpPr>
         <p:spPr>
           <a:xfrm>
-            <a:off x="8702203" y="612336"/>
-            <a:ext cx="3489797" cy="923330"/>
+            <a:off x="97275" y="476149"/>
+            <a:ext cx="11997447" cy="671715"/>
           </a:xfrm>
           <a:prstGeom prst="rect">
             <a:avLst/>
           </a:prstGeom>
         </p:spPr>
         <p:style>
-          <a:lnRef idx="0">
-            <a:schemeClr val="accent2"/>
+          <a:lnRef idx="2">
+            <a:schemeClr val="accent1">
+              <a:shade val="15000"/>
+            </a:schemeClr>
           </a:lnRef>
-          <a:fillRef idx="3">
-            <a:schemeClr val="accent2"/>
+          <a:fillRef idx="1">
+            <a:schemeClr val="accent1"/>
           </a:fillRef>
-          <a:effectRef idx="3">
-            <a:schemeClr val="accent2"/>
+          <a:effectRef idx="0">
+            <a:schemeClr val="accent1"/>
           </a:effectRef>
           <a:fontRef idx="minor">
             <a:schemeClr val="lt1"/>
           </a:fontRef>
         </p:style>
         <p:txBody>
-          <a:bodyPr wrap="square">
-            <a:spAutoFit/>
-          </a:bodyPr>
+          <a:bodyPr rtlCol="1" anchor="ctr"/>
           <a:lstStyle/>
           <a:p>
             <a:r>
               <a:rPr lang="en-US" dirty="0"/>
-              <a:t>width and height are calculated to evenly distribute the rectangles across the image.</a:t>
+              <a:t>Part 3 of the situations tested is the diagonal (from upper right to lower left – case 2) filled with rectangles – the number of rectangles for this demonstration is </a:t>
+            </a:r>
+            <a:r>
+              <a:rPr lang="en-US" b="1" dirty="0">
+                <a:solidFill>
+                  <a:srgbClr val="00B050"/>
+                </a:solidFill>
+              </a:rPr>
+              <a:t>10</a:t>
+            </a:r>
+            <a:r>
+              <a:rPr lang="en-US" dirty="0"/>
+              <a:t>. The idea of the transparencies is that it declines with the rectangles.</a:t>
             </a:r>
             <a:endParaRPr lang="he-IL" dirty="0"/>
           </a:p>
         </p:txBody>
       </p:sp>
-      <p:cxnSp>
-        <p:nvCxnSpPr>
-          <p:cNvPr id="11" name="Straight Arrow Connector 10">
-            <a:extLst>
-              <a:ext uri="{FF2B5EF4-FFF2-40B4-BE49-F238E27FC236}">
-                <a16:creationId xmlns:a16="http://schemas.microsoft.com/office/drawing/2014/main" id="{89CF774C-14A0-5A50-F19D-B2C6736935F4}"/>
-              </a:ext>
-            </a:extLst>
-          </p:cNvPr>
-          <p:cNvCxnSpPr>
-            <a:cxnSpLocks/>
-          </p:cNvCxnSpPr>
+      <p:pic>
+        <p:nvPicPr>
+          <p:cNvPr id="4" name="Picture 3">
+            <a:extLst>
+              <a:ext uri="{FF2B5EF4-FFF2-40B4-BE49-F238E27FC236}">
+                <a16:creationId xmlns:a16="http://schemas.microsoft.com/office/drawing/2014/main" id="{9138AA0C-BE14-BDC8-32C3-63BE49CA8689}"/>
+              </a:ext>
+            </a:extLst>
+          </p:cNvPr>
+          <p:cNvPicPr>
+            <a:picLocks noChangeAspect="1"/>
+          </p:cNvPicPr>
           <p:nvPr/>
-        </p:nvCxnSpPr>
-        <p:spPr>
-          <a:xfrm flipH="1" flipV="1">
-            <a:off x="7714034" y="1031132"/>
-            <a:ext cx="988169" cy="234980"/>
-          </a:xfrm>
-          <a:prstGeom prst="straightConnector1">
-            <a:avLst/>
-          </a:prstGeom>
-          <a:ln w="57150" cap="flat" cmpd="sng" algn="ctr">
+        </p:nvPicPr>
+        <p:blipFill rotWithShape="1">
+          <a:blip r:embed="rId2"/>
+          <a:srcRect t="50000"/>
+          <a:stretch/>
+        </p:blipFill>
+        <p:spPr>
+          <a:xfrm>
+            <a:off x="5573947" y="1258888"/>
+            <a:ext cx="4791075" cy="328612"/>
+          </a:xfrm>
+          <a:prstGeom prst="rect">
+            <a:avLst/>
+          </a:prstGeom>
+        </p:spPr>
+      </p:pic>
+      <p:pic>
+        <p:nvPicPr>
+          <p:cNvPr id="8" name="Picture 7">
+            <a:extLst>
+              <a:ext uri="{FF2B5EF4-FFF2-40B4-BE49-F238E27FC236}">
+                <a16:creationId xmlns:a16="http://schemas.microsoft.com/office/drawing/2014/main" id="{06B72AC1-E1D5-22B5-32D2-E732A3684A25}"/>
+              </a:ext>
+            </a:extLst>
+          </p:cNvPr>
+          <p:cNvPicPr>
+            <a:picLocks noChangeAspect="1"/>
+          </p:cNvPicPr>
+          <p:nvPr/>
+        </p:nvPicPr>
+        <p:blipFill rotWithShape="1">
+          <a:blip r:embed="rId3"/>
+          <a:srcRect t="22724"/>
+          <a:stretch/>
+        </p:blipFill>
+        <p:spPr>
+          <a:xfrm>
+            <a:off x="97275" y="1298927"/>
+            <a:ext cx="5038725" cy="257619"/>
+          </a:xfrm>
+          <a:prstGeom prst="rect">
+            <a:avLst/>
+          </a:prstGeom>
+        </p:spPr>
+      </p:pic>
+      <p:pic>
+        <p:nvPicPr>
+          <p:cNvPr id="10" name="Picture 9">
+            <a:extLst>
+              <a:ext uri="{FF2B5EF4-FFF2-40B4-BE49-F238E27FC236}">
+                <a16:creationId xmlns:a16="http://schemas.microsoft.com/office/drawing/2014/main" id="{64EC8B51-10C6-D4CF-2F92-409489B91FE8}"/>
+              </a:ext>
+            </a:extLst>
+          </p:cNvPr>
+          <p:cNvPicPr>
+            <a:picLocks noChangeAspect="1"/>
+          </p:cNvPicPr>
+          <p:nvPr/>
+        </p:nvPicPr>
+        <p:blipFill>
+          <a:blip r:embed="rId4"/>
+          <a:stretch>
+            <a:fillRect/>
+          </a:stretch>
+        </p:blipFill>
+        <p:spPr>
+          <a:xfrm>
+            <a:off x="97275" y="1675001"/>
+            <a:ext cx="8725712" cy="2054178"/>
+          </a:xfrm>
+          <a:prstGeom prst="rect">
+            <a:avLst/>
+          </a:prstGeom>
+        </p:spPr>
+      </p:pic>
+      <p:pic>
+        <p:nvPicPr>
+          <p:cNvPr id="12" name="Picture 11" descr="A black and white squares&#10;&#10;Description automatically generated">
+            <a:extLst>
+              <a:ext uri="{FF2B5EF4-FFF2-40B4-BE49-F238E27FC236}">
+                <a16:creationId xmlns:a16="http://schemas.microsoft.com/office/drawing/2014/main" id="{54DC1E83-9E07-AE65-E5FD-E3206AFDB634}"/>
+              </a:ext>
+            </a:extLst>
+          </p:cNvPr>
+          <p:cNvPicPr>
+            <a:picLocks noChangeAspect="1"/>
+          </p:cNvPicPr>
+          <p:nvPr/>
+        </p:nvPicPr>
+        <p:blipFill>
+          <a:blip r:embed="rId5">
+            <a:extLst>
+              <a:ext uri="{28A0092B-C50C-407E-A947-70E740481C1C}">
+                <a14:useLocalDpi xmlns:a14="http://schemas.microsoft.com/office/drawing/2010/main" val="0"/>
+              </a:ext>
+            </a:extLst>
+          </a:blip>
+          <a:stretch>
+            <a:fillRect/>
+          </a:stretch>
+        </p:blipFill>
+        <p:spPr>
+          <a:xfrm>
+            <a:off x="4472391" y="3949430"/>
+            <a:ext cx="3841598" cy="2881199"/>
+          </a:xfrm>
+          <a:prstGeom prst="rect">
+            <a:avLst/>
+          </a:prstGeom>
+          <a:ln w="38100">
             <a:solidFill>
-              <a:schemeClr val="accent2"/>
+              <a:schemeClr val="accent1"/>
             </a:solidFill>
-            <a:prstDash val="solid"/>
-            <a:round/>
-            <a:headEnd type="none" w="med" len="med"/>
-            <a:tailEnd type="arrow" w="med" len="med"/>
           </a:ln>
         </p:spPr>
+      </p:pic>
+      <p:sp>
+        <p:nvSpPr>
+          <p:cNvPr id="13" name="Arrow: Right 12">
+            <a:extLst>
+              <a:ext uri="{FF2B5EF4-FFF2-40B4-BE49-F238E27FC236}">
+                <a16:creationId xmlns:a16="http://schemas.microsoft.com/office/drawing/2014/main" id="{124AC4FD-260B-746C-C0CE-2B653357A7FA}"/>
+              </a:ext>
+            </a:extLst>
+          </p:cNvPr>
+          <p:cNvSpPr/>
+          <p:nvPr/>
+        </p:nvSpPr>
+        <p:spPr>
+          <a:xfrm>
+            <a:off x="3369012" y="4919074"/>
+            <a:ext cx="933854" cy="749029"/>
+          </a:xfrm>
+          <a:prstGeom prst="rightArrow">
+            <a:avLst/>
+          </a:prstGeom>
+        </p:spPr>
         <p:style>
-          <a:lnRef idx="0">
-            <a:scrgbClr r="0" g="0" b="0"/>
+          <a:lnRef idx="2">
+            <a:schemeClr val="accent1">
+              <a:shade val="15000"/>
+            </a:schemeClr>
           </a:lnRef>
-          <a:fillRef idx="0">
-            <a:scrgbClr r="0" g="0" b="0"/>
+          <a:fillRef idx="1">
+            <a:schemeClr val="accent1"/>
           </a:fillRef>
           <a:effectRef idx="0">
-            <a:scrgbClr r="0" g="0" b="0"/>
-          </a:effectRef>
-          <a:fontRef idx="minor">
-            <a:schemeClr val="tx1"/>
-          </a:fontRef>
-        </p:style>
-      </p:cxnSp>
-      <p:sp>
-        <p:nvSpPr>
-          <p:cNvPr id="15" name="TextBox 14">
-            <a:extLst>
-              <a:ext uri="{FF2B5EF4-FFF2-40B4-BE49-F238E27FC236}">
-                <a16:creationId xmlns:a16="http://schemas.microsoft.com/office/drawing/2014/main" id="{6EF0FFA4-3C54-4C87-ABBB-EF36B2C431A1}"/>
-              </a:ext>
-            </a:extLst>
-          </p:cNvPr>
-          <p:cNvSpPr txBox="1"/>
-          <p:nvPr/>
-        </p:nvSpPr>
-        <p:spPr>
-          <a:xfrm>
-            <a:off x="8532375" y="2505670"/>
-            <a:ext cx="3640575" cy="923330"/>
-          </a:xfrm>
-          <a:prstGeom prst="rect">
-            <a:avLst/>
-          </a:prstGeom>
-        </p:spPr>
-        <p:style>
-          <a:lnRef idx="0">
-            <a:schemeClr val="accent3"/>
-          </a:lnRef>
-          <a:fillRef idx="3">
-            <a:schemeClr val="accent3"/>
-          </a:fillRef>
-          <a:effectRef idx="3">
-            <a:schemeClr val="accent3"/>
+            <a:schemeClr val="accent1"/>
           </a:effectRef>
           <a:fontRef idx="minor">
             <a:schemeClr val="lt1"/>
           </a:fontRef>
         </p:style>
         <p:txBody>
-          <a:bodyPr wrap="square">
-            <a:spAutoFit/>
-          </a:bodyPr>
+          <a:bodyPr rtlCol="1" anchor="ctr"/>
           <a:lstStyle/>
           <a:p>
-            <a:r>
-              <a:rPr lang="en-US" dirty="0"/>
-              <a:t>The X and Y coordinates are calculated to space the rectangles evenly across the image.</a:t>
-            </a:r>
-            <a:endParaRPr lang="he-IL" dirty="0"/>
-          </a:p>
-        </p:txBody>
-      </p:sp>
-      <p:cxnSp>
-        <p:nvCxnSpPr>
-          <p:cNvPr id="16" name="Straight Arrow Connector 15">
-            <a:extLst>
-              <a:ext uri="{FF2B5EF4-FFF2-40B4-BE49-F238E27FC236}">
-                <a16:creationId xmlns:a16="http://schemas.microsoft.com/office/drawing/2014/main" id="{460087FD-5639-3B9D-6FCA-8849762F66CE}"/>
-              </a:ext>
-            </a:extLst>
-          </p:cNvPr>
-          <p:cNvCxnSpPr>
-            <a:cxnSpLocks/>
-          </p:cNvCxnSpPr>
+            <a:pPr algn="ctr"/>
+            <a:endParaRPr lang="he-IL"/>
+          </a:p>
+        </p:txBody>
+      </p:sp>
+      <p:sp>
+        <p:nvSpPr>
+          <p:cNvPr id="14" name="Rectangle 13">
+            <a:extLst>
+              <a:ext uri="{FF2B5EF4-FFF2-40B4-BE49-F238E27FC236}">
+                <a16:creationId xmlns:a16="http://schemas.microsoft.com/office/drawing/2014/main" id="{7A5729FB-50FF-E657-C642-5FFA4BEF4AB5}"/>
+              </a:ext>
+            </a:extLst>
+          </p:cNvPr>
+          <p:cNvSpPr/>
           <p:nvPr/>
-        </p:nvCxnSpPr>
-        <p:spPr>
-          <a:xfrm flipH="1" flipV="1">
-            <a:off x="7714034" y="2587557"/>
-            <a:ext cx="799291" cy="410361"/>
-          </a:xfrm>
-          <a:prstGeom prst="straightConnector1">
-            <a:avLst/>
-          </a:prstGeom>
-          <a:ln w="57150" cap="flat" cmpd="sng" algn="ctr">
-            <a:solidFill>
-              <a:schemeClr val="accent3"/>
-            </a:solidFill>
-            <a:prstDash val="solid"/>
-            <a:round/>
-            <a:headEnd type="none" w="med" len="med"/>
-            <a:tailEnd type="arrow" w="med" len="med"/>
-          </a:ln>
+        </p:nvSpPr>
+        <p:spPr>
+          <a:xfrm>
+            <a:off x="97275" y="4500785"/>
+            <a:ext cx="2850205" cy="1585608"/>
+          </a:xfrm>
+          <a:prstGeom prst="rect">
+            <a:avLst/>
+          </a:prstGeom>
         </p:spPr>
         <p:style>
-          <a:lnRef idx="0">
-            <a:scrgbClr r="0" g="0" b="0"/>
+          <a:lnRef idx="2">
+            <a:schemeClr val="accent1">
+              <a:shade val="15000"/>
+            </a:schemeClr>
           </a:lnRef>
-          <a:fillRef idx="0">
-            <a:scrgbClr r="0" g="0" b="0"/>
+          <a:fillRef idx="1">
+            <a:schemeClr val="accent1"/>
           </a:fillRef>
           <a:effectRef idx="0">
-            <a:scrgbClr r="0" g="0" b="0"/>
-          </a:effectRef>
-          <a:fontRef idx="minor">
-            <a:schemeClr val="tx1"/>
-          </a:fontRef>
-        </p:style>
-      </p:cxnSp>
-      <p:sp>
-        <p:nvSpPr>
-          <p:cNvPr id="20" name="TextBox 19">
-            <a:extLst>
-              <a:ext uri="{FF2B5EF4-FFF2-40B4-BE49-F238E27FC236}">
-                <a16:creationId xmlns:a16="http://schemas.microsoft.com/office/drawing/2014/main" id="{A2C11EB9-9351-2A68-92BF-E97878BCB7CB}"/>
-              </a:ext>
-            </a:extLst>
-          </p:cNvPr>
-          <p:cNvSpPr txBox="1"/>
-          <p:nvPr/>
-        </p:nvSpPr>
-        <p:spPr>
-          <a:xfrm>
-            <a:off x="8404698" y="4399004"/>
-            <a:ext cx="3768252" cy="1204128"/>
-          </a:xfrm>
-          <a:prstGeom prst="rect">
-            <a:avLst/>
-          </a:prstGeom>
-          <a:ln>
-            <a:solidFill>
-              <a:srgbClr val="7030A0"/>
-            </a:solidFill>
-          </a:ln>
-        </p:spPr>
-        <p:style>
-          <a:lnRef idx="0">
-            <a:schemeClr val="accent5"/>
-          </a:lnRef>
-          <a:fillRef idx="3">
-            <a:schemeClr val="accent5"/>
-          </a:fillRef>
-          <a:effectRef idx="3">
-            <a:schemeClr val="accent5"/>
+            <a:schemeClr val="accent1"/>
           </a:effectRef>
           <a:fontRef idx="minor">
             <a:schemeClr val="lt1"/>
           </a:fontRef>
         </p:style>
         <p:txBody>
-          <a:bodyPr wrap="square">
-            <a:spAutoFit/>
-          </a:bodyPr>
+          <a:bodyPr rtlCol="1" anchor="ctr"/>
           <a:lstStyle/>
           <a:p>
+            <a:pPr algn="ctr"/>
             <a:r>
               <a:rPr lang="en-US" dirty="0"/>
-              <a:t>The loop iterates over the number of rectangles. For each rectangle, the AddGrayRectangle function is called with the input parameters:</a:t>
+              <a:t>One can see that there has been created 10 rectangles with a declining transparency over the diagonal of the screen</a:t>
             </a:r>
             <a:endParaRPr lang="he-IL" dirty="0"/>
           </a:p>
         </p:txBody>
       </p:sp>
-      <p:cxnSp>
-        <p:nvCxnSpPr>
-          <p:cNvPr id="21" name="Straight Arrow Connector 20">
-            <a:extLst>
-              <a:ext uri="{FF2B5EF4-FFF2-40B4-BE49-F238E27FC236}">
-                <a16:creationId xmlns:a16="http://schemas.microsoft.com/office/drawing/2014/main" id="{2960DF08-ECA0-E824-9E32-1A61438D9D5C}"/>
-              </a:ext>
-            </a:extLst>
-          </p:cNvPr>
-          <p:cNvCxnSpPr>
-            <a:cxnSpLocks/>
-          </p:cNvCxnSpPr>
-          <p:nvPr/>
-        </p:nvCxnSpPr>
-        <p:spPr>
-          <a:xfrm flipH="1" flipV="1">
-            <a:off x="6361889" y="4319363"/>
-            <a:ext cx="2042809" cy="608595"/>
-          </a:xfrm>
-          <a:prstGeom prst="straightConnector1">
-            <a:avLst/>
-          </a:prstGeom>
-          <a:ln w="57150" cap="flat" cmpd="sng" algn="ctr">
-            <a:solidFill>
-              <a:srgbClr val="7030A0"/>
-            </a:solidFill>
-            <a:prstDash val="solid"/>
-            <a:round/>
-            <a:headEnd type="none" w="med" len="med"/>
-            <a:tailEnd type="arrow" w="med" len="med"/>
-          </a:ln>
-        </p:spPr>
-        <p:style>
-          <a:lnRef idx="0">
-            <a:scrgbClr r="0" g="0" b="0"/>
-          </a:lnRef>
-          <a:fillRef idx="0">
-            <a:scrgbClr r="0" g="0" b="0"/>
-          </a:fillRef>
-          <a:effectRef idx="0">
-            <a:scrgbClr r="0" g="0" b="0"/>
-          </a:effectRef>
-          <a:fontRef idx="minor">
-            <a:schemeClr val="tx1"/>
-          </a:fontRef>
-        </p:style>
-      </p:cxnSp>
-      <p:sp>
-        <p:nvSpPr>
-          <p:cNvPr id="24" name="TextBox 23">
-            <a:extLst>
-              <a:ext uri="{FF2B5EF4-FFF2-40B4-BE49-F238E27FC236}">
-                <a16:creationId xmlns:a16="http://schemas.microsoft.com/office/drawing/2014/main" id="{422C36F8-A01E-3241-AD9F-8AE4D4ADE602}"/>
-              </a:ext>
-            </a:extLst>
-          </p:cNvPr>
-          <p:cNvSpPr txBox="1"/>
-          <p:nvPr/>
-        </p:nvSpPr>
-        <p:spPr>
-          <a:xfrm>
-            <a:off x="7130374" y="5958007"/>
-            <a:ext cx="5024742" cy="923330"/>
-          </a:xfrm>
-          <a:prstGeom prst="rect">
-            <a:avLst/>
-          </a:prstGeom>
-        </p:spPr>
-        <p:style>
-          <a:lnRef idx="0">
-            <a:schemeClr val="accent4"/>
-          </a:lnRef>
-          <a:fillRef idx="3">
-            <a:schemeClr val="accent4"/>
-          </a:fillRef>
-          <a:effectRef idx="3">
-            <a:schemeClr val="accent4"/>
-          </a:effectRef>
-          <a:fontRef idx="minor">
-            <a:schemeClr val="lt1"/>
-          </a:fontRef>
-        </p:style>
-        <p:txBody>
-          <a:bodyPr wrap="square">
-            <a:spAutoFit/>
-          </a:bodyPr>
-          <a:lstStyle/>
-          <a:p>
-            <a:r>
-              <a:rPr lang="en-US" dirty="0"/>
-              <a:t>Calls the function StoreGrayImageAsGrayBmpFile to save the image img as a BMP file named "grayImg11.bmp".</a:t>
-            </a:r>
-            <a:endParaRPr lang="he-IL" dirty="0"/>
-          </a:p>
-        </p:txBody>
-      </p:sp>
-      <p:cxnSp>
-        <p:nvCxnSpPr>
-          <p:cNvPr id="25" name="Straight Arrow Connector 24">
-            <a:extLst>
-              <a:ext uri="{FF2B5EF4-FFF2-40B4-BE49-F238E27FC236}">
-                <a16:creationId xmlns:a16="http://schemas.microsoft.com/office/drawing/2014/main" id="{EDE48D63-625D-654B-19EE-BB0F8F5B3196}"/>
-              </a:ext>
-            </a:extLst>
-          </p:cNvPr>
-          <p:cNvCxnSpPr>
-            <a:cxnSpLocks/>
-          </p:cNvCxnSpPr>
-          <p:nvPr/>
-        </p:nvCxnSpPr>
-        <p:spPr>
-          <a:xfrm flipH="1" flipV="1">
-            <a:off x="6011694" y="5282833"/>
-            <a:ext cx="1118680" cy="802034"/>
-          </a:xfrm>
-          <a:prstGeom prst="straightConnector1">
-            <a:avLst/>
-          </a:prstGeom>
-          <a:ln w="57150" cap="flat" cmpd="sng" algn="ctr">
-            <a:solidFill>
-              <a:srgbClr val="00B0F0"/>
-            </a:solidFill>
-            <a:prstDash val="solid"/>
-            <a:round/>
-            <a:headEnd type="none" w="med" len="med"/>
-            <a:tailEnd type="arrow" w="med" len="med"/>
-          </a:ln>
-        </p:spPr>
-        <p:style>
-          <a:lnRef idx="0">
-            <a:scrgbClr r="0" g="0" b="0"/>
-          </a:lnRef>
-          <a:fillRef idx="0">
-            <a:scrgbClr r="0" g="0" b="0"/>
-          </a:fillRef>
-          <a:effectRef idx="0">
-            <a:scrgbClr r="0" g="0" b="0"/>
-          </a:effectRef>
-          <a:fontRef idx="minor">
-            <a:schemeClr val="tx1"/>
-          </a:fontRef>
-        </p:style>
-      </p:cxnSp>
     </p:spTree>
     <p:extLst>
       <p:ext uri="{BB962C8B-B14F-4D97-AF65-F5344CB8AC3E}">
-        <p14:creationId xmlns:p14="http://schemas.microsoft.com/office/powerpoint/2010/main" val="2936565724"/>
+        <p14:creationId xmlns:p14="http://schemas.microsoft.com/office/powerpoint/2010/main" val="3155810348"/>
       </p:ext>
     </p:extLst>
   </p:cSld>
